--- a/pub/Council/Agenda2012Aug22-23/Council_Chair_Report_V2.pptx
+++ b/pub/Council/Agenda2012Aug22-23/Council_Chair_Report_V2.pptx
@@ -5,10 +5,10 @@
     <p:sldMasterId id="2147483692" r:id="rId1"/>
   </p:sldMasterIdLst>
   <p:notesMasterIdLst>
-    <p:notesMasterId r:id="rId18"/>
+    <p:notesMasterId r:id="rId19"/>
   </p:notesMasterIdLst>
   <p:handoutMasterIdLst>
-    <p:handoutMasterId r:id="rId19"/>
+    <p:handoutMasterId r:id="rId20"/>
   </p:handoutMasterIdLst>
   <p:sldIdLst>
     <p:sldId id="272" r:id="rId2"/>
@@ -22,11 +22,12 @@
     <p:sldId id="296" r:id="rId10"/>
     <p:sldId id="290" r:id="rId11"/>
     <p:sldId id="291" r:id="rId12"/>
-    <p:sldId id="280" r:id="rId13"/>
-    <p:sldId id="281" r:id="rId14"/>
-    <p:sldId id="282" r:id="rId15"/>
-    <p:sldId id="289" r:id="rId16"/>
-    <p:sldId id="297" r:id="rId17"/>
+    <p:sldId id="299" r:id="rId13"/>
+    <p:sldId id="280" r:id="rId14"/>
+    <p:sldId id="281" r:id="rId15"/>
+    <p:sldId id="282" r:id="rId16"/>
+    <p:sldId id="289" r:id="rId17"/>
+    <p:sldId id="297" r:id="rId18"/>
   </p:sldIdLst>
   <p:sldSz cx="9144000" cy="6858000" type="screen4x3"/>
   <p:notesSz cx="7010400" cy="9296400"/>
@@ -4249,6 +4250,35 @@
           <a:chExt cx="0" cy="0"/>
         </a:xfrm>
       </p:grpSpPr>
+      <p:pic>
+        <p:nvPicPr>
+          <p:cNvPr id="8" name="Picture 7" descr="Slide2.gif"/>
+          <p:cNvPicPr>
+            <a:picLocks noChangeAspect="1"/>
+          </p:cNvPicPr>
+          <p:nvPr/>
+        </p:nvPicPr>
+        <p:blipFill rotWithShape="1">
+          <a:blip r:embed="rId2">
+            <a:extLst>
+              <a:ext uri="{28A0092B-C50C-407E-A947-70E740481C1C}">
+                <a14:useLocalDpi xmlns:a14="http://schemas.microsoft.com/office/drawing/2010/main" val="0"/>
+              </a:ext>
+            </a:extLst>
+          </a:blip>
+          <a:srcRect t="9445" b="23148"/>
+          <a:stretch/>
+        </p:blipFill>
+        <p:spPr>
+          <a:xfrm>
+            <a:off x="0" y="1143000"/>
+            <a:ext cx="9144000" cy="4622800"/>
+          </a:xfrm>
+          <a:prstGeom prst="rect">
+            <a:avLst/>
+          </a:prstGeom>
+        </p:spPr>
+      </p:pic>
       <p:sp>
         <p:nvSpPr>
           <p:cNvPr id="2" name="Title 1"/>
@@ -4259,18 +4289,19 @@
             <p:ph type="title"/>
           </p:nvPr>
         </p:nvSpPr>
-        <p:spPr/>
+        <p:spPr>
+          <a:xfrm>
+            <a:off x="685800" y="165100"/>
+            <a:ext cx="8229600" cy="977900"/>
+          </a:xfrm>
+        </p:spPr>
         <p:txBody>
           <a:bodyPr/>
           <a:lstStyle/>
           <a:p>
             <a:r>
               <a:rPr lang="en-US" dirty="0" smtClean="0"/>
-              <a:t>Registered Communities</a:t>
-            </a:r>
-            <a:r>
-              <a:rPr lang="en-US" dirty="0" smtClean="0"/>
-              <a:t>/VOs</a:t>
+              <a:t>The Current Project Structure</a:t>
             </a:r>
             <a:endParaRPr lang="en-US" dirty="0"/>
           </a:p>
@@ -4307,23 +4338,219 @@
       </p:sp>
       <p:sp>
         <p:nvSpPr>
-          <p:cNvPr id="4" name="Content Placeholder 3"/>
+          <p:cNvPr id="10" name="TextBox 9"/>
+          <p:cNvSpPr txBox="1"/>
+          <p:nvPr/>
+        </p:nvSpPr>
+        <p:spPr>
+          <a:xfrm>
+            <a:off x="6477000" y="4364672"/>
+            <a:ext cx="2667000" cy="2246769"/>
+          </a:xfrm>
+          <a:prstGeom prst="rect">
+            <a:avLst/>
+          </a:prstGeom>
+          <a:noFill/>
+        </p:spPr>
+        <p:txBody>
+          <a:bodyPr wrap="square" rtlCol="0">
+            <a:spAutoFit/>
+          </a:bodyPr>
+          <a:lstStyle/>
+          <a:p>
+            <a:r>
+              <a:rPr lang="en-US" sz="1400" dirty="0" smtClean="0"/>
+              <a:t>New network activity led by Shawn McGee of U Michigan, current activities:</a:t>
+            </a:r>
+          </a:p>
+          <a:p>
+            <a:pPr marL="285750" indent="-285750">
+              <a:buFont typeface="Arial"/>
+              <a:buChar char="•"/>
+            </a:pPr>
+            <a:r>
+              <a:rPr lang="en-US" sz="1400" dirty="0" err="1" smtClean="0"/>
+              <a:t>Perfsonar</a:t>
+            </a:r>
+            <a:r>
+              <a:rPr lang="en-US" sz="1400" dirty="0" smtClean="0"/>
+              <a:t> toolkit – </a:t>
+            </a:r>
+            <a:r>
+              <a:rPr lang="en-US" sz="1400" dirty="0"/>
+              <a:t>harden </a:t>
+            </a:r>
+            <a:r>
+              <a:rPr lang="en-US" sz="1400" dirty="0" smtClean="0"/>
+              <a:t>and </a:t>
+            </a:r>
+            <a:r>
+              <a:rPr lang="en-US" sz="1400" dirty="0"/>
+              <a:t>deliver via </a:t>
+            </a:r>
+            <a:r>
+              <a:rPr lang="en-US" sz="1400" dirty="0" smtClean="0"/>
+              <a:t>VDT.</a:t>
+            </a:r>
+            <a:r>
+              <a:rPr lang="en-US" sz="1400" dirty="0"/>
+              <a:t> </a:t>
+            </a:r>
+          </a:p>
+          <a:p>
+            <a:pPr marL="285750" indent="-285750">
+              <a:buFont typeface="Arial"/>
+              <a:buChar char="•"/>
+            </a:pPr>
+            <a:r>
+              <a:rPr lang="en-US" sz="1400" dirty="0" smtClean="0"/>
+              <a:t>Modular </a:t>
+            </a:r>
+            <a:r>
+              <a:rPr lang="en-US" sz="1400" dirty="0"/>
+              <a:t>Dashboard </a:t>
+            </a:r>
+            <a:r>
+              <a:rPr lang="en-US" sz="1400" dirty="0" smtClean="0"/>
+              <a:t>deployment and operation. </a:t>
+            </a:r>
+            <a:r>
+              <a:rPr lang="en-US" sz="1400" dirty="0"/>
+              <a:t> </a:t>
+            </a:r>
+          </a:p>
+          <a:p>
+            <a:pPr marL="285750" lvl="0" indent="-285750">
+              <a:buFont typeface="Arial"/>
+              <a:buChar char="•"/>
+            </a:pPr>
+            <a:r>
+              <a:rPr lang="en-US" sz="1400" dirty="0"/>
+              <a:t>L</a:t>
+            </a:r>
+            <a:r>
+              <a:rPr lang="en-US" sz="1400" dirty="0" smtClean="0"/>
+              <a:t>ink </a:t>
+            </a:r>
+            <a:r>
+              <a:rPr lang="en-US" sz="1400" dirty="0"/>
+              <a:t>between OSG </a:t>
+            </a:r>
+            <a:r>
+              <a:rPr lang="en-US" sz="1400" dirty="0" smtClean="0"/>
+              <a:t>stakeholders &amp; broader </a:t>
+            </a:r>
+            <a:r>
+              <a:rPr lang="en-US" sz="1400" dirty="0"/>
+              <a:t>network monitoring </a:t>
+            </a:r>
+            <a:r>
+              <a:rPr lang="en-US" sz="1400" dirty="0" smtClean="0"/>
+              <a:t>efforts.</a:t>
+            </a:r>
+            <a:endParaRPr lang="en-US" sz="1400" dirty="0"/>
+          </a:p>
+        </p:txBody>
+      </p:sp>
+      <p:sp>
+        <p:nvSpPr>
+          <p:cNvPr id="11" name="TextBox 10"/>
+          <p:cNvSpPr txBox="1"/>
+          <p:nvPr/>
+        </p:nvSpPr>
+        <p:spPr>
+          <a:xfrm>
+            <a:off x="266700" y="4148772"/>
+            <a:ext cx="2667000" cy="954107"/>
+          </a:xfrm>
+          <a:prstGeom prst="rect">
+            <a:avLst/>
+          </a:prstGeom>
+          <a:noFill/>
+        </p:spPr>
+        <p:txBody>
+          <a:bodyPr wrap="square" rtlCol="0">
+            <a:spAutoFit/>
+          </a:bodyPr>
+          <a:lstStyle/>
+          <a:p>
+            <a:r>
+              <a:rPr lang="en-US" sz="1400" dirty="0" smtClean="0"/>
+              <a:t>Specific project to transition OSG PKI Certificate Authority service implementation from </a:t>
+            </a:r>
+            <a:r>
+              <a:rPr lang="en-US" sz="1400" dirty="0" err="1" smtClean="0"/>
+              <a:t>DOEGrids</a:t>
+            </a:r>
+            <a:r>
+              <a:rPr lang="en-US" sz="1400" dirty="0" smtClean="0"/>
+              <a:t> to OSG.</a:t>
+            </a:r>
+            <a:endParaRPr lang="en-US" sz="1400" dirty="0"/>
+          </a:p>
+        </p:txBody>
+      </p:sp>
+      <p:sp>
+        <p:nvSpPr>
+          <p:cNvPr id="12" name="TextBox 11"/>
+          <p:cNvSpPr txBox="1"/>
+          <p:nvPr/>
+        </p:nvSpPr>
+        <p:spPr>
+          <a:xfrm>
+            <a:off x="177800" y="1138872"/>
+            <a:ext cx="1422400" cy="2246769"/>
+          </a:xfrm>
+          <a:prstGeom prst="rect">
+            <a:avLst/>
+          </a:prstGeom>
+          <a:noFill/>
+        </p:spPr>
+        <p:txBody>
+          <a:bodyPr wrap="square" rtlCol="0">
+            <a:spAutoFit/>
+          </a:bodyPr>
+          <a:lstStyle/>
+          <a:p>
+            <a:r>
+              <a:rPr lang="en-US" sz="1400" dirty="0" smtClean="0"/>
+              <a:t>Details of structure changed several times over the past 5 years in response changes in  needs, plans and staffing.</a:t>
+            </a:r>
+            <a:endParaRPr lang="en-US" sz="1400" dirty="0"/>
+          </a:p>
+        </p:txBody>
+      </p:sp>
+      <p:sp>
+        <p:nvSpPr>
+          <p:cNvPr id="9" name="Content Placeholder 2"/>
           <p:cNvSpPr txBox="1">
             <a:spLocks/>
           </p:cNvSpPr>
           <p:nvPr/>
         </p:nvSpPr>
-        <p:spPr>
+        <p:spPr bwMode="auto">
           <a:xfrm>
-            <a:off x="157119" y="1333499"/>
-            <a:ext cx="8986881" cy="5161141"/>
+            <a:off x="5551928" y="2241503"/>
+            <a:ext cx="645671" cy="546099"/>
           </a:xfrm>
           <a:prstGeom prst="rect">
             <a:avLst/>
           </a:prstGeom>
+          <a:noFill/>
+          <a:ln w="9525">
+            <a:noFill/>
+            <a:miter lim="800000"/>
+            <a:headEnd/>
+            <a:tailEnd/>
+          </a:ln>
         </p:spPr>
         <p:txBody>
-          <a:bodyPr numCol="5"/>
+          <a:bodyPr vert="horz" wrap="square" lIns="91440" tIns="45720" rIns="91440" bIns="45720" numCol="1" anchor="t" anchorCtr="0" compatLnSpc="1">
+            <a:prstTxWarp prst="textNoShape">
+              <a:avLst/>
+            </a:prstTxWarp>
+            <a:normAutofit fontScale="77500" lnSpcReduction="20000"/>
+          </a:bodyPr>
           <a:lstStyle>
             <a:lvl1pPr marL="342900" indent="-342900" algn="l" rtl="0" eaLnBrk="0" fontAlgn="base" hangingPunct="0">
               <a:spcBef>
@@ -4517,641 +4744,2893 @@
               <a:buNone/>
             </a:pPr>
             <a:r>
-              <a:rPr lang="en-US" sz="2000" smtClean="0"/>
-              <a:t>Accelerator </a:t>
-            </a:r>
-          </a:p>
+              <a:rPr lang="en-US" sz="2800" dirty="0" err="1" smtClean="0">
+                <a:solidFill>
+                  <a:schemeClr val="accent6">
+                    <a:lumMod val="60000"/>
+                    <a:lumOff val="40000"/>
+                  </a:schemeClr>
+                </a:solidFill>
+                <a:latin typeface="Arial"/>
+                <a:cs typeface="Arial"/>
+              </a:rPr>
+              <a:t>eng</a:t>
+            </a:r>
+            <a:endParaRPr lang="en-US" sz="2800" dirty="0" smtClean="0">
+              <a:solidFill>
+                <a:schemeClr val="accent6">
+                  <a:lumMod val="60000"/>
+                  <a:lumOff val="40000"/>
+                </a:schemeClr>
+              </a:solidFill>
+              <a:latin typeface="Arial"/>
+              <a:cs typeface="Arial"/>
+            </a:endParaRPr>
+          </a:p>
+        </p:txBody>
+      </p:sp>
+      <p:sp>
+        <p:nvSpPr>
+          <p:cNvPr id="14" name="Content Placeholder 2"/>
+          <p:cNvSpPr txBox="1">
+            <a:spLocks/>
+          </p:cNvSpPr>
+          <p:nvPr/>
+        </p:nvSpPr>
+        <p:spPr bwMode="auto">
+          <a:xfrm>
+            <a:off x="5326337" y="1315346"/>
+            <a:ext cx="463216" cy="546099"/>
+          </a:xfrm>
+          <a:prstGeom prst="rect">
+            <a:avLst/>
+          </a:prstGeom>
+          <a:noFill/>
+          <a:ln w="9525">
+            <a:noFill/>
+            <a:miter lim="800000"/>
+            <a:headEnd/>
+            <a:tailEnd/>
+          </a:ln>
+        </p:spPr>
+        <p:txBody>
+          <a:bodyPr vert="horz" wrap="square" lIns="91440" tIns="45720" rIns="91440" bIns="45720" numCol="1" anchor="t" anchorCtr="0" compatLnSpc="1">
+            <a:prstTxWarp prst="textNoShape">
+              <a:avLst/>
+            </a:prstTxWarp>
+            <a:normAutofit/>
+          </a:bodyPr>
+          <a:lstStyle>
+            <a:lvl1pPr marL="342900" indent="-342900" algn="l" rtl="0" eaLnBrk="0" fontAlgn="base" hangingPunct="0">
+              <a:spcBef>
+                <a:spcPct val="20000"/>
+              </a:spcBef>
+              <a:spcAft>
+                <a:spcPct val="0"/>
+              </a:spcAft>
+              <a:buClr>
+                <a:srgbClr val="000080"/>
+              </a:buClr>
+              <a:buFont typeface="Times"/>
+              <a:buChar char="•"/>
+              <a:defRPr kumimoji="1" sz="2400">
+                <a:solidFill>
+                  <a:schemeClr val="tx2"/>
+                </a:solidFill>
+                <a:latin typeface="+mn-lt"/>
+                <a:ea typeface="+mn-ea"/>
+                <a:cs typeface="ＭＳ Ｐゴシック"/>
+              </a:defRPr>
+            </a:lvl1pPr>
+            <a:lvl2pPr marL="742950" indent="-285750" algn="l" rtl="0" eaLnBrk="0" fontAlgn="base" hangingPunct="0">
+              <a:spcBef>
+                <a:spcPct val="20000"/>
+              </a:spcBef>
+              <a:spcAft>
+                <a:spcPct val="0"/>
+              </a:spcAft>
+              <a:buClr>
+                <a:srgbClr val="3C0000"/>
+              </a:buClr>
+              <a:buFont typeface="Symbol" pitchFamily="18" charset="2"/>
+              <a:buChar char=""/>
+              <a:defRPr kumimoji="1" sz="2400">
+                <a:solidFill>
+                  <a:srgbClr val="630000"/>
+                </a:solidFill>
+                <a:latin typeface="+mn-lt"/>
+                <a:ea typeface="+mn-ea"/>
+                <a:cs typeface="ＭＳ Ｐゴシック"/>
+              </a:defRPr>
+            </a:lvl2pPr>
+            <a:lvl3pPr marL="1143000" indent="-228600" algn="l" rtl="0" eaLnBrk="0" fontAlgn="base" hangingPunct="0">
+              <a:spcBef>
+                <a:spcPct val="20000"/>
+              </a:spcBef>
+              <a:spcAft>
+                <a:spcPct val="0"/>
+              </a:spcAft>
+              <a:buClr>
+                <a:srgbClr val="3C0000"/>
+              </a:buClr>
+              <a:buFont typeface="Wingdings" pitchFamily="2" charset="2"/>
+              <a:buChar char="§"/>
+              <a:defRPr kumimoji="1" sz="2400">
+                <a:solidFill>
+                  <a:schemeClr val="tx2"/>
+                </a:solidFill>
+                <a:latin typeface="+mn-lt"/>
+                <a:ea typeface="+mn-ea"/>
+                <a:cs typeface="ＭＳ Ｐゴシック"/>
+              </a:defRPr>
+            </a:lvl3pPr>
+            <a:lvl4pPr marL="1600200" indent="-228600" algn="l" rtl="0" eaLnBrk="0" fontAlgn="base" hangingPunct="0">
+              <a:spcBef>
+                <a:spcPct val="20000"/>
+              </a:spcBef>
+              <a:spcAft>
+                <a:spcPct val="0"/>
+              </a:spcAft>
+              <a:buClr>
+                <a:srgbClr val="3C0000"/>
+              </a:buClr>
+              <a:buFont typeface="Wingdings" pitchFamily="2" charset="2"/>
+              <a:buChar char=""/>
+              <a:defRPr kumimoji="1" sz="2000">
+                <a:solidFill>
+                  <a:schemeClr val="tx2"/>
+                </a:solidFill>
+                <a:latin typeface="+mn-lt"/>
+                <a:ea typeface="+mn-ea"/>
+                <a:cs typeface="ＭＳ Ｐゴシック"/>
+              </a:defRPr>
+            </a:lvl4pPr>
+            <a:lvl5pPr marL="2057400" indent="-228600" algn="l" rtl="0" eaLnBrk="0" fontAlgn="base" hangingPunct="0">
+              <a:spcBef>
+                <a:spcPct val="20000"/>
+              </a:spcBef>
+              <a:spcAft>
+                <a:spcPct val="0"/>
+              </a:spcAft>
+              <a:buClr>
+                <a:srgbClr val="3C0000"/>
+              </a:buClr>
+              <a:buFont typeface="Wingdings" pitchFamily="2" charset="2"/>
+              <a:buChar char=""/>
+              <a:defRPr kumimoji="1" sz="2000">
+                <a:solidFill>
+                  <a:schemeClr val="tx2"/>
+                </a:solidFill>
+                <a:latin typeface="+mn-lt"/>
+                <a:ea typeface="+mn-ea"/>
+                <a:cs typeface="ＭＳ Ｐゴシック"/>
+              </a:defRPr>
+            </a:lvl5pPr>
+            <a:lvl6pPr marL="2514600" indent="-228600" algn="l" rtl="0" fontAlgn="base">
+              <a:spcBef>
+                <a:spcPct val="20000"/>
+              </a:spcBef>
+              <a:spcAft>
+                <a:spcPct val="0"/>
+              </a:spcAft>
+              <a:buClr>
+                <a:srgbClr val="3C0000"/>
+              </a:buClr>
+              <a:buFont typeface="Wingdings" pitchFamily="2" charset="2"/>
+              <a:buChar char=""/>
+              <a:defRPr kumimoji="1" sz="2000">
+                <a:solidFill>
+                  <a:schemeClr val="tx2"/>
+                </a:solidFill>
+                <a:latin typeface="+mn-lt"/>
+                <a:ea typeface="+mn-ea"/>
+              </a:defRPr>
+            </a:lvl6pPr>
+            <a:lvl7pPr marL="2971800" indent="-228600" algn="l" rtl="0" fontAlgn="base">
+              <a:spcBef>
+                <a:spcPct val="20000"/>
+              </a:spcBef>
+              <a:spcAft>
+                <a:spcPct val="0"/>
+              </a:spcAft>
+              <a:buClr>
+                <a:srgbClr val="3C0000"/>
+              </a:buClr>
+              <a:buFont typeface="Wingdings" pitchFamily="2" charset="2"/>
+              <a:buChar char=""/>
+              <a:defRPr kumimoji="1" sz="2000">
+                <a:solidFill>
+                  <a:schemeClr val="tx2"/>
+                </a:solidFill>
+                <a:latin typeface="+mn-lt"/>
+                <a:ea typeface="+mn-ea"/>
+              </a:defRPr>
+            </a:lvl7pPr>
+            <a:lvl8pPr marL="3429000" indent="-228600" algn="l" rtl="0" fontAlgn="base">
+              <a:spcBef>
+                <a:spcPct val="20000"/>
+              </a:spcBef>
+              <a:spcAft>
+                <a:spcPct val="0"/>
+              </a:spcAft>
+              <a:buClr>
+                <a:srgbClr val="3C0000"/>
+              </a:buClr>
+              <a:buFont typeface="Wingdings" pitchFamily="2" charset="2"/>
+              <a:buChar char=""/>
+              <a:defRPr kumimoji="1" sz="2000">
+                <a:solidFill>
+                  <a:schemeClr val="tx2"/>
+                </a:solidFill>
+                <a:latin typeface="+mn-lt"/>
+                <a:ea typeface="+mn-ea"/>
+              </a:defRPr>
+            </a:lvl8pPr>
+            <a:lvl9pPr marL="3886200" indent="-228600" algn="l" rtl="0" fontAlgn="base">
+              <a:spcBef>
+                <a:spcPct val="20000"/>
+              </a:spcBef>
+              <a:spcAft>
+                <a:spcPct val="0"/>
+              </a:spcAft>
+              <a:buClr>
+                <a:srgbClr val="3C0000"/>
+              </a:buClr>
+              <a:buFont typeface="Wingdings" pitchFamily="2" charset="2"/>
+              <a:buChar char=""/>
+              <a:defRPr kumimoji="1" sz="2000">
+                <a:solidFill>
+                  <a:schemeClr val="tx2"/>
+                </a:solidFill>
+                <a:latin typeface="+mn-lt"/>
+                <a:ea typeface="+mn-ea"/>
+              </a:defRPr>
+            </a:lvl9pPr>
+          </a:lstStyle>
           <a:p>
             <a:pPr marL="0" indent="0">
               <a:buFont typeface="Times"/>
               <a:buNone/>
             </a:pPr>
             <a:r>
-              <a:rPr lang="en-US" sz="2000" smtClean="0"/>
-              <a:t>ALICE </a:t>
-            </a:r>
-          </a:p>
+              <a:rPr lang="en-US" sz="2800" dirty="0" smtClean="0">
+                <a:solidFill>
+                  <a:srgbClr val="FBF376"/>
+                </a:solidFill>
+                <a:latin typeface="Arial"/>
+                <a:cs typeface="Arial"/>
+              </a:rPr>
+              <a:t>p</a:t>
+            </a:r>
+          </a:p>
+        </p:txBody>
+      </p:sp>
+      <p:sp>
+        <p:nvSpPr>
+          <p:cNvPr id="16" name="Content Placeholder 2"/>
+          <p:cNvSpPr txBox="1">
+            <a:spLocks/>
+          </p:cNvSpPr>
+          <p:nvPr/>
+        </p:nvSpPr>
+        <p:spPr bwMode="auto">
+          <a:xfrm>
+            <a:off x="5029200" y="1511301"/>
+            <a:ext cx="484421" cy="669428"/>
+          </a:xfrm>
+          <a:prstGeom prst="rect">
+            <a:avLst/>
+          </a:prstGeom>
+          <a:noFill/>
+          <a:ln w="9525">
+            <a:noFill/>
+            <a:miter lim="800000"/>
+            <a:headEnd/>
+            <a:tailEnd/>
+          </a:ln>
+        </p:spPr>
+        <p:txBody>
+          <a:bodyPr vert="horz" wrap="square" lIns="91440" tIns="45720" rIns="91440" bIns="45720" numCol="1" anchor="t" anchorCtr="0" compatLnSpc="1">
+            <a:prstTxWarp prst="textNoShape">
+              <a:avLst/>
+            </a:prstTxWarp>
+            <a:normAutofit/>
+          </a:bodyPr>
+          <a:lstStyle>
+            <a:lvl1pPr marL="342900" indent="-342900" algn="l" rtl="0" eaLnBrk="0" fontAlgn="base" hangingPunct="0">
+              <a:spcBef>
+                <a:spcPct val="20000"/>
+              </a:spcBef>
+              <a:spcAft>
+                <a:spcPct val="0"/>
+              </a:spcAft>
+              <a:buClr>
+                <a:srgbClr val="000080"/>
+              </a:buClr>
+              <a:buFont typeface="Times"/>
+              <a:buChar char="•"/>
+              <a:defRPr kumimoji="1" sz="2400">
+                <a:solidFill>
+                  <a:schemeClr val="tx2"/>
+                </a:solidFill>
+                <a:latin typeface="+mn-lt"/>
+                <a:ea typeface="+mn-ea"/>
+                <a:cs typeface="ＭＳ Ｐゴシック"/>
+              </a:defRPr>
+            </a:lvl1pPr>
+            <a:lvl2pPr marL="742950" indent="-285750" algn="l" rtl="0" eaLnBrk="0" fontAlgn="base" hangingPunct="0">
+              <a:spcBef>
+                <a:spcPct val="20000"/>
+              </a:spcBef>
+              <a:spcAft>
+                <a:spcPct val="0"/>
+              </a:spcAft>
+              <a:buClr>
+                <a:srgbClr val="3C0000"/>
+              </a:buClr>
+              <a:buFont typeface="Symbol" pitchFamily="18" charset="2"/>
+              <a:buChar char=""/>
+              <a:defRPr kumimoji="1" sz="2400">
+                <a:solidFill>
+                  <a:srgbClr val="630000"/>
+                </a:solidFill>
+                <a:latin typeface="+mn-lt"/>
+                <a:ea typeface="+mn-ea"/>
+                <a:cs typeface="ＭＳ Ｐゴシック"/>
+              </a:defRPr>
+            </a:lvl2pPr>
+            <a:lvl3pPr marL="1143000" indent="-228600" algn="l" rtl="0" eaLnBrk="0" fontAlgn="base" hangingPunct="0">
+              <a:spcBef>
+                <a:spcPct val="20000"/>
+              </a:spcBef>
+              <a:spcAft>
+                <a:spcPct val="0"/>
+              </a:spcAft>
+              <a:buClr>
+                <a:srgbClr val="3C0000"/>
+              </a:buClr>
+              <a:buFont typeface="Wingdings" pitchFamily="2" charset="2"/>
+              <a:buChar char="§"/>
+              <a:defRPr kumimoji="1" sz="2400">
+                <a:solidFill>
+                  <a:schemeClr val="tx2"/>
+                </a:solidFill>
+                <a:latin typeface="+mn-lt"/>
+                <a:ea typeface="+mn-ea"/>
+                <a:cs typeface="ＭＳ Ｐゴシック"/>
+              </a:defRPr>
+            </a:lvl3pPr>
+            <a:lvl4pPr marL="1600200" indent="-228600" algn="l" rtl="0" eaLnBrk="0" fontAlgn="base" hangingPunct="0">
+              <a:spcBef>
+                <a:spcPct val="20000"/>
+              </a:spcBef>
+              <a:spcAft>
+                <a:spcPct val="0"/>
+              </a:spcAft>
+              <a:buClr>
+                <a:srgbClr val="3C0000"/>
+              </a:buClr>
+              <a:buFont typeface="Wingdings" pitchFamily="2" charset="2"/>
+              <a:buChar char=""/>
+              <a:defRPr kumimoji="1" sz="2000">
+                <a:solidFill>
+                  <a:schemeClr val="tx2"/>
+                </a:solidFill>
+                <a:latin typeface="+mn-lt"/>
+                <a:ea typeface="+mn-ea"/>
+                <a:cs typeface="ＭＳ Ｐゴシック"/>
+              </a:defRPr>
+            </a:lvl4pPr>
+            <a:lvl5pPr marL="2057400" indent="-228600" algn="l" rtl="0" eaLnBrk="0" fontAlgn="base" hangingPunct="0">
+              <a:spcBef>
+                <a:spcPct val="20000"/>
+              </a:spcBef>
+              <a:spcAft>
+                <a:spcPct val="0"/>
+              </a:spcAft>
+              <a:buClr>
+                <a:srgbClr val="3C0000"/>
+              </a:buClr>
+              <a:buFont typeface="Wingdings" pitchFamily="2" charset="2"/>
+              <a:buChar char=""/>
+              <a:defRPr kumimoji="1" sz="2000">
+                <a:solidFill>
+                  <a:schemeClr val="tx2"/>
+                </a:solidFill>
+                <a:latin typeface="+mn-lt"/>
+                <a:ea typeface="+mn-ea"/>
+                <a:cs typeface="ＭＳ Ｐゴシック"/>
+              </a:defRPr>
+            </a:lvl5pPr>
+            <a:lvl6pPr marL="2514600" indent="-228600" algn="l" rtl="0" fontAlgn="base">
+              <a:spcBef>
+                <a:spcPct val="20000"/>
+              </a:spcBef>
+              <a:spcAft>
+                <a:spcPct val="0"/>
+              </a:spcAft>
+              <a:buClr>
+                <a:srgbClr val="3C0000"/>
+              </a:buClr>
+              <a:buFont typeface="Wingdings" pitchFamily="2" charset="2"/>
+              <a:buChar char=""/>
+              <a:defRPr kumimoji="1" sz="2000">
+                <a:solidFill>
+                  <a:schemeClr val="tx2"/>
+                </a:solidFill>
+                <a:latin typeface="+mn-lt"/>
+                <a:ea typeface="+mn-ea"/>
+              </a:defRPr>
+            </a:lvl6pPr>
+            <a:lvl7pPr marL="2971800" indent="-228600" algn="l" rtl="0" fontAlgn="base">
+              <a:spcBef>
+                <a:spcPct val="20000"/>
+              </a:spcBef>
+              <a:spcAft>
+                <a:spcPct val="0"/>
+              </a:spcAft>
+              <a:buClr>
+                <a:srgbClr val="3C0000"/>
+              </a:buClr>
+              <a:buFont typeface="Wingdings" pitchFamily="2" charset="2"/>
+              <a:buChar char=""/>
+              <a:defRPr kumimoji="1" sz="2000">
+                <a:solidFill>
+                  <a:schemeClr val="tx2"/>
+                </a:solidFill>
+                <a:latin typeface="+mn-lt"/>
+                <a:ea typeface="+mn-ea"/>
+              </a:defRPr>
+            </a:lvl7pPr>
+            <a:lvl8pPr marL="3429000" indent="-228600" algn="l" rtl="0" fontAlgn="base">
+              <a:spcBef>
+                <a:spcPct val="20000"/>
+              </a:spcBef>
+              <a:spcAft>
+                <a:spcPct val="0"/>
+              </a:spcAft>
+              <a:buClr>
+                <a:srgbClr val="3C0000"/>
+              </a:buClr>
+              <a:buFont typeface="Wingdings" pitchFamily="2" charset="2"/>
+              <a:buChar char=""/>
+              <a:defRPr kumimoji="1" sz="2000">
+                <a:solidFill>
+                  <a:schemeClr val="tx2"/>
+                </a:solidFill>
+                <a:latin typeface="+mn-lt"/>
+                <a:ea typeface="+mn-ea"/>
+              </a:defRPr>
+            </a:lvl8pPr>
+            <a:lvl9pPr marL="3886200" indent="-228600" algn="l" rtl="0" fontAlgn="base">
+              <a:spcBef>
+                <a:spcPct val="20000"/>
+              </a:spcBef>
+              <a:spcAft>
+                <a:spcPct val="0"/>
+              </a:spcAft>
+              <a:buClr>
+                <a:srgbClr val="3C0000"/>
+              </a:buClr>
+              <a:buFont typeface="Wingdings" pitchFamily="2" charset="2"/>
+              <a:buChar char=""/>
+              <a:defRPr kumimoji="1" sz="2000">
+                <a:solidFill>
+                  <a:schemeClr val="tx2"/>
+                </a:solidFill>
+                <a:latin typeface="+mn-lt"/>
+                <a:ea typeface="+mn-ea"/>
+              </a:defRPr>
+            </a:lvl9pPr>
+          </a:lstStyle>
           <a:p>
             <a:pPr marL="0" indent="0">
               <a:buFont typeface="Times"/>
               <a:buNone/>
             </a:pPr>
             <a:r>
-              <a:rPr lang="en-US" sz="2000" smtClean="0"/>
-              <a:t>Argoneut </a:t>
-            </a:r>
-          </a:p>
+              <a:rPr lang="en-US" sz="2800" dirty="0" smtClean="0">
+                <a:solidFill>
+                  <a:srgbClr val="FF6600"/>
+                </a:solidFill>
+                <a:latin typeface="Arial"/>
+                <a:cs typeface="Arial"/>
+              </a:rPr>
+              <a:t>s</a:t>
+            </a:r>
+          </a:p>
+        </p:txBody>
+      </p:sp>
+      <p:sp>
+        <p:nvSpPr>
+          <p:cNvPr id="17" name="Content Placeholder 2"/>
+          <p:cNvSpPr txBox="1">
+            <a:spLocks/>
+          </p:cNvSpPr>
+          <p:nvPr/>
+        </p:nvSpPr>
+        <p:spPr bwMode="auto">
+          <a:xfrm>
+            <a:off x="5562600" y="241300"/>
+            <a:ext cx="378842" cy="634943"/>
+          </a:xfrm>
+          <a:prstGeom prst="rect">
+            <a:avLst/>
+          </a:prstGeom>
+          <a:noFill/>
+          <a:ln w="9525">
+            <a:noFill/>
+            <a:miter lim="800000"/>
+            <a:headEnd/>
+            <a:tailEnd/>
+          </a:ln>
+        </p:spPr>
+        <p:txBody>
+          <a:bodyPr vert="horz" wrap="square" lIns="91440" tIns="45720" rIns="91440" bIns="45720" numCol="1" anchor="t" anchorCtr="0" compatLnSpc="1">
+            <a:prstTxWarp prst="textNoShape">
+              <a:avLst/>
+            </a:prstTxWarp>
+            <a:normAutofit/>
+          </a:bodyPr>
+          <a:lstStyle>
+            <a:lvl1pPr marL="342900" indent="-342900" algn="l" rtl="0" eaLnBrk="0" fontAlgn="base" hangingPunct="0">
+              <a:spcBef>
+                <a:spcPct val="20000"/>
+              </a:spcBef>
+              <a:spcAft>
+                <a:spcPct val="0"/>
+              </a:spcAft>
+              <a:buClr>
+                <a:srgbClr val="000080"/>
+              </a:buClr>
+              <a:buFont typeface="Times"/>
+              <a:buChar char="•"/>
+              <a:defRPr kumimoji="1" sz="2400">
+                <a:solidFill>
+                  <a:schemeClr val="tx2"/>
+                </a:solidFill>
+                <a:latin typeface="+mn-lt"/>
+                <a:ea typeface="+mn-ea"/>
+                <a:cs typeface="ＭＳ Ｐゴシック"/>
+              </a:defRPr>
+            </a:lvl1pPr>
+            <a:lvl2pPr marL="742950" indent="-285750" algn="l" rtl="0" eaLnBrk="0" fontAlgn="base" hangingPunct="0">
+              <a:spcBef>
+                <a:spcPct val="20000"/>
+              </a:spcBef>
+              <a:spcAft>
+                <a:spcPct val="0"/>
+              </a:spcAft>
+              <a:buClr>
+                <a:srgbClr val="3C0000"/>
+              </a:buClr>
+              <a:buFont typeface="Symbol" pitchFamily="18" charset="2"/>
+              <a:buChar char=""/>
+              <a:defRPr kumimoji="1" sz="2400">
+                <a:solidFill>
+                  <a:srgbClr val="630000"/>
+                </a:solidFill>
+                <a:latin typeface="+mn-lt"/>
+                <a:ea typeface="+mn-ea"/>
+                <a:cs typeface="ＭＳ Ｐゴシック"/>
+              </a:defRPr>
+            </a:lvl2pPr>
+            <a:lvl3pPr marL="1143000" indent="-228600" algn="l" rtl="0" eaLnBrk="0" fontAlgn="base" hangingPunct="0">
+              <a:spcBef>
+                <a:spcPct val="20000"/>
+              </a:spcBef>
+              <a:spcAft>
+                <a:spcPct val="0"/>
+              </a:spcAft>
+              <a:buClr>
+                <a:srgbClr val="3C0000"/>
+              </a:buClr>
+              <a:buFont typeface="Wingdings" pitchFamily="2" charset="2"/>
+              <a:buChar char="§"/>
+              <a:defRPr kumimoji="1" sz="2400">
+                <a:solidFill>
+                  <a:schemeClr val="tx2"/>
+                </a:solidFill>
+                <a:latin typeface="+mn-lt"/>
+                <a:ea typeface="+mn-ea"/>
+                <a:cs typeface="ＭＳ Ｐゴシック"/>
+              </a:defRPr>
+            </a:lvl3pPr>
+            <a:lvl4pPr marL="1600200" indent="-228600" algn="l" rtl="0" eaLnBrk="0" fontAlgn="base" hangingPunct="0">
+              <a:spcBef>
+                <a:spcPct val="20000"/>
+              </a:spcBef>
+              <a:spcAft>
+                <a:spcPct val="0"/>
+              </a:spcAft>
+              <a:buClr>
+                <a:srgbClr val="3C0000"/>
+              </a:buClr>
+              <a:buFont typeface="Wingdings" pitchFamily="2" charset="2"/>
+              <a:buChar char=""/>
+              <a:defRPr kumimoji="1" sz="2000">
+                <a:solidFill>
+                  <a:schemeClr val="tx2"/>
+                </a:solidFill>
+                <a:latin typeface="+mn-lt"/>
+                <a:ea typeface="+mn-ea"/>
+                <a:cs typeface="ＭＳ Ｐゴシック"/>
+              </a:defRPr>
+            </a:lvl4pPr>
+            <a:lvl5pPr marL="2057400" indent="-228600" algn="l" rtl="0" eaLnBrk="0" fontAlgn="base" hangingPunct="0">
+              <a:spcBef>
+                <a:spcPct val="20000"/>
+              </a:spcBef>
+              <a:spcAft>
+                <a:spcPct val="0"/>
+              </a:spcAft>
+              <a:buClr>
+                <a:srgbClr val="3C0000"/>
+              </a:buClr>
+              <a:buFont typeface="Wingdings" pitchFamily="2" charset="2"/>
+              <a:buChar char=""/>
+              <a:defRPr kumimoji="1" sz="2000">
+                <a:solidFill>
+                  <a:schemeClr val="tx2"/>
+                </a:solidFill>
+                <a:latin typeface="+mn-lt"/>
+                <a:ea typeface="+mn-ea"/>
+                <a:cs typeface="ＭＳ Ｐゴシック"/>
+              </a:defRPr>
+            </a:lvl5pPr>
+            <a:lvl6pPr marL="2514600" indent="-228600" algn="l" rtl="0" fontAlgn="base">
+              <a:spcBef>
+                <a:spcPct val="20000"/>
+              </a:spcBef>
+              <a:spcAft>
+                <a:spcPct val="0"/>
+              </a:spcAft>
+              <a:buClr>
+                <a:srgbClr val="3C0000"/>
+              </a:buClr>
+              <a:buFont typeface="Wingdings" pitchFamily="2" charset="2"/>
+              <a:buChar char=""/>
+              <a:defRPr kumimoji="1" sz="2000">
+                <a:solidFill>
+                  <a:schemeClr val="tx2"/>
+                </a:solidFill>
+                <a:latin typeface="+mn-lt"/>
+                <a:ea typeface="+mn-ea"/>
+              </a:defRPr>
+            </a:lvl6pPr>
+            <a:lvl7pPr marL="2971800" indent="-228600" algn="l" rtl="0" fontAlgn="base">
+              <a:spcBef>
+                <a:spcPct val="20000"/>
+              </a:spcBef>
+              <a:spcAft>
+                <a:spcPct val="0"/>
+              </a:spcAft>
+              <a:buClr>
+                <a:srgbClr val="3C0000"/>
+              </a:buClr>
+              <a:buFont typeface="Wingdings" pitchFamily="2" charset="2"/>
+              <a:buChar char=""/>
+              <a:defRPr kumimoji="1" sz="2000">
+                <a:solidFill>
+                  <a:schemeClr val="tx2"/>
+                </a:solidFill>
+                <a:latin typeface="+mn-lt"/>
+                <a:ea typeface="+mn-ea"/>
+              </a:defRPr>
+            </a:lvl7pPr>
+            <a:lvl8pPr marL="3429000" indent="-228600" algn="l" rtl="0" fontAlgn="base">
+              <a:spcBef>
+                <a:spcPct val="20000"/>
+              </a:spcBef>
+              <a:spcAft>
+                <a:spcPct val="0"/>
+              </a:spcAft>
+              <a:buClr>
+                <a:srgbClr val="3C0000"/>
+              </a:buClr>
+              <a:buFont typeface="Wingdings" pitchFamily="2" charset="2"/>
+              <a:buChar char=""/>
+              <a:defRPr kumimoji="1" sz="2000">
+                <a:solidFill>
+                  <a:schemeClr val="tx2"/>
+                </a:solidFill>
+                <a:latin typeface="+mn-lt"/>
+                <a:ea typeface="+mn-ea"/>
+              </a:defRPr>
+            </a:lvl8pPr>
+            <a:lvl9pPr marL="3886200" indent="-228600" algn="l" rtl="0" fontAlgn="base">
+              <a:spcBef>
+                <a:spcPct val="20000"/>
+              </a:spcBef>
+              <a:spcAft>
+                <a:spcPct val="0"/>
+              </a:spcAft>
+              <a:buClr>
+                <a:srgbClr val="3C0000"/>
+              </a:buClr>
+              <a:buFont typeface="Wingdings" pitchFamily="2" charset="2"/>
+              <a:buChar char=""/>
+              <a:defRPr kumimoji="1" sz="2000">
+                <a:solidFill>
+                  <a:schemeClr val="tx2"/>
+                </a:solidFill>
+                <a:latin typeface="+mn-lt"/>
+                <a:ea typeface="+mn-ea"/>
+              </a:defRPr>
+            </a:lvl9pPr>
+          </a:lstStyle>
           <a:p>
             <a:pPr marL="0" indent="0">
               <a:buFont typeface="Times"/>
               <a:buNone/>
             </a:pPr>
             <a:r>
-              <a:rPr lang="en-US" sz="2000" smtClean="0"/>
-              <a:t>ATLAS </a:t>
-            </a:r>
-          </a:p>
+              <a:rPr lang="en-US" sz="2800" dirty="0" smtClean="0">
+                <a:solidFill>
+                  <a:srgbClr val="CCFF99"/>
+                </a:solidFill>
+                <a:latin typeface="Arial"/>
+                <a:cs typeface="Arial"/>
+              </a:rPr>
+              <a:t>c</a:t>
+            </a:r>
+          </a:p>
+        </p:txBody>
+      </p:sp>
+      <p:sp>
+        <p:nvSpPr>
+          <p:cNvPr id="18" name="Content Placeholder 2"/>
+          <p:cNvSpPr txBox="1">
+            <a:spLocks/>
+          </p:cNvSpPr>
+          <p:nvPr/>
+        </p:nvSpPr>
+        <p:spPr bwMode="auto">
+          <a:xfrm>
+            <a:off x="6088337" y="1734446"/>
+            <a:ext cx="463216" cy="546099"/>
+          </a:xfrm>
+          <a:prstGeom prst="rect">
+            <a:avLst/>
+          </a:prstGeom>
+          <a:noFill/>
+          <a:ln w="9525">
+            <a:noFill/>
+            <a:miter lim="800000"/>
+            <a:headEnd/>
+            <a:tailEnd/>
+          </a:ln>
+        </p:spPr>
+        <p:txBody>
+          <a:bodyPr vert="horz" wrap="square" lIns="91440" tIns="45720" rIns="91440" bIns="45720" numCol="1" anchor="t" anchorCtr="0" compatLnSpc="1">
+            <a:prstTxWarp prst="textNoShape">
+              <a:avLst/>
+            </a:prstTxWarp>
+            <a:normAutofit/>
+          </a:bodyPr>
+          <a:lstStyle>
+            <a:lvl1pPr marL="342900" indent="-342900" algn="l" rtl="0" eaLnBrk="0" fontAlgn="base" hangingPunct="0">
+              <a:spcBef>
+                <a:spcPct val="20000"/>
+              </a:spcBef>
+              <a:spcAft>
+                <a:spcPct val="0"/>
+              </a:spcAft>
+              <a:buClr>
+                <a:srgbClr val="000080"/>
+              </a:buClr>
+              <a:buFont typeface="Times"/>
+              <a:buChar char="•"/>
+              <a:defRPr kumimoji="1" sz="2400">
+                <a:solidFill>
+                  <a:schemeClr val="tx2"/>
+                </a:solidFill>
+                <a:latin typeface="+mn-lt"/>
+                <a:ea typeface="+mn-ea"/>
+                <a:cs typeface="ＭＳ Ｐゴシック"/>
+              </a:defRPr>
+            </a:lvl1pPr>
+            <a:lvl2pPr marL="742950" indent="-285750" algn="l" rtl="0" eaLnBrk="0" fontAlgn="base" hangingPunct="0">
+              <a:spcBef>
+                <a:spcPct val="20000"/>
+              </a:spcBef>
+              <a:spcAft>
+                <a:spcPct val="0"/>
+              </a:spcAft>
+              <a:buClr>
+                <a:srgbClr val="3C0000"/>
+              </a:buClr>
+              <a:buFont typeface="Symbol" pitchFamily="18" charset="2"/>
+              <a:buChar char=""/>
+              <a:defRPr kumimoji="1" sz="2400">
+                <a:solidFill>
+                  <a:srgbClr val="630000"/>
+                </a:solidFill>
+                <a:latin typeface="+mn-lt"/>
+                <a:ea typeface="+mn-ea"/>
+                <a:cs typeface="ＭＳ Ｐゴシック"/>
+              </a:defRPr>
+            </a:lvl2pPr>
+            <a:lvl3pPr marL="1143000" indent="-228600" algn="l" rtl="0" eaLnBrk="0" fontAlgn="base" hangingPunct="0">
+              <a:spcBef>
+                <a:spcPct val="20000"/>
+              </a:spcBef>
+              <a:spcAft>
+                <a:spcPct val="0"/>
+              </a:spcAft>
+              <a:buClr>
+                <a:srgbClr val="3C0000"/>
+              </a:buClr>
+              <a:buFont typeface="Wingdings" pitchFamily="2" charset="2"/>
+              <a:buChar char="§"/>
+              <a:defRPr kumimoji="1" sz="2400">
+                <a:solidFill>
+                  <a:schemeClr val="tx2"/>
+                </a:solidFill>
+                <a:latin typeface="+mn-lt"/>
+                <a:ea typeface="+mn-ea"/>
+                <a:cs typeface="ＭＳ Ｐゴシック"/>
+              </a:defRPr>
+            </a:lvl3pPr>
+            <a:lvl4pPr marL="1600200" indent="-228600" algn="l" rtl="0" eaLnBrk="0" fontAlgn="base" hangingPunct="0">
+              <a:spcBef>
+                <a:spcPct val="20000"/>
+              </a:spcBef>
+              <a:spcAft>
+                <a:spcPct val="0"/>
+              </a:spcAft>
+              <a:buClr>
+                <a:srgbClr val="3C0000"/>
+              </a:buClr>
+              <a:buFont typeface="Wingdings" pitchFamily="2" charset="2"/>
+              <a:buChar char=""/>
+              <a:defRPr kumimoji="1" sz="2000">
+                <a:solidFill>
+                  <a:schemeClr val="tx2"/>
+                </a:solidFill>
+                <a:latin typeface="+mn-lt"/>
+                <a:ea typeface="+mn-ea"/>
+                <a:cs typeface="ＭＳ Ｐゴシック"/>
+              </a:defRPr>
+            </a:lvl4pPr>
+            <a:lvl5pPr marL="2057400" indent="-228600" algn="l" rtl="0" eaLnBrk="0" fontAlgn="base" hangingPunct="0">
+              <a:spcBef>
+                <a:spcPct val="20000"/>
+              </a:spcBef>
+              <a:spcAft>
+                <a:spcPct val="0"/>
+              </a:spcAft>
+              <a:buClr>
+                <a:srgbClr val="3C0000"/>
+              </a:buClr>
+              <a:buFont typeface="Wingdings" pitchFamily="2" charset="2"/>
+              <a:buChar char=""/>
+              <a:defRPr kumimoji="1" sz="2000">
+                <a:solidFill>
+                  <a:schemeClr val="tx2"/>
+                </a:solidFill>
+                <a:latin typeface="+mn-lt"/>
+                <a:ea typeface="+mn-ea"/>
+                <a:cs typeface="ＭＳ Ｐゴシック"/>
+              </a:defRPr>
+            </a:lvl5pPr>
+            <a:lvl6pPr marL="2514600" indent="-228600" algn="l" rtl="0" fontAlgn="base">
+              <a:spcBef>
+                <a:spcPct val="20000"/>
+              </a:spcBef>
+              <a:spcAft>
+                <a:spcPct val="0"/>
+              </a:spcAft>
+              <a:buClr>
+                <a:srgbClr val="3C0000"/>
+              </a:buClr>
+              <a:buFont typeface="Wingdings" pitchFamily="2" charset="2"/>
+              <a:buChar char=""/>
+              <a:defRPr kumimoji="1" sz="2000">
+                <a:solidFill>
+                  <a:schemeClr val="tx2"/>
+                </a:solidFill>
+                <a:latin typeface="+mn-lt"/>
+                <a:ea typeface="+mn-ea"/>
+              </a:defRPr>
+            </a:lvl6pPr>
+            <a:lvl7pPr marL="2971800" indent="-228600" algn="l" rtl="0" fontAlgn="base">
+              <a:spcBef>
+                <a:spcPct val="20000"/>
+              </a:spcBef>
+              <a:spcAft>
+                <a:spcPct val="0"/>
+              </a:spcAft>
+              <a:buClr>
+                <a:srgbClr val="3C0000"/>
+              </a:buClr>
+              <a:buFont typeface="Wingdings" pitchFamily="2" charset="2"/>
+              <a:buChar char=""/>
+              <a:defRPr kumimoji="1" sz="2000">
+                <a:solidFill>
+                  <a:schemeClr val="tx2"/>
+                </a:solidFill>
+                <a:latin typeface="+mn-lt"/>
+                <a:ea typeface="+mn-ea"/>
+              </a:defRPr>
+            </a:lvl7pPr>
+            <a:lvl8pPr marL="3429000" indent="-228600" algn="l" rtl="0" fontAlgn="base">
+              <a:spcBef>
+                <a:spcPct val="20000"/>
+              </a:spcBef>
+              <a:spcAft>
+                <a:spcPct val="0"/>
+              </a:spcAft>
+              <a:buClr>
+                <a:srgbClr val="3C0000"/>
+              </a:buClr>
+              <a:buFont typeface="Wingdings" pitchFamily="2" charset="2"/>
+              <a:buChar char=""/>
+              <a:defRPr kumimoji="1" sz="2000">
+                <a:solidFill>
+                  <a:schemeClr val="tx2"/>
+                </a:solidFill>
+                <a:latin typeface="+mn-lt"/>
+                <a:ea typeface="+mn-ea"/>
+              </a:defRPr>
+            </a:lvl8pPr>
+            <a:lvl9pPr marL="3886200" indent="-228600" algn="l" rtl="0" fontAlgn="base">
+              <a:spcBef>
+                <a:spcPct val="20000"/>
+              </a:spcBef>
+              <a:spcAft>
+                <a:spcPct val="0"/>
+              </a:spcAft>
+              <a:buClr>
+                <a:srgbClr val="3C0000"/>
+              </a:buClr>
+              <a:buFont typeface="Wingdings" pitchFamily="2" charset="2"/>
+              <a:buChar char=""/>
+              <a:defRPr kumimoji="1" sz="2000">
+                <a:solidFill>
+                  <a:schemeClr val="tx2"/>
+                </a:solidFill>
+                <a:latin typeface="+mn-lt"/>
+                <a:ea typeface="+mn-ea"/>
+              </a:defRPr>
+            </a:lvl9pPr>
+          </a:lstStyle>
           <a:p>
             <a:pPr marL="0" indent="0">
               <a:buFont typeface="Times"/>
               <a:buNone/>
             </a:pPr>
             <a:r>
-              <a:rPr lang="en-US" sz="2000" smtClean="0"/>
-              <a:t>belle </a:t>
-            </a:r>
-          </a:p>
+              <a:rPr lang="en-US" sz="2800" dirty="0" smtClean="0">
+                <a:solidFill>
+                  <a:srgbClr val="FBF376"/>
+                </a:solidFill>
+                <a:latin typeface="Arial"/>
+                <a:cs typeface="Arial"/>
+              </a:rPr>
+              <a:t>p</a:t>
+            </a:r>
+          </a:p>
+        </p:txBody>
+      </p:sp>
+      <p:sp>
+        <p:nvSpPr>
+          <p:cNvPr id="19" name="Content Placeholder 2"/>
+          <p:cNvSpPr txBox="1">
+            <a:spLocks/>
+          </p:cNvSpPr>
+          <p:nvPr/>
+        </p:nvSpPr>
+        <p:spPr bwMode="auto">
+          <a:xfrm>
+            <a:off x="4589737" y="1747146"/>
+            <a:ext cx="463216" cy="546099"/>
+          </a:xfrm>
+          <a:prstGeom prst="rect">
+            <a:avLst/>
+          </a:prstGeom>
+          <a:noFill/>
+          <a:ln w="9525">
+            <a:noFill/>
+            <a:miter lim="800000"/>
+            <a:headEnd/>
+            <a:tailEnd/>
+          </a:ln>
+        </p:spPr>
+        <p:txBody>
+          <a:bodyPr vert="horz" wrap="square" lIns="91440" tIns="45720" rIns="91440" bIns="45720" numCol="1" anchor="t" anchorCtr="0" compatLnSpc="1">
+            <a:prstTxWarp prst="textNoShape">
+              <a:avLst/>
+            </a:prstTxWarp>
+            <a:normAutofit/>
+          </a:bodyPr>
+          <a:lstStyle>
+            <a:lvl1pPr marL="342900" indent="-342900" algn="l" rtl="0" eaLnBrk="0" fontAlgn="base" hangingPunct="0">
+              <a:spcBef>
+                <a:spcPct val="20000"/>
+              </a:spcBef>
+              <a:spcAft>
+                <a:spcPct val="0"/>
+              </a:spcAft>
+              <a:buClr>
+                <a:srgbClr val="000080"/>
+              </a:buClr>
+              <a:buFont typeface="Times"/>
+              <a:buChar char="•"/>
+              <a:defRPr kumimoji="1" sz="2400">
+                <a:solidFill>
+                  <a:schemeClr val="tx2"/>
+                </a:solidFill>
+                <a:latin typeface="+mn-lt"/>
+                <a:ea typeface="+mn-ea"/>
+                <a:cs typeface="ＭＳ Ｐゴシック"/>
+              </a:defRPr>
+            </a:lvl1pPr>
+            <a:lvl2pPr marL="742950" indent="-285750" algn="l" rtl="0" eaLnBrk="0" fontAlgn="base" hangingPunct="0">
+              <a:spcBef>
+                <a:spcPct val="20000"/>
+              </a:spcBef>
+              <a:spcAft>
+                <a:spcPct val="0"/>
+              </a:spcAft>
+              <a:buClr>
+                <a:srgbClr val="3C0000"/>
+              </a:buClr>
+              <a:buFont typeface="Symbol" pitchFamily="18" charset="2"/>
+              <a:buChar char=""/>
+              <a:defRPr kumimoji="1" sz="2400">
+                <a:solidFill>
+                  <a:srgbClr val="630000"/>
+                </a:solidFill>
+                <a:latin typeface="+mn-lt"/>
+                <a:ea typeface="+mn-ea"/>
+                <a:cs typeface="ＭＳ Ｐゴシック"/>
+              </a:defRPr>
+            </a:lvl2pPr>
+            <a:lvl3pPr marL="1143000" indent="-228600" algn="l" rtl="0" eaLnBrk="0" fontAlgn="base" hangingPunct="0">
+              <a:spcBef>
+                <a:spcPct val="20000"/>
+              </a:spcBef>
+              <a:spcAft>
+                <a:spcPct val="0"/>
+              </a:spcAft>
+              <a:buClr>
+                <a:srgbClr val="3C0000"/>
+              </a:buClr>
+              <a:buFont typeface="Wingdings" pitchFamily="2" charset="2"/>
+              <a:buChar char="§"/>
+              <a:defRPr kumimoji="1" sz="2400">
+                <a:solidFill>
+                  <a:schemeClr val="tx2"/>
+                </a:solidFill>
+                <a:latin typeface="+mn-lt"/>
+                <a:ea typeface="+mn-ea"/>
+                <a:cs typeface="ＭＳ Ｐゴシック"/>
+              </a:defRPr>
+            </a:lvl3pPr>
+            <a:lvl4pPr marL="1600200" indent="-228600" algn="l" rtl="0" eaLnBrk="0" fontAlgn="base" hangingPunct="0">
+              <a:spcBef>
+                <a:spcPct val="20000"/>
+              </a:spcBef>
+              <a:spcAft>
+                <a:spcPct val="0"/>
+              </a:spcAft>
+              <a:buClr>
+                <a:srgbClr val="3C0000"/>
+              </a:buClr>
+              <a:buFont typeface="Wingdings" pitchFamily="2" charset="2"/>
+              <a:buChar char=""/>
+              <a:defRPr kumimoji="1" sz="2000">
+                <a:solidFill>
+                  <a:schemeClr val="tx2"/>
+                </a:solidFill>
+                <a:latin typeface="+mn-lt"/>
+                <a:ea typeface="+mn-ea"/>
+                <a:cs typeface="ＭＳ Ｐゴシック"/>
+              </a:defRPr>
+            </a:lvl4pPr>
+            <a:lvl5pPr marL="2057400" indent="-228600" algn="l" rtl="0" eaLnBrk="0" fontAlgn="base" hangingPunct="0">
+              <a:spcBef>
+                <a:spcPct val="20000"/>
+              </a:spcBef>
+              <a:spcAft>
+                <a:spcPct val="0"/>
+              </a:spcAft>
+              <a:buClr>
+                <a:srgbClr val="3C0000"/>
+              </a:buClr>
+              <a:buFont typeface="Wingdings" pitchFamily="2" charset="2"/>
+              <a:buChar char=""/>
+              <a:defRPr kumimoji="1" sz="2000">
+                <a:solidFill>
+                  <a:schemeClr val="tx2"/>
+                </a:solidFill>
+                <a:latin typeface="+mn-lt"/>
+                <a:ea typeface="+mn-ea"/>
+                <a:cs typeface="ＭＳ Ｐゴシック"/>
+              </a:defRPr>
+            </a:lvl5pPr>
+            <a:lvl6pPr marL="2514600" indent="-228600" algn="l" rtl="0" fontAlgn="base">
+              <a:spcBef>
+                <a:spcPct val="20000"/>
+              </a:spcBef>
+              <a:spcAft>
+                <a:spcPct val="0"/>
+              </a:spcAft>
+              <a:buClr>
+                <a:srgbClr val="3C0000"/>
+              </a:buClr>
+              <a:buFont typeface="Wingdings" pitchFamily="2" charset="2"/>
+              <a:buChar char=""/>
+              <a:defRPr kumimoji="1" sz="2000">
+                <a:solidFill>
+                  <a:schemeClr val="tx2"/>
+                </a:solidFill>
+                <a:latin typeface="+mn-lt"/>
+                <a:ea typeface="+mn-ea"/>
+              </a:defRPr>
+            </a:lvl6pPr>
+            <a:lvl7pPr marL="2971800" indent="-228600" algn="l" rtl="0" fontAlgn="base">
+              <a:spcBef>
+                <a:spcPct val="20000"/>
+              </a:spcBef>
+              <a:spcAft>
+                <a:spcPct val="0"/>
+              </a:spcAft>
+              <a:buClr>
+                <a:srgbClr val="3C0000"/>
+              </a:buClr>
+              <a:buFont typeface="Wingdings" pitchFamily="2" charset="2"/>
+              <a:buChar char=""/>
+              <a:defRPr kumimoji="1" sz="2000">
+                <a:solidFill>
+                  <a:schemeClr val="tx2"/>
+                </a:solidFill>
+                <a:latin typeface="+mn-lt"/>
+                <a:ea typeface="+mn-ea"/>
+              </a:defRPr>
+            </a:lvl7pPr>
+            <a:lvl8pPr marL="3429000" indent="-228600" algn="l" rtl="0" fontAlgn="base">
+              <a:spcBef>
+                <a:spcPct val="20000"/>
+              </a:spcBef>
+              <a:spcAft>
+                <a:spcPct val="0"/>
+              </a:spcAft>
+              <a:buClr>
+                <a:srgbClr val="3C0000"/>
+              </a:buClr>
+              <a:buFont typeface="Wingdings" pitchFamily="2" charset="2"/>
+              <a:buChar char=""/>
+              <a:defRPr kumimoji="1" sz="2000">
+                <a:solidFill>
+                  <a:schemeClr val="tx2"/>
+                </a:solidFill>
+                <a:latin typeface="+mn-lt"/>
+                <a:ea typeface="+mn-ea"/>
+              </a:defRPr>
+            </a:lvl8pPr>
+            <a:lvl9pPr marL="3886200" indent="-228600" algn="l" rtl="0" fontAlgn="base">
+              <a:spcBef>
+                <a:spcPct val="20000"/>
+              </a:spcBef>
+              <a:spcAft>
+                <a:spcPct val="0"/>
+              </a:spcAft>
+              <a:buClr>
+                <a:srgbClr val="3C0000"/>
+              </a:buClr>
+              <a:buFont typeface="Wingdings" pitchFamily="2" charset="2"/>
+              <a:buChar char=""/>
+              <a:defRPr kumimoji="1" sz="2000">
+                <a:solidFill>
+                  <a:schemeClr val="tx2"/>
+                </a:solidFill>
+                <a:latin typeface="+mn-lt"/>
+                <a:ea typeface="+mn-ea"/>
+              </a:defRPr>
+            </a:lvl9pPr>
+          </a:lstStyle>
           <a:p>
             <a:pPr marL="0" indent="0">
               <a:buFont typeface="Times"/>
               <a:buNone/>
             </a:pPr>
             <a:r>
-              <a:rPr lang="en-US" sz="2000" smtClean="0"/>
-              <a:t>CDF</a:t>
-            </a:r>
-          </a:p>
+              <a:rPr lang="en-US" sz="2800" dirty="0" smtClean="0">
+                <a:solidFill>
+                  <a:srgbClr val="FBF376"/>
+                </a:solidFill>
+                <a:latin typeface="Arial"/>
+                <a:cs typeface="Arial"/>
+              </a:rPr>
+              <a:t>p</a:t>
+            </a:r>
+          </a:p>
+        </p:txBody>
+      </p:sp>
+      <p:sp>
+        <p:nvSpPr>
+          <p:cNvPr id="20" name="Content Placeholder 2"/>
+          <p:cNvSpPr txBox="1">
+            <a:spLocks/>
+          </p:cNvSpPr>
+          <p:nvPr/>
+        </p:nvSpPr>
+        <p:spPr bwMode="auto">
+          <a:xfrm>
+            <a:off x="8501337" y="3829946"/>
+            <a:ext cx="463216" cy="546099"/>
+          </a:xfrm>
+          <a:prstGeom prst="rect">
+            <a:avLst/>
+          </a:prstGeom>
+          <a:noFill/>
+          <a:ln w="9525">
+            <a:noFill/>
+            <a:miter lim="800000"/>
+            <a:headEnd/>
+            <a:tailEnd/>
+          </a:ln>
+        </p:spPr>
+        <p:txBody>
+          <a:bodyPr vert="horz" wrap="square" lIns="91440" tIns="45720" rIns="91440" bIns="45720" numCol="1" anchor="t" anchorCtr="0" compatLnSpc="1">
+            <a:prstTxWarp prst="textNoShape">
+              <a:avLst/>
+            </a:prstTxWarp>
+            <a:normAutofit/>
+          </a:bodyPr>
+          <a:lstStyle>
+            <a:lvl1pPr marL="342900" indent="-342900" algn="l" rtl="0" eaLnBrk="0" fontAlgn="base" hangingPunct="0">
+              <a:spcBef>
+                <a:spcPct val="20000"/>
+              </a:spcBef>
+              <a:spcAft>
+                <a:spcPct val="0"/>
+              </a:spcAft>
+              <a:buClr>
+                <a:srgbClr val="000080"/>
+              </a:buClr>
+              <a:buFont typeface="Times"/>
+              <a:buChar char="•"/>
+              <a:defRPr kumimoji="1" sz="2400">
+                <a:solidFill>
+                  <a:schemeClr val="tx2"/>
+                </a:solidFill>
+                <a:latin typeface="+mn-lt"/>
+                <a:ea typeface="+mn-ea"/>
+                <a:cs typeface="ＭＳ Ｐゴシック"/>
+              </a:defRPr>
+            </a:lvl1pPr>
+            <a:lvl2pPr marL="742950" indent="-285750" algn="l" rtl="0" eaLnBrk="0" fontAlgn="base" hangingPunct="0">
+              <a:spcBef>
+                <a:spcPct val="20000"/>
+              </a:spcBef>
+              <a:spcAft>
+                <a:spcPct val="0"/>
+              </a:spcAft>
+              <a:buClr>
+                <a:srgbClr val="3C0000"/>
+              </a:buClr>
+              <a:buFont typeface="Symbol" pitchFamily="18" charset="2"/>
+              <a:buChar char=""/>
+              <a:defRPr kumimoji="1" sz="2400">
+                <a:solidFill>
+                  <a:srgbClr val="630000"/>
+                </a:solidFill>
+                <a:latin typeface="+mn-lt"/>
+                <a:ea typeface="+mn-ea"/>
+                <a:cs typeface="ＭＳ Ｐゴシック"/>
+              </a:defRPr>
+            </a:lvl2pPr>
+            <a:lvl3pPr marL="1143000" indent="-228600" algn="l" rtl="0" eaLnBrk="0" fontAlgn="base" hangingPunct="0">
+              <a:spcBef>
+                <a:spcPct val="20000"/>
+              </a:spcBef>
+              <a:spcAft>
+                <a:spcPct val="0"/>
+              </a:spcAft>
+              <a:buClr>
+                <a:srgbClr val="3C0000"/>
+              </a:buClr>
+              <a:buFont typeface="Wingdings" pitchFamily="2" charset="2"/>
+              <a:buChar char="§"/>
+              <a:defRPr kumimoji="1" sz="2400">
+                <a:solidFill>
+                  <a:schemeClr val="tx2"/>
+                </a:solidFill>
+                <a:latin typeface="+mn-lt"/>
+                <a:ea typeface="+mn-ea"/>
+                <a:cs typeface="ＭＳ Ｐゴシック"/>
+              </a:defRPr>
+            </a:lvl3pPr>
+            <a:lvl4pPr marL="1600200" indent="-228600" algn="l" rtl="0" eaLnBrk="0" fontAlgn="base" hangingPunct="0">
+              <a:spcBef>
+                <a:spcPct val="20000"/>
+              </a:spcBef>
+              <a:spcAft>
+                <a:spcPct val="0"/>
+              </a:spcAft>
+              <a:buClr>
+                <a:srgbClr val="3C0000"/>
+              </a:buClr>
+              <a:buFont typeface="Wingdings" pitchFamily="2" charset="2"/>
+              <a:buChar char=""/>
+              <a:defRPr kumimoji="1" sz="2000">
+                <a:solidFill>
+                  <a:schemeClr val="tx2"/>
+                </a:solidFill>
+                <a:latin typeface="+mn-lt"/>
+                <a:ea typeface="+mn-ea"/>
+                <a:cs typeface="ＭＳ Ｐゴシック"/>
+              </a:defRPr>
+            </a:lvl4pPr>
+            <a:lvl5pPr marL="2057400" indent="-228600" algn="l" rtl="0" eaLnBrk="0" fontAlgn="base" hangingPunct="0">
+              <a:spcBef>
+                <a:spcPct val="20000"/>
+              </a:spcBef>
+              <a:spcAft>
+                <a:spcPct val="0"/>
+              </a:spcAft>
+              <a:buClr>
+                <a:srgbClr val="3C0000"/>
+              </a:buClr>
+              <a:buFont typeface="Wingdings" pitchFamily="2" charset="2"/>
+              <a:buChar char=""/>
+              <a:defRPr kumimoji="1" sz="2000">
+                <a:solidFill>
+                  <a:schemeClr val="tx2"/>
+                </a:solidFill>
+                <a:latin typeface="+mn-lt"/>
+                <a:ea typeface="+mn-ea"/>
+                <a:cs typeface="ＭＳ Ｐゴシック"/>
+              </a:defRPr>
+            </a:lvl5pPr>
+            <a:lvl6pPr marL="2514600" indent="-228600" algn="l" rtl="0" fontAlgn="base">
+              <a:spcBef>
+                <a:spcPct val="20000"/>
+              </a:spcBef>
+              <a:spcAft>
+                <a:spcPct val="0"/>
+              </a:spcAft>
+              <a:buClr>
+                <a:srgbClr val="3C0000"/>
+              </a:buClr>
+              <a:buFont typeface="Wingdings" pitchFamily="2" charset="2"/>
+              <a:buChar char=""/>
+              <a:defRPr kumimoji="1" sz="2000">
+                <a:solidFill>
+                  <a:schemeClr val="tx2"/>
+                </a:solidFill>
+                <a:latin typeface="+mn-lt"/>
+                <a:ea typeface="+mn-ea"/>
+              </a:defRPr>
+            </a:lvl6pPr>
+            <a:lvl7pPr marL="2971800" indent="-228600" algn="l" rtl="0" fontAlgn="base">
+              <a:spcBef>
+                <a:spcPct val="20000"/>
+              </a:spcBef>
+              <a:spcAft>
+                <a:spcPct val="0"/>
+              </a:spcAft>
+              <a:buClr>
+                <a:srgbClr val="3C0000"/>
+              </a:buClr>
+              <a:buFont typeface="Wingdings" pitchFamily="2" charset="2"/>
+              <a:buChar char=""/>
+              <a:defRPr kumimoji="1" sz="2000">
+                <a:solidFill>
+                  <a:schemeClr val="tx2"/>
+                </a:solidFill>
+                <a:latin typeface="+mn-lt"/>
+                <a:ea typeface="+mn-ea"/>
+              </a:defRPr>
+            </a:lvl7pPr>
+            <a:lvl8pPr marL="3429000" indent="-228600" algn="l" rtl="0" fontAlgn="base">
+              <a:spcBef>
+                <a:spcPct val="20000"/>
+              </a:spcBef>
+              <a:spcAft>
+                <a:spcPct val="0"/>
+              </a:spcAft>
+              <a:buClr>
+                <a:srgbClr val="3C0000"/>
+              </a:buClr>
+              <a:buFont typeface="Wingdings" pitchFamily="2" charset="2"/>
+              <a:buChar char=""/>
+              <a:defRPr kumimoji="1" sz="2000">
+                <a:solidFill>
+                  <a:schemeClr val="tx2"/>
+                </a:solidFill>
+                <a:latin typeface="+mn-lt"/>
+                <a:ea typeface="+mn-ea"/>
+              </a:defRPr>
+            </a:lvl8pPr>
+            <a:lvl9pPr marL="3886200" indent="-228600" algn="l" rtl="0" fontAlgn="base">
+              <a:spcBef>
+                <a:spcPct val="20000"/>
+              </a:spcBef>
+              <a:spcAft>
+                <a:spcPct val="0"/>
+              </a:spcAft>
+              <a:buClr>
+                <a:srgbClr val="3C0000"/>
+              </a:buClr>
+              <a:buFont typeface="Wingdings" pitchFamily="2" charset="2"/>
+              <a:buChar char=""/>
+              <a:defRPr kumimoji="1" sz="2000">
+                <a:solidFill>
+                  <a:schemeClr val="tx2"/>
+                </a:solidFill>
+                <a:latin typeface="+mn-lt"/>
+                <a:ea typeface="+mn-ea"/>
+              </a:defRPr>
+            </a:lvl9pPr>
+          </a:lstStyle>
           <a:p>
             <a:pPr marL="0" indent="0">
               <a:buFont typeface="Times"/>
               <a:buNone/>
             </a:pPr>
             <a:r>
-              <a:rPr lang="en-US" sz="2000" smtClean="0"/>
-              <a:t>Cdms </a:t>
-            </a:r>
-          </a:p>
+              <a:rPr lang="en-US" sz="2800" dirty="0" smtClean="0">
+                <a:solidFill>
+                  <a:srgbClr val="FBF376"/>
+                </a:solidFill>
+                <a:latin typeface="Arial"/>
+                <a:cs typeface="Arial"/>
+              </a:rPr>
+              <a:t>p</a:t>
+            </a:r>
+          </a:p>
+        </p:txBody>
+      </p:sp>
+      <p:sp>
+        <p:nvSpPr>
+          <p:cNvPr id="21" name="Content Placeholder 2"/>
+          <p:cNvSpPr txBox="1">
+            <a:spLocks/>
+          </p:cNvSpPr>
+          <p:nvPr/>
+        </p:nvSpPr>
+        <p:spPr bwMode="auto">
+          <a:xfrm>
+            <a:off x="2336800" y="3568701"/>
+            <a:ext cx="484421" cy="669428"/>
+          </a:xfrm>
+          <a:prstGeom prst="rect">
+            <a:avLst/>
+          </a:prstGeom>
+          <a:noFill/>
+          <a:ln w="9525">
+            <a:noFill/>
+            <a:miter lim="800000"/>
+            <a:headEnd/>
+            <a:tailEnd/>
+          </a:ln>
+        </p:spPr>
+        <p:txBody>
+          <a:bodyPr vert="horz" wrap="square" lIns="91440" tIns="45720" rIns="91440" bIns="45720" numCol="1" anchor="t" anchorCtr="0" compatLnSpc="1">
+            <a:prstTxWarp prst="textNoShape">
+              <a:avLst/>
+            </a:prstTxWarp>
+            <a:normAutofit/>
+          </a:bodyPr>
+          <a:lstStyle>
+            <a:lvl1pPr marL="342900" indent="-342900" algn="l" rtl="0" eaLnBrk="0" fontAlgn="base" hangingPunct="0">
+              <a:spcBef>
+                <a:spcPct val="20000"/>
+              </a:spcBef>
+              <a:spcAft>
+                <a:spcPct val="0"/>
+              </a:spcAft>
+              <a:buClr>
+                <a:srgbClr val="000080"/>
+              </a:buClr>
+              <a:buFont typeface="Times"/>
+              <a:buChar char="•"/>
+              <a:defRPr kumimoji="1" sz="2400">
+                <a:solidFill>
+                  <a:schemeClr val="tx2"/>
+                </a:solidFill>
+                <a:latin typeface="+mn-lt"/>
+                <a:ea typeface="+mn-ea"/>
+                <a:cs typeface="ＭＳ Ｐゴシック"/>
+              </a:defRPr>
+            </a:lvl1pPr>
+            <a:lvl2pPr marL="742950" indent="-285750" algn="l" rtl="0" eaLnBrk="0" fontAlgn="base" hangingPunct="0">
+              <a:spcBef>
+                <a:spcPct val="20000"/>
+              </a:spcBef>
+              <a:spcAft>
+                <a:spcPct val="0"/>
+              </a:spcAft>
+              <a:buClr>
+                <a:srgbClr val="3C0000"/>
+              </a:buClr>
+              <a:buFont typeface="Symbol" pitchFamily="18" charset="2"/>
+              <a:buChar char=""/>
+              <a:defRPr kumimoji="1" sz="2400">
+                <a:solidFill>
+                  <a:srgbClr val="630000"/>
+                </a:solidFill>
+                <a:latin typeface="+mn-lt"/>
+                <a:ea typeface="+mn-ea"/>
+                <a:cs typeface="ＭＳ Ｐゴシック"/>
+              </a:defRPr>
+            </a:lvl2pPr>
+            <a:lvl3pPr marL="1143000" indent="-228600" algn="l" rtl="0" eaLnBrk="0" fontAlgn="base" hangingPunct="0">
+              <a:spcBef>
+                <a:spcPct val="20000"/>
+              </a:spcBef>
+              <a:spcAft>
+                <a:spcPct val="0"/>
+              </a:spcAft>
+              <a:buClr>
+                <a:srgbClr val="3C0000"/>
+              </a:buClr>
+              <a:buFont typeface="Wingdings" pitchFamily="2" charset="2"/>
+              <a:buChar char="§"/>
+              <a:defRPr kumimoji="1" sz="2400">
+                <a:solidFill>
+                  <a:schemeClr val="tx2"/>
+                </a:solidFill>
+                <a:latin typeface="+mn-lt"/>
+                <a:ea typeface="+mn-ea"/>
+                <a:cs typeface="ＭＳ Ｐゴシック"/>
+              </a:defRPr>
+            </a:lvl3pPr>
+            <a:lvl4pPr marL="1600200" indent="-228600" algn="l" rtl="0" eaLnBrk="0" fontAlgn="base" hangingPunct="0">
+              <a:spcBef>
+                <a:spcPct val="20000"/>
+              </a:spcBef>
+              <a:spcAft>
+                <a:spcPct val="0"/>
+              </a:spcAft>
+              <a:buClr>
+                <a:srgbClr val="3C0000"/>
+              </a:buClr>
+              <a:buFont typeface="Wingdings" pitchFamily="2" charset="2"/>
+              <a:buChar char=""/>
+              <a:defRPr kumimoji="1" sz="2000">
+                <a:solidFill>
+                  <a:schemeClr val="tx2"/>
+                </a:solidFill>
+                <a:latin typeface="+mn-lt"/>
+                <a:ea typeface="+mn-ea"/>
+                <a:cs typeface="ＭＳ Ｐゴシック"/>
+              </a:defRPr>
+            </a:lvl4pPr>
+            <a:lvl5pPr marL="2057400" indent="-228600" algn="l" rtl="0" eaLnBrk="0" fontAlgn="base" hangingPunct="0">
+              <a:spcBef>
+                <a:spcPct val="20000"/>
+              </a:spcBef>
+              <a:spcAft>
+                <a:spcPct val="0"/>
+              </a:spcAft>
+              <a:buClr>
+                <a:srgbClr val="3C0000"/>
+              </a:buClr>
+              <a:buFont typeface="Wingdings" pitchFamily="2" charset="2"/>
+              <a:buChar char=""/>
+              <a:defRPr kumimoji="1" sz="2000">
+                <a:solidFill>
+                  <a:schemeClr val="tx2"/>
+                </a:solidFill>
+                <a:latin typeface="+mn-lt"/>
+                <a:ea typeface="+mn-ea"/>
+                <a:cs typeface="ＭＳ Ｐゴシック"/>
+              </a:defRPr>
+            </a:lvl5pPr>
+            <a:lvl6pPr marL="2514600" indent="-228600" algn="l" rtl="0" fontAlgn="base">
+              <a:spcBef>
+                <a:spcPct val="20000"/>
+              </a:spcBef>
+              <a:spcAft>
+                <a:spcPct val="0"/>
+              </a:spcAft>
+              <a:buClr>
+                <a:srgbClr val="3C0000"/>
+              </a:buClr>
+              <a:buFont typeface="Wingdings" pitchFamily="2" charset="2"/>
+              <a:buChar char=""/>
+              <a:defRPr kumimoji="1" sz="2000">
+                <a:solidFill>
+                  <a:schemeClr val="tx2"/>
+                </a:solidFill>
+                <a:latin typeface="+mn-lt"/>
+                <a:ea typeface="+mn-ea"/>
+              </a:defRPr>
+            </a:lvl6pPr>
+            <a:lvl7pPr marL="2971800" indent="-228600" algn="l" rtl="0" fontAlgn="base">
+              <a:spcBef>
+                <a:spcPct val="20000"/>
+              </a:spcBef>
+              <a:spcAft>
+                <a:spcPct val="0"/>
+              </a:spcAft>
+              <a:buClr>
+                <a:srgbClr val="3C0000"/>
+              </a:buClr>
+              <a:buFont typeface="Wingdings" pitchFamily="2" charset="2"/>
+              <a:buChar char=""/>
+              <a:defRPr kumimoji="1" sz="2000">
+                <a:solidFill>
+                  <a:schemeClr val="tx2"/>
+                </a:solidFill>
+                <a:latin typeface="+mn-lt"/>
+                <a:ea typeface="+mn-ea"/>
+              </a:defRPr>
+            </a:lvl7pPr>
+            <a:lvl8pPr marL="3429000" indent="-228600" algn="l" rtl="0" fontAlgn="base">
+              <a:spcBef>
+                <a:spcPct val="20000"/>
+              </a:spcBef>
+              <a:spcAft>
+                <a:spcPct val="0"/>
+              </a:spcAft>
+              <a:buClr>
+                <a:srgbClr val="3C0000"/>
+              </a:buClr>
+              <a:buFont typeface="Wingdings" pitchFamily="2" charset="2"/>
+              <a:buChar char=""/>
+              <a:defRPr kumimoji="1" sz="2000">
+                <a:solidFill>
+                  <a:schemeClr val="tx2"/>
+                </a:solidFill>
+                <a:latin typeface="+mn-lt"/>
+                <a:ea typeface="+mn-ea"/>
+              </a:defRPr>
+            </a:lvl8pPr>
+            <a:lvl9pPr marL="3886200" indent="-228600" algn="l" rtl="0" fontAlgn="base">
+              <a:spcBef>
+                <a:spcPct val="20000"/>
+              </a:spcBef>
+              <a:spcAft>
+                <a:spcPct val="0"/>
+              </a:spcAft>
+              <a:buClr>
+                <a:srgbClr val="3C0000"/>
+              </a:buClr>
+              <a:buFont typeface="Wingdings" pitchFamily="2" charset="2"/>
+              <a:buChar char=""/>
+              <a:defRPr kumimoji="1" sz="2000">
+                <a:solidFill>
+                  <a:schemeClr val="tx2"/>
+                </a:solidFill>
+                <a:latin typeface="+mn-lt"/>
+                <a:ea typeface="+mn-ea"/>
+              </a:defRPr>
+            </a:lvl9pPr>
+          </a:lstStyle>
           <a:p>
             <a:pPr marL="0" indent="0">
               <a:buFont typeface="Times"/>
               <a:buNone/>
             </a:pPr>
             <a:r>
-              <a:rPr lang="en-US" sz="2000" smtClean="0"/>
-              <a:t>CIGI </a:t>
-            </a:r>
-          </a:p>
+              <a:rPr lang="en-US" sz="2800" dirty="0" smtClean="0">
+                <a:solidFill>
+                  <a:srgbClr val="FF6600"/>
+                </a:solidFill>
+                <a:latin typeface="Arial"/>
+                <a:cs typeface="Arial"/>
+              </a:rPr>
+              <a:t>s</a:t>
+            </a:r>
+          </a:p>
+        </p:txBody>
+      </p:sp>
+      <p:sp>
+        <p:nvSpPr>
+          <p:cNvPr id="23" name="Content Placeholder 2"/>
+          <p:cNvSpPr txBox="1">
+            <a:spLocks/>
+          </p:cNvSpPr>
+          <p:nvPr/>
+        </p:nvSpPr>
+        <p:spPr bwMode="auto">
+          <a:xfrm>
+            <a:off x="4660900" y="3568701"/>
+            <a:ext cx="484421" cy="669428"/>
+          </a:xfrm>
+          <a:prstGeom prst="rect">
+            <a:avLst/>
+          </a:prstGeom>
+          <a:noFill/>
+          <a:ln w="9525">
+            <a:noFill/>
+            <a:miter lim="800000"/>
+            <a:headEnd/>
+            <a:tailEnd/>
+          </a:ln>
+        </p:spPr>
+        <p:txBody>
+          <a:bodyPr vert="horz" wrap="square" lIns="91440" tIns="45720" rIns="91440" bIns="45720" numCol="1" anchor="t" anchorCtr="0" compatLnSpc="1">
+            <a:prstTxWarp prst="textNoShape">
+              <a:avLst/>
+            </a:prstTxWarp>
+            <a:normAutofit/>
+          </a:bodyPr>
+          <a:lstStyle>
+            <a:lvl1pPr marL="342900" indent="-342900" algn="l" rtl="0" eaLnBrk="0" fontAlgn="base" hangingPunct="0">
+              <a:spcBef>
+                <a:spcPct val="20000"/>
+              </a:spcBef>
+              <a:spcAft>
+                <a:spcPct val="0"/>
+              </a:spcAft>
+              <a:buClr>
+                <a:srgbClr val="000080"/>
+              </a:buClr>
+              <a:buFont typeface="Times"/>
+              <a:buChar char="•"/>
+              <a:defRPr kumimoji="1" sz="2400">
+                <a:solidFill>
+                  <a:schemeClr val="tx2"/>
+                </a:solidFill>
+                <a:latin typeface="+mn-lt"/>
+                <a:ea typeface="+mn-ea"/>
+                <a:cs typeface="ＭＳ Ｐゴシック"/>
+              </a:defRPr>
+            </a:lvl1pPr>
+            <a:lvl2pPr marL="742950" indent="-285750" algn="l" rtl="0" eaLnBrk="0" fontAlgn="base" hangingPunct="0">
+              <a:spcBef>
+                <a:spcPct val="20000"/>
+              </a:spcBef>
+              <a:spcAft>
+                <a:spcPct val="0"/>
+              </a:spcAft>
+              <a:buClr>
+                <a:srgbClr val="3C0000"/>
+              </a:buClr>
+              <a:buFont typeface="Symbol" pitchFamily="18" charset="2"/>
+              <a:buChar char=""/>
+              <a:defRPr kumimoji="1" sz="2400">
+                <a:solidFill>
+                  <a:srgbClr val="630000"/>
+                </a:solidFill>
+                <a:latin typeface="+mn-lt"/>
+                <a:ea typeface="+mn-ea"/>
+                <a:cs typeface="ＭＳ Ｐゴシック"/>
+              </a:defRPr>
+            </a:lvl2pPr>
+            <a:lvl3pPr marL="1143000" indent="-228600" algn="l" rtl="0" eaLnBrk="0" fontAlgn="base" hangingPunct="0">
+              <a:spcBef>
+                <a:spcPct val="20000"/>
+              </a:spcBef>
+              <a:spcAft>
+                <a:spcPct val="0"/>
+              </a:spcAft>
+              <a:buClr>
+                <a:srgbClr val="3C0000"/>
+              </a:buClr>
+              <a:buFont typeface="Wingdings" pitchFamily="2" charset="2"/>
+              <a:buChar char="§"/>
+              <a:defRPr kumimoji="1" sz="2400">
+                <a:solidFill>
+                  <a:schemeClr val="tx2"/>
+                </a:solidFill>
+                <a:latin typeface="+mn-lt"/>
+                <a:ea typeface="+mn-ea"/>
+                <a:cs typeface="ＭＳ Ｐゴシック"/>
+              </a:defRPr>
+            </a:lvl3pPr>
+            <a:lvl4pPr marL="1600200" indent="-228600" algn="l" rtl="0" eaLnBrk="0" fontAlgn="base" hangingPunct="0">
+              <a:spcBef>
+                <a:spcPct val="20000"/>
+              </a:spcBef>
+              <a:spcAft>
+                <a:spcPct val="0"/>
+              </a:spcAft>
+              <a:buClr>
+                <a:srgbClr val="3C0000"/>
+              </a:buClr>
+              <a:buFont typeface="Wingdings" pitchFamily="2" charset="2"/>
+              <a:buChar char=""/>
+              <a:defRPr kumimoji="1" sz="2000">
+                <a:solidFill>
+                  <a:schemeClr val="tx2"/>
+                </a:solidFill>
+                <a:latin typeface="+mn-lt"/>
+                <a:ea typeface="+mn-ea"/>
+                <a:cs typeface="ＭＳ Ｐゴシック"/>
+              </a:defRPr>
+            </a:lvl4pPr>
+            <a:lvl5pPr marL="2057400" indent="-228600" algn="l" rtl="0" eaLnBrk="0" fontAlgn="base" hangingPunct="0">
+              <a:spcBef>
+                <a:spcPct val="20000"/>
+              </a:spcBef>
+              <a:spcAft>
+                <a:spcPct val="0"/>
+              </a:spcAft>
+              <a:buClr>
+                <a:srgbClr val="3C0000"/>
+              </a:buClr>
+              <a:buFont typeface="Wingdings" pitchFamily="2" charset="2"/>
+              <a:buChar char=""/>
+              <a:defRPr kumimoji="1" sz="2000">
+                <a:solidFill>
+                  <a:schemeClr val="tx2"/>
+                </a:solidFill>
+                <a:latin typeface="+mn-lt"/>
+                <a:ea typeface="+mn-ea"/>
+                <a:cs typeface="ＭＳ Ｐゴシック"/>
+              </a:defRPr>
+            </a:lvl5pPr>
+            <a:lvl6pPr marL="2514600" indent="-228600" algn="l" rtl="0" fontAlgn="base">
+              <a:spcBef>
+                <a:spcPct val="20000"/>
+              </a:spcBef>
+              <a:spcAft>
+                <a:spcPct val="0"/>
+              </a:spcAft>
+              <a:buClr>
+                <a:srgbClr val="3C0000"/>
+              </a:buClr>
+              <a:buFont typeface="Wingdings" pitchFamily="2" charset="2"/>
+              <a:buChar char=""/>
+              <a:defRPr kumimoji="1" sz="2000">
+                <a:solidFill>
+                  <a:schemeClr val="tx2"/>
+                </a:solidFill>
+                <a:latin typeface="+mn-lt"/>
+                <a:ea typeface="+mn-ea"/>
+              </a:defRPr>
+            </a:lvl6pPr>
+            <a:lvl7pPr marL="2971800" indent="-228600" algn="l" rtl="0" fontAlgn="base">
+              <a:spcBef>
+                <a:spcPct val="20000"/>
+              </a:spcBef>
+              <a:spcAft>
+                <a:spcPct val="0"/>
+              </a:spcAft>
+              <a:buClr>
+                <a:srgbClr val="3C0000"/>
+              </a:buClr>
+              <a:buFont typeface="Wingdings" pitchFamily="2" charset="2"/>
+              <a:buChar char=""/>
+              <a:defRPr kumimoji="1" sz="2000">
+                <a:solidFill>
+                  <a:schemeClr val="tx2"/>
+                </a:solidFill>
+                <a:latin typeface="+mn-lt"/>
+                <a:ea typeface="+mn-ea"/>
+              </a:defRPr>
+            </a:lvl7pPr>
+            <a:lvl8pPr marL="3429000" indent="-228600" algn="l" rtl="0" fontAlgn="base">
+              <a:spcBef>
+                <a:spcPct val="20000"/>
+              </a:spcBef>
+              <a:spcAft>
+                <a:spcPct val="0"/>
+              </a:spcAft>
+              <a:buClr>
+                <a:srgbClr val="3C0000"/>
+              </a:buClr>
+              <a:buFont typeface="Wingdings" pitchFamily="2" charset="2"/>
+              <a:buChar char=""/>
+              <a:defRPr kumimoji="1" sz="2000">
+                <a:solidFill>
+                  <a:schemeClr val="tx2"/>
+                </a:solidFill>
+                <a:latin typeface="+mn-lt"/>
+                <a:ea typeface="+mn-ea"/>
+              </a:defRPr>
+            </a:lvl8pPr>
+            <a:lvl9pPr marL="3886200" indent="-228600" algn="l" rtl="0" fontAlgn="base">
+              <a:spcBef>
+                <a:spcPct val="20000"/>
+              </a:spcBef>
+              <a:spcAft>
+                <a:spcPct val="0"/>
+              </a:spcAft>
+              <a:buClr>
+                <a:srgbClr val="3C0000"/>
+              </a:buClr>
+              <a:buFont typeface="Wingdings" pitchFamily="2" charset="2"/>
+              <a:buChar char=""/>
+              <a:defRPr kumimoji="1" sz="2000">
+                <a:solidFill>
+                  <a:schemeClr val="tx2"/>
+                </a:solidFill>
+                <a:latin typeface="+mn-lt"/>
+                <a:ea typeface="+mn-ea"/>
+              </a:defRPr>
+            </a:lvl9pPr>
+          </a:lstStyle>
           <a:p>
             <a:pPr marL="0" indent="0">
               <a:buFont typeface="Times"/>
               <a:buNone/>
             </a:pPr>
             <a:r>
-              <a:rPr lang="en-US" sz="2000" smtClean="0"/>
-              <a:t>CMS </a:t>
-            </a:r>
-          </a:p>
+              <a:rPr lang="en-US" sz="2800" dirty="0" smtClean="0">
+                <a:solidFill>
+                  <a:srgbClr val="FF6600"/>
+                </a:solidFill>
+                <a:latin typeface="Arial"/>
+                <a:cs typeface="Arial"/>
+              </a:rPr>
+              <a:t>s</a:t>
+            </a:r>
+          </a:p>
+        </p:txBody>
+      </p:sp>
+      <p:sp>
+        <p:nvSpPr>
+          <p:cNvPr id="24" name="Content Placeholder 2"/>
+          <p:cNvSpPr txBox="1">
+            <a:spLocks/>
+          </p:cNvSpPr>
+          <p:nvPr/>
+        </p:nvSpPr>
+        <p:spPr bwMode="auto">
+          <a:xfrm>
+            <a:off x="4648200" y="4635501"/>
+            <a:ext cx="484421" cy="669428"/>
+          </a:xfrm>
+          <a:prstGeom prst="rect">
+            <a:avLst/>
+          </a:prstGeom>
+          <a:noFill/>
+          <a:ln w="9525">
+            <a:noFill/>
+            <a:miter lim="800000"/>
+            <a:headEnd/>
+            <a:tailEnd/>
+          </a:ln>
+        </p:spPr>
+        <p:txBody>
+          <a:bodyPr vert="horz" wrap="square" lIns="91440" tIns="45720" rIns="91440" bIns="45720" numCol="1" anchor="t" anchorCtr="0" compatLnSpc="1">
+            <a:prstTxWarp prst="textNoShape">
+              <a:avLst/>
+            </a:prstTxWarp>
+            <a:normAutofit/>
+          </a:bodyPr>
+          <a:lstStyle>
+            <a:lvl1pPr marL="342900" indent="-342900" algn="l" rtl="0" eaLnBrk="0" fontAlgn="base" hangingPunct="0">
+              <a:spcBef>
+                <a:spcPct val="20000"/>
+              </a:spcBef>
+              <a:spcAft>
+                <a:spcPct val="0"/>
+              </a:spcAft>
+              <a:buClr>
+                <a:srgbClr val="000080"/>
+              </a:buClr>
+              <a:buFont typeface="Times"/>
+              <a:buChar char="•"/>
+              <a:defRPr kumimoji="1" sz="2400">
+                <a:solidFill>
+                  <a:schemeClr val="tx2"/>
+                </a:solidFill>
+                <a:latin typeface="+mn-lt"/>
+                <a:ea typeface="+mn-ea"/>
+                <a:cs typeface="ＭＳ Ｐゴシック"/>
+              </a:defRPr>
+            </a:lvl1pPr>
+            <a:lvl2pPr marL="742950" indent="-285750" algn="l" rtl="0" eaLnBrk="0" fontAlgn="base" hangingPunct="0">
+              <a:spcBef>
+                <a:spcPct val="20000"/>
+              </a:spcBef>
+              <a:spcAft>
+                <a:spcPct val="0"/>
+              </a:spcAft>
+              <a:buClr>
+                <a:srgbClr val="3C0000"/>
+              </a:buClr>
+              <a:buFont typeface="Symbol" pitchFamily="18" charset="2"/>
+              <a:buChar char=""/>
+              <a:defRPr kumimoji="1" sz="2400">
+                <a:solidFill>
+                  <a:srgbClr val="630000"/>
+                </a:solidFill>
+                <a:latin typeface="+mn-lt"/>
+                <a:ea typeface="+mn-ea"/>
+                <a:cs typeface="ＭＳ Ｐゴシック"/>
+              </a:defRPr>
+            </a:lvl2pPr>
+            <a:lvl3pPr marL="1143000" indent="-228600" algn="l" rtl="0" eaLnBrk="0" fontAlgn="base" hangingPunct="0">
+              <a:spcBef>
+                <a:spcPct val="20000"/>
+              </a:spcBef>
+              <a:spcAft>
+                <a:spcPct val="0"/>
+              </a:spcAft>
+              <a:buClr>
+                <a:srgbClr val="3C0000"/>
+              </a:buClr>
+              <a:buFont typeface="Wingdings" pitchFamily="2" charset="2"/>
+              <a:buChar char="§"/>
+              <a:defRPr kumimoji="1" sz="2400">
+                <a:solidFill>
+                  <a:schemeClr val="tx2"/>
+                </a:solidFill>
+                <a:latin typeface="+mn-lt"/>
+                <a:ea typeface="+mn-ea"/>
+                <a:cs typeface="ＭＳ Ｐゴシック"/>
+              </a:defRPr>
+            </a:lvl3pPr>
+            <a:lvl4pPr marL="1600200" indent="-228600" algn="l" rtl="0" eaLnBrk="0" fontAlgn="base" hangingPunct="0">
+              <a:spcBef>
+                <a:spcPct val="20000"/>
+              </a:spcBef>
+              <a:spcAft>
+                <a:spcPct val="0"/>
+              </a:spcAft>
+              <a:buClr>
+                <a:srgbClr val="3C0000"/>
+              </a:buClr>
+              <a:buFont typeface="Wingdings" pitchFamily="2" charset="2"/>
+              <a:buChar char=""/>
+              <a:defRPr kumimoji="1" sz="2000">
+                <a:solidFill>
+                  <a:schemeClr val="tx2"/>
+                </a:solidFill>
+                <a:latin typeface="+mn-lt"/>
+                <a:ea typeface="+mn-ea"/>
+                <a:cs typeface="ＭＳ Ｐゴシック"/>
+              </a:defRPr>
+            </a:lvl4pPr>
+            <a:lvl5pPr marL="2057400" indent="-228600" algn="l" rtl="0" eaLnBrk="0" fontAlgn="base" hangingPunct="0">
+              <a:spcBef>
+                <a:spcPct val="20000"/>
+              </a:spcBef>
+              <a:spcAft>
+                <a:spcPct val="0"/>
+              </a:spcAft>
+              <a:buClr>
+                <a:srgbClr val="3C0000"/>
+              </a:buClr>
+              <a:buFont typeface="Wingdings" pitchFamily="2" charset="2"/>
+              <a:buChar char=""/>
+              <a:defRPr kumimoji="1" sz="2000">
+                <a:solidFill>
+                  <a:schemeClr val="tx2"/>
+                </a:solidFill>
+                <a:latin typeface="+mn-lt"/>
+                <a:ea typeface="+mn-ea"/>
+                <a:cs typeface="ＭＳ Ｐゴシック"/>
+              </a:defRPr>
+            </a:lvl5pPr>
+            <a:lvl6pPr marL="2514600" indent="-228600" algn="l" rtl="0" fontAlgn="base">
+              <a:spcBef>
+                <a:spcPct val="20000"/>
+              </a:spcBef>
+              <a:spcAft>
+                <a:spcPct val="0"/>
+              </a:spcAft>
+              <a:buClr>
+                <a:srgbClr val="3C0000"/>
+              </a:buClr>
+              <a:buFont typeface="Wingdings" pitchFamily="2" charset="2"/>
+              <a:buChar char=""/>
+              <a:defRPr kumimoji="1" sz="2000">
+                <a:solidFill>
+                  <a:schemeClr val="tx2"/>
+                </a:solidFill>
+                <a:latin typeface="+mn-lt"/>
+                <a:ea typeface="+mn-ea"/>
+              </a:defRPr>
+            </a:lvl6pPr>
+            <a:lvl7pPr marL="2971800" indent="-228600" algn="l" rtl="0" fontAlgn="base">
+              <a:spcBef>
+                <a:spcPct val="20000"/>
+              </a:spcBef>
+              <a:spcAft>
+                <a:spcPct val="0"/>
+              </a:spcAft>
+              <a:buClr>
+                <a:srgbClr val="3C0000"/>
+              </a:buClr>
+              <a:buFont typeface="Wingdings" pitchFamily="2" charset="2"/>
+              <a:buChar char=""/>
+              <a:defRPr kumimoji="1" sz="2000">
+                <a:solidFill>
+                  <a:schemeClr val="tx2"/>
+                </a:solidFill>
+                <a:latin typeface="+mn-lt"/>
+                <a:ea typeface="+mn-ea"/>
+              </a:defRPr>
+            </a:lvl7pPr>
+            <a:lvl8pPr marL="3429000" indent="-228600" algn="l" rtl="0" fontAlgn="base">
+              <a:spcBef>
+                <a:spcPct val="20000"/>
+              </a:spcBef>
+              <a:spcAft>
+                <a:spcPct val="0"/>
+              </a:spcAft>
+              <a:buClr>
+                <a:srgbClr val="3C0000"/>
+              </a:buClr>
+              <a:buFont typeface="Wingdings" pitchFamily="2" charset="2"/>
+              <a:buChar char=""/>
+              <a:defRPr kumimoji="1" sz="2000">
+                <a:solidFill>
+                  <a:schemeClr val="tx2"/>
+                </a:solidFill>
+                <a:latin typeface="+mn-lt"/>
+                <a:ea typeface="+mn-ea"/>
+              </a:defRPr>
+            </a:lvl8pPr>
+            <a:lvl9pPr marL="3886200" indent="-228600" algn="l" rtl="0" fontAlgn="base">
+              <a:spcBef>
+                <a:spcPct val="20000"/>
+              </a:spcBef>
+              <a:spcAft>
+                <a:spcPct val="0"/>
+              </a:spcAft>
+              <a:buClr>
+                <a:srgbClr val="3C0000"/>
+              </a:buClr>
+              <a:buFont typeface="Wingdings" pitchFamily="2" charset="2"/>
+              <a:buChar char=""/>
+              <a:defRPr kumimoji="1" sz="2000">
+                <a:solidFill>
+                  <a:schemeClr val="tx2"/>
+                </a:solidFill>
+                <a:latin typeface="+mn-lt"/>
+                <a:ea typeface="+mn-ea"/>
+              </a:defRPr>
+            </a:lvl9pPr>
+          </a:lstStyle>
           <a:p>
             <a:pPr marL="0" indent="0">
               <a:buFont typeface="Times"/>
               <a:buNone/>
             </a:pPr>
             <a:r>
-              <a:rPr lang="en-US" sz="2000" smtClean="0"/>
-              <a:t>CompBioGrid </a:t>
-            </a:r>
-          </a:p>
+              <a:rPr lang="en-US" sz="2800" dirty="0" smtClean="0">
+                <a:solidFill>
+                  <a:srgbClr val="FF6600"/>
+                </a:solidFill>
+                <a:latin typeface="Arial"/>
+                <a:cs typeface="Arial"/>
+              </a:rPr>
+              <a:t>s</a:t>
+            </a:r>
+          </a:p>
+        </p:txBody>
+      </p:sp>
+      <p:sp>
+        <p:nvSpPr>
+          <p:cNvPr id="25" name="Content Placeholder 2"/>
+          <p:cNvSpPr txBox="1">
+            <a:spLocks/>
+          </p:cNvSpPr>
+          <p:nvPr/>
+        </p:nvSpPr>
+        <p:spPr bwMode="auto">
+          <a:xfrm>
+            <a:off x="7266428" y="2940003"/>
+            <a:ext cx="645671" cy="546099"/>
+          </a:xfrm>
+          <a:prstGeom prst="rect">
+            <a:avLst/>
+          </a:prstGeom>
+          <a:noFill/>
+          <a:ln w="9525">
+            <a:noFill/>
+            <a:miter lim="800000"/>
+            <a:headEnd/>
+            <a:tailEnd/>
+          </a:ln>
+        </p:spPr>
+        <p:txBody>
+          <a:bodyPr vert="horz" wrap="square" lIns="91440" tIns="45720" rIns="91440" bIns="45720" numCol="1" anchor="t" anchorCtr="0" compatLnSpc="1">
+            <a:prstTxWarp prst="textNoShape">
+              <a:avLst/>
+            </a:prstTxWarp>
+            <a:normAutofit fontScale="77500" lnSpcReduction="20000"/>
+          </a:bodyPr>
+          <a:lstStyle>
+            <a:lvl1pPr marL="342900" indent="-342900" algn="l" rtl="0" eaLnBrk="0" fontAlgn="base" hangingPunct="0">
+              <a:spcBef>
+                <a:spcPct val="20000"/>
+              </a:spcBef>
+              <a:spcAft>
+                <a:spcPct val="0"/>
+              </a:spcAft>
+              <a:buClr>
+                <a:srgbClr val="000080"/>
+              </a:buClr>
+              <a:buFont typeface="Times"/>
+              <a:buChar char="•"/>
+              <a:defRPr kumimoji="1" sz="2400">
+                <a:solidFill>
+                  <a:schemeClr val="tx2"/>
+                </a:solidFill>
+                <a:latin typeface="+mn-lt"/>
+                <a:ea typeface="+mn-ea"/>
+                <a:cs typeface="ＭＳ Ｐゴシック"/>
+              </a:defRPr>
+            </a:lvl1pPr>
+            <a:lvl2pPr marL="742950" indent="-285750" algn="l" rtl="0" eaLnBrk="0" fontAlgn="base" hangingPunct="0">
+              <a:spcBef>
+                <a:spcPct val="20000"/>
+              </a:spcBef>
+              <a:spcAft>
+                <a:spcPct val="0"/>
+              </a:spcAft>
+              <a:buClr>
+                <a:srgbClr val="3C0000"/>
+              </a:buClr>
+              <a:buFont typeface="Symbol" pitchFamily="18" charset="2"/>
+              <a:buChar char=""/>
+              <a:defRPr kumimoji="1" sz="2400">
+                <a:solidFill>
+                  <a:srgbClr val="630000"/>
+                </a:solidFill>
+                <a:latin typeface="+mn-lt"/>
+                <a:ea typeface="+mn-ea"/>
+                <a:cs typeface="ＭＳ Ｐゴシック"/>
+              </a:defRPr>
+            </a:lvl2pPr>
+            <a:lvl3pPr marL="1143000" indent="-228600" algn="l" rtl="0" eaLnBrk="0" fontAlgn="base" hangingPunct="0">
+              <a:spcBef>
+                <a:spcPct val="20000"/>
+              </a:spcBef>
+              <a:spcAft>
+                <a:spcPct val="0"/>
+              </a:spcAft>
+              <a:buClr>
+                <a:srgbClr val="3C0000"/>
+              </a:buClr>
+              <a:buFont typeface="Wingdings" pitchFamily="2" charset="2"/>
+              <a:buChar char="§"/>
+              <a:defRPr kumimoji="1" sz="2400">
+                <a:solidFill>
+                  <a:schemeClr val="tx2"/>
+                </a:solidFill>
+                <a:latin typeface="+mn-lt"/>
+                <a:ea typeface="+mn-ea"/>
+                <a:cs typeface="ＭＳ Ｐゴシック"/>
+              </a:defRPr>
+            </a:lvl3pPr>
+            <a:lvl4pPr marL="1600200" indent="-228600" algn="l" rtl="0" eaLnBrk="0" fontAlgn="base" hangingPunct="0">
+              <a:spcBef>
+                <a:spcPct val="20000"/>
+              </a:spcBef>
+              <a:spcAft>
+                <a:spcPct val="0"/>
+              </a:spcAft>
+              <a:buClr>
+                <a:srgbClr val="3C0000"/>
+              </a:buClr>
+              <a:buFont typeface="Wingdings" pitchFamily="2" charset="2"/>
+              <a:buChar char=""/>
+              <a:defRPr kumimoji="1" sz="2000">
+                <a:solidFill>
+                  <a:schemeClr val="tx2"/>
+                </a:solidFill>
+                <a:latin typeface="+mn-lt"/>
+                <a:ea typeface="+mn-ea"/>
+                <a:cs typeface="ＭＳ Ｐゴシック"/>
+              </a:defRPr>
+            </a:lvl4pPr>
+            <a:lvl5pPr marL="2057400" indent="-228600" algn="l" rtl="0" eaLnBrk="0" fontAlgn="base" hangingPunct="0">
+              <a:spcBef>
+                <a:spcPct val="20000"/>
+              </a:spcBef>
+              <a:spcAft>
+                <a:spcPct val="0"/>
+              </a:spcAft>
+              <a:buClr>
+                <a:srgbClr val="3C0000"/>
+              </a:buClr>
+              <a:buFont typeface="Wingdings" pitchFamily="2" charset="2"/>
+              <a:buChar char=""/>
+              <a:defRPr kumimoji="1" sz="2000">
+                <a:solidFill>
+                  <a:schemeClr val="tx2"/>
+                </a:solidFill>
+                <a:latin typeface="+mn-lt"/>
+                <a:ea typeface="+mn-ea"/>
+                <a:cs typeface="ＭＳ Ｐゴシック"/>
+              </a:defRPr>
+            </a:lvl5pPr>
+            <a:lvl6pPr marL="2514600" indent="-228600" algn="l" rtl="0" fontAlgn="base">
+              <a:spcBef>
+                <a:spcPct val="20000"/>
+              </a:spcBef>
+              <a:spcAft>
+                <a:spcPct val="0"/>
+              </a:spcAft>
+              <a:buClr>
+                <a:srgbClr val="3C0000"/>
+              </a:buClr>
+              <a:buFont typeface="Wingdings" pitchFamily="2" charset="2"/>
+              <a:buChar char=""/>
+              <a:defRPr kumimoji="1" sz="2000">
+                <a:solidFill>
+                  <a:schemeClr val="tx2"/>
+                </a:solidFill>
+                <a:latin typeface="+mn-lt"/>
+                <a:ea typeface="+mn-ea"/>
+              </a:defRPr>
+            </a:lvl6pPr>
+            <a:lvl7pPr marL="2971800" indent="-228600" algn="l" rtl="0" fontAlgn="base">
+              <a:spcBef>
+                <a:spcPct val="20000"/>
+              </a:spcBef>
+              <a:spcAft>
+                <a:spcPct val="0"/>
+              </a:spcAft>
+              <a:buClr>
+                <a:srgbClr val="3C0000"/>
+              </a:buClr>
+              <a:buFont typeface="Wingdings" pitchFamily="2" charset="2"/>
+              <a:buChar char=""/>
+              <a:defRPr kumimoji="1" sz="2000">
+                <a:solidFill>
+                  <a:schemeClr val="tx2"/>
+                </a:solidFill>
+                <a:latin typeface="+mn-lt"/>
+                <a:ea typeface="+mn-ea"/>
+              </a:defRPr>
+            </a:lvl7pPr>
+            <a:lvl8pPr marL="3429000" indent="-228600" algn="l" rtl="0" fontAlgn="base">
+              <a:spcBef>
+                <a:spcPct val="20000"/>
+              </a:spcBef>
+              <a:spcAft>
+                <a:spcPct val="0"/>
+              </a:spcAft>
+              <a:buClr>
+                <a:srgbClr val="3C0000"/>
+              </a:buClr>
+              <a:buFont typeface="Wingdings" pitchFamily="2" charset="2"/>
+              <a:buChar char=""/>
+              <a:defRPr kumimoji="1" sz="2000">
+                <a:solidFill>
+                  <a:schemeClr val="tx2"/>
+                </a:solidFill>
+                <a:latin typeface="+mn-lt"/>
+                <a:ea typeface="+mn-ea"/>
+              </a:defRPr>
+            </a:lvl8pPr>
+            <a:lvl9pPr marL="3886200" indent="-228600" algn="l" rtl="0" fontAlgn="base">
+              <a:spcBef>
+                <a:spcPct val="20000"/>
+              </a:spcBef>
+              <a:spcAft>
+                <a:spcPct val="0"/>
+              </a:spcAft>
+              <a:buClr>
+                <a:srgbClr val="3C0000"/>
+              </a:buClr>
+              <a:buFont typeface="Wingdings" pitchFamily="2" charset="2"/>
+              <a:buChar char=""/>
+              <a:defRPr kumimoji="1" sz="2000">
+                <a:solidFill>
+                  <a:schemeClr val="tx2"/>
+                </a:solidFill>
+                <a:latin typeface="+mn-lt"/>
+                <a:ea typeface="+mn-ea"/>
+              </a:defRPr>
+            </a:lvl9pPr>
+          </a:lstStyle>
           <a:p>
             <a:pPr marL="0" indent="0">
               <a:buFont typeface="Times"/>
               <a:buNone/>
             </a:pPr>
             <a:r>
-              <a:rPr lang="en-US" sz="2000" smtClean="0"/>
-              <a:t>COUPP </a:t>
-            </a:r>
-          </a:p>
+              <a:rPr lang="en-US" sz="2800" dirty="0" err="1" smtClean="0">
+                <a:solidFill>
+                  <a:schemeClr val="accent6">
+                    <a:lumMod val="60000"/>
+                    <a:lumOff val="40000"/>
+                  </a:schemeClr>
+                </a:solidFill>
+                <a:latin typeface="Arial"/>
+                <a:cs typeface="Arial"/>
+              </a:rPr>
+              <a:t>eng</a:t>
+            </a:r>
+            <a:endParaRPr lang="en-US" sz="2800" dirty="0" smtClean="0">
+              <a:solidFill>
+                <a:schemeClr val="accent6">
+                  <a:lumMod val="60000"/>
+                  <a:lumOff val="40000"/>
+                </a:schemeClr>
+              </a:solidFill>
+              <a:latin typeface="Arial"/>
+              <a:cs typeface="Arial"/>
+            </a:endParaRPr>
+          </a:p>
+        </p:txBody>
+      </p:sp>
+      <p:sp>
+        <p:nvSpPr>
+          <p:cNvPr id="26" name="Content Placeholder 2"/>
+          <p:cNvSpPr txBox="1">
+            <a:spLocks/>
+          </p:cNvSpPr>
+          <p:nvPr/>
+        </p:nvSpPr>
+        <p:spPr bwMode="auto">
+          <a:xfrm>
+            <a:off x="5374128" y="2051003"/>
+            <a:ext cx="645671" cy="546099"/>
+          </a:xfrm>
+          <a:prstGeom prst="rect">
+            <a:avLst/>
+          </a:prstGeom>
+          <a:noFill/>
+          <a:ln w="9525">
+            <a:noFill/>
+            <a:miter lim="800000"/>
+            <a:headEnd/>
+            <a:tailEnd/>
+          </a:ln>
+        </p:spPr>
+        <p:txBody>
+          <a:bodyPr vert="horz" wrap="square" lIns="91440" tIns="45720" rIns="91440" bIns="45720" numCol="1" anchor="t" anchorCtr="0" compatLnSpc="1">
+            <a:prstTxWarp prst="textNoShape">
+              <a:avLst/>
+            </a:prstTxWarp>
+            <a:normAutofit fontScale="77500" lnSpcReduction="20000"/>
+          </a:bodyPr>
+          <a:lstStyle>
+            <a:lvl1pPr marL="342900" indent="-342900" algn="l" rtl="0" eaLnBrk="0" fontAlgn="base" hangingPunct="0">
+              <a:spcBef>
+                <a:spcPct val="20000"/>
+              </a:spcBef>
+              <a:spcAft>
+                <a:spcPct val="0"/>
+              </a:spcAft>
+              <a:buClr>
+                <a:srgbClr val="000080"/>
+              </a:buClr>
+              <a:buFont typeface="Times"/>
+              <a:buChar char="•"/>
+              <a:defRPr kumimoji="1" sz="2400">
+                <a:solidFill>
+                  <a:schemeClr val="tx2"/>
+                </a:solidFill>
+                <a:latin typeface="+mn-lt"/>
+                <a:ea typeface="+mn-ea"/>
+                <a:cs typeface="ＭＳ Ｐゴシック"/>
+              </a:defRPr>
+            </a:lvl1pPr>
+            <a:lvl2pPr marL="742950" indent="-285750" algn="l" rtl="0" eaLnBrk="0" fontAlgn="base" hangingPunct="0">
+              <a:spcBef>
+                <a:spcPct val="20000"/>
+              </a:spcBef>
+              <a:spcAft>
+                <a:spcPct val="0"/>
+              </a:spcAft>
+              <a:buClr>
+                <a:srgbClr val="3C0000"/>
+              </a:buClr>
+              <a:buFont typeface="Symbol" pitchFamily="18" charset="2"/>
+              <a:buChar char=""/>
+              <a:defRPr kumimoji="1" sz="2400">
+                <a:solidFill>
+                  <a:srgbClr val="630000"/>
+                </a:solidFill>
+                <a:latin typeface="+mn-lt"/>
+                <a:ea typeface="+mn-ea"/>
+                <a:cs typeface="ＭＳ Ｐゴシック"/>
+              </a:defRPr>
+            </a:lvl2pPr>
+            <a:lvl3pPr marL="1143000" indent="-228600" algn="l" rtl="0" eaLnBrk="0" fontAlgn="base" hangingPunct="0">
+              <a:spcBef>
+                <a:spcPct val="20000"/>
+              </a:spcBef>
+              <a:spcAft>
+                <a:spcPct val="0"/>
+              </a:spcAft>
+              <a:buClr>
+                <a:srgbClr val="3C0000"/>
+              </a:buClr>
+              <a:buFont typeface="Wingdings" pitchFamily="2" charset="2"/>
+              <a:buChar char="§"/>
+              <a:defRPr kumimoji="1" sz="2400">
+                <a:solidFill>
+                  <a:schemeClr val="tx2"/>
+                </a:solidFill>
+                <a:latin typeface="+mn-lt"/>
+                <a:ea typeface="+mn-ea"/>
+                <a:cs typeface="ＭＳ Ｐゴシック"/>
+              </a:defRPr>
+            </a:lvl3pPr>
+            <a:lvl4pPr marL="1600200" indent="-228600" algn="l" rtl="0" eaLnBrk="0" fontAlgn="base" hangingPunct="0">
+              <a:spcBef>
+                <a:spcPct val="20000"/>
+              </a:spcBef>
+              <a:spcAft>
+                <a:spcPct val="0"/>
+              </a:spcAft>
+              <a:buClr>
+                <a:srgbClr val="3C0000"/>
+              </a:buClr>
+              <a:buFont typeface="Wingdings" pitchFamily="2" charset="2"/>
+              <a:buChar char=""/>
+              <a:defRPr kumimoji="1" sz="2000">
+                <a:solidFill>
+                  <a:schemeClr val="tx2"/>
+                </a:solidFill>
+                <a:latin typeface="+mn-lt"/>
+                <a:ea typeface="+mn-ea"/>
+                <a:cs typeface="ＭＳ Ｐゴシック"/>
+              </a:defRPr>
+            </a:lvl4pPr>
+            <a:lvl5pPr marL="2057400" indent="-228600" algn="l" rtl="0" eaLnBrk="0" fontAlgn="base" hangingPunct="0">
+              <a:spcBef>
+                <a:spcPct val="20000"/>
+              </a:spcBef>
+              <a:spcAft>
+                <a:spcPct val="0"/>
+              </a:spcAft>
+              <a:buClr>
+                <a:srgbClr val="3C0000"/>
+              </a:buClr>
+              <a:buFont typeface="Wingdings" pitchFamily="2" charset="2"/>
+              <a:buChar char=""/>
+              <a:defRPr kumimoji="1" sz="2000">
+                <a:solidFill>
+                  <a:schemeClr val="tx2"/>
+                </a:solidFill>
+                <a:latin typeface="+mn-lt"/>
+                <a:ea typeface="+mn-ea"/>
+                <a:cs typeface="ＭＳ Ｐゴシック"/>
+              </a:defRPr>
+            </a:lvl5pPr>
+            <a:lvl6pPr marL="2514600" indent="-228600" algn="l" rtl="0" fontAlgn="base">
+              <a:spcBef>
+                <a:spcPct val="20000"/>
+              </a:spcBef>
+              <a:spcAft>
+                <a:spcPct val="0"/>
+              </a:spcAft>
+              <a:buClr>
+                <a:srgbClr val="3C0000"/>
+              </a:buClr>
+              <a:buFont typeface="Wingdings" pitchFamily="2" charset="2"/>
+              <a:buChar char=""/>
+              <a:defRPr kumimoji="1" sz="2000">
+                <a:solidFill>
+                  <a:schemeClr val="tx2"/>
+                </a:solidFill>
+                <a:latin typeface="+mn-lt"/>
+                <a:ea typeface="+mn-ea"/>
+              </a:defRPr>
+            </a:lvl6pPr>
+            <a:lvl7pPr marL="2971800" indent="-228600" algn="l" rtl="0" fontAlgn="base">
+              <a:spcBef>
+                <a:spcPct val="20000"/>
+              </a:spcBef>
+              <a:spcAft>
+                <a:spcPct val="0"/>
+              </a:spcAft>
+              <a:buClr>
+                <a:srgbClr val="3C0000"/>
+              </a:buClr>
+              <a:buFont typeface="Wingdings" pitchFamily="2" charset="2"/>
+              <a:buChar char=""/>
+              <a:defRPr kumimoji="1" sz="2000">
+                <a:solidFill>
+                  <a:schemeClr val="tx2"/>
+                </a:solidFill>
+                <a:latin typeface="+mn-lt"/>
+                <a:ea typeface="+mn-ea"/>
+              </a:defRPr>
+            </a:lvl7pPr>
+            <a:lvl8pPr marL="3429000" indent="-228600" algn="l" rtl="0" fontAlgn="base">
+              <a:spcBef>
+                <a:spcPct val="20000"/>
+              </a:spcBef>
+              <a:spcAft>
+                <a:spcPct val="0"/>
+              </a:spcAft>
+              <a:buClr>
+                <a:srgbClr val="3C0000"/>
+              </a:buClr>
+              <a:buFont typeface="Wingdings" pitchFamily="2" charset="2"/>
+              <a:buChar char=""/>
+              <a:defRPr kumimoji="1" sz="2000">
+                <a:solidFill>
+                  <a:schemeClr val="tx2"/>
+                </a:solidFill>
+                <a:latin typeface="+mn-lt"/>
+                <a:ea typeface="+mn-ea"/>
+              </a:defRPr>
+            </a:lvl8pPr>
+            <a:lvl9pPr marL="3886200" indent="-228600" algn="l" rtl="0" fontAlgn="base">
+              <a:spcBef>
+                <a:spcPct val="20000"/>
+              </a:spcBef>
+              <a:spcAft>
+                <a:spcPct val="0"/>
+              </a:spcAft>
+              <a:buClr>
+                <a:srgbClr val="3C0000"/>
+              </a:buClr>
+              <a:buFont typeface="Wingdings" pitchFamily="2" charset="2"/>
+              <a:buChar char=""/>
+              <a:defRPr kumimoji="1" sz="2000">
+                <a:solidFill>
+                  <a:schemeClr val="tx2"/>
+                </a:solidFill>
+                <a:latin typeface="+mn-lt"/>
+                <a:ea typeface="+mn-ea"/>
+              </a:defRPr>
+            </a:lvl9pPr>
+          </a:lstStyle>
           <a:p>
             <a:pPr marL="0" indent="0">
               <a:buFont typeface="Times"/>
               <a:buNone/>
             </a:pPr>
             <a:r>
-              <a:rPr lang="en-US" sz="2000" smtClean="0"/>
-              <a:t>CSIU </a:t>
-            </a:r>
-          </a:p>
+              <a:rPr lang="en-US" sz="2800" dirty="0" err="1" smtClean="0">
+                <a:solidFill>
+                  <a:schemeClr val="accent6">
+                    <a:lumMod val="60000"/>
+                    <a:lumOff val="40000"/>
+                  </a:schemeClr>
+                </a:solidFill>
+                <a:latin typeface="Arial"/>
+                <a:cs typeface="Arial"/>
+              </a:rPr>
+              <a:t>eng</a:t>
+            </a:r>
+            <a:endParaRPr lang="en-US" sz="2800" dirty="0" smtClean="0">
+              <a:solidFill>
+                <a:schemeClr val="accent6">
+                  <a:lumMod val="60000"/>
+                  <a:lumOff val="40000"/>
+                </a:schemeClr>
+              </a:solidFill>
+              <a:latin typeface="Arial"/>
+              <a:cs typeface="Arial"/>
+            </a:endParaRPr>
+          </a:p>
+        </p:txBody>
+      </p:sp>
+      <p:sp>
+        <p:nvSpPr>
+          <p:cNvPr id="27" name="Content Placeholder 2"/>
+          <p:cNvSpPr txBox="1">
+            <a:spLocks/>
+          </p:cNvSpPr>
+          <p:nvPr/>
+        </p:nvSpPr>
+        <p:spPr bwMode="auto">
+          <a:xfrm>
+            <a:off x="5885137" y="2382146"/>
+            <a:ext cx="463216" cy="546099"/>
+          </a:xfrm>
+          <a:prstGeom prst="rect">
+            <a:avLst/>
+          </a:prstGeom>
+          <a:noFill/>
+          <a:ln w="9525">
+            <a:noFill/>
+            <a:miter lim="800000"/>
+            <a:headEnd/>
+            <a:tailEnd/>
+          </a:ln>
+        </p:spPr>
+        <p:txBody>
+          <a:bodyPr vert="horz" wrap="square" lIns="91440" tIns="45720" rIns="91440" bIns="45720" numCol="1" anchor="t" anchorCtr="0" compatLnSpc="1">
+            <a:prstTxWarp prst="textNoShape">
+              <a:avLst/>
+            </a:prstTxWarp>
+            <a:normAutofit/>
+          </a:bodyPr>
+          <a:lstStyle>
+            <a:lvl1pPr marL="342900" indent="-342900" algn="l" rtl="0" eaLnBrk="0" fontAlgn="base" hangingPunct="0">
+              <a:spcBef>
+                <a:spcPct val="20000"/>
+              </a:spcBef>
+              <a:spcAft>
+                <a:spcPct val="0"/>
+              </a:spcAft>
+              <a:buClr>
+                <a:srgbClr val="000080"/>
+              </a:buClr>
+              <a:buFont typeface="Times"/>
+              <a:buChar char="•"/>
+              <a:defRPr kumimoji="1" sz="2400">
+                <a:solidFill>
+                  <a:schemeClr val="tx2"/>
+                </a:solidFill>
+                <a:latin typeface="+mn-lt"/>
+                <a:ea typeface="+mn-ea"/>
+                <a:cs typeface="ＭＳ Ｐゴシック"/>
+              </a:defRPr>
+            </a:lvl1pPr>
+            <a:lvl2pPr marL="742950" indent="-285750" algn="l" rtl="0" eaLnBrk="0" fontAlgn="base" hangingPunct="0">
+              <a:spcBef>
+                <a:spcPct val="20000"/>
+              </a:spcBef>
+              <a:spcAft>
+                <a:spcPct val="0"/>
+              </a:spcAft>
+              <a:buClr>
+                <a:srgbClr val="3C0000"/>
+              </a:buClr>
+              <a:buFont typeface="Symbol" pitchFamily="18" charset="2"/>
+              <a:buChar char=""/>
+              <a:defRPr kumimoji="1" sz="2400">
+                <a:solidFill>
+                  <a:srgbClr val="630000"/>
+                </a:solidFill>
+                <a:latin typeface="+mn-lt"/>
+                <a:ea typeface="+mn-ea"/>
+                <a:cs typeface="ＭＳ Ｐゴシック"/>
+              </a:defRPr>
+            </a:lvl2pPr>
+            <a:lvl3pPr marL="1143000" indent="-228600" algn="l" rtl="0" eaLnBrk="0" fontAlgn="base" hangingPunct="0">
+              <a:spcBef>
+                <a:spcPct val="20000"/>
+              </a:spcBef>
+              <a:spcAft>
+                <a:spcPct val="0"/>
+              </a:spcAft>
+              <a:buClr>
+                <a:srgbClr val="3C0000"/>
+              </a:buClr>
+              <a:buFont typeface="Wingdings" pitchFamily="2" charset="2"/>
+              <a:buChar char="§"/>
+              <a:defRPr kumimoji="1" sz="2400">
+                <a:solidFill>
+                  <a:schemeClr val="tx2"/>
+                </a:solidFill>
+                <a:latin typeface="+mn-lt"/>
+                <a:ea typeface="+mn-ea"/>
+                <a:cs typeface="ＭＳ Ｐゴシック"/>
+              </a:defRPr>
+            </a:lvl3pPr>
+            <a:lvl4pPr marL="1600200" indent="-228600" algn="l" rtl="0" eaLnBrk="0" fontAlgn="base" hangingPunct="0">
+              <a:spcBef>
+                <a:spcPct val="20000"/>
+              </a:spcBef>
+              <a:spcAft>
+                <a:spcPct val="0"/>
+              </a:spcAft>
+              <a:buClr>
+                <a:srgbClr val="3C0000"/>
+              </a:buClr>
+              <a:buFont typeface="Wingdings" pitchFamily="2" charset="2"/>
+              <a:buChar char=""/>
+              <a:defRPr kumimoji="1" sz="2000">
+                <a:solidFill>
+                  <a:schemeClr val="tx2"/>
+                </a:solidFill>
+                <a:latin typeface="+mn-lt"/>
+                <a:ea typeface="+mn-ea"/>
+                <a:cs typeface="ＭＳ Ｐゴシック"/>
+              </a:defRPr>
+            </a:lvl4pPr>
+            <a:lvl5pPr marL="2057400" indent="-228600" algn="l" rtl="0" eaLnBrk="0" fontAlgn="base" hangingPunct="0">
+              <a:spcBef>
+                <a:spcPct val="20000"/>
+              </a:spcBef>
+              <a:spcAft>
+                <a:spcPct val="0"/>
+              </a:spcAft>
+              <a:buClr>
+                <a:srgbClr val="3C0000"/>
+              </a:buClr>
+              <a:buFont typeface="Wingdings" pitchFamily="2" charset="2"/>
+              <a:buChar char=""/>
+              <a:defRPr kumimoji="1" sz="2000">
+                <a:solidFill>
+                  <a:schemeClr val="tx2"/>
+                </a:solidFill>
+                <a:latin typeface="+mn-lt"/>
+                <a:ea typeface="+mn-ea"/>
+                <a:cs typeface="ＭＳ Ｐゴシック"/>
+              </a:defRPr>
+            </a:lvl5pPr>
+            <a:lvl6pPr marL="2514600" indent="-228600" algn="l" rtl="0" fontAlgn="base">
+              <a:spcBef>
+                <a:spcPct val="20000"/>
+              </a:spcBef>
+              <a:spcAft>
+                <a:spcPct val="0"/>
+              </a:spcAft>
+              <a:buClr>
+                <a:srgbClr val="3C0000"/>
+              </a:buClr>
+              <a:buFont typeface="Wingdings" pitchFamily="2" charset="2"/>
+              <a:buChar char=""/>
+              <a:defRPr kumimoji="1" sz="2000">
+                <a:solidFill>
+                  <a:schemeClr val="tx2"/>
+                </a:solidFill>
+                <a:latin typeface="+mn-lt"/>
+                <a:ea typeface="+mn-ea"/>
+              </a:defRPr>
+            </a:lvl6pPr>
+            <a:lvl7pPr marL="2971800" indent="-228600" algn="l" rtl="0" fontAlgn="base">
+              <a:spcBef>
+                <a:spcPct val="20000"/>
+              </a:spcBef>
+              <a:spcAft>
+                <a:spcPct val="0"/>
+              </a:spcAft>
+              <a:buClr>
+                <a:srgbClr val="3C0000"/>
+              </a:buClr>
+              <a:buFont typeface="Wingdings" pitchFamily="2" charset="2"/>
+              <a:buChar char=""/>
+              <a:defRPr kumimoji="1" sz="2000">
+                <a:solidFill>
+                  <a:schemeClr val="tx2"/>
+                </a:solidFill>
+                <a:latin typeface="+mn-lt"/>
+                <a:ea typeface="+mn-ea"/>
+              </a:defRPr>
+            </a:lvl7pPr>
+            <a:lvl8pPr marL="3429000" indent="-228600" algn="l" rtl="0" fontAlgn="base">
+              <a:spcBef>
+                <a:spcPct val="20000"/>
+              </a:spcBef>
+              <a:spcAft>
+                <a:spcPct val="0"/>
+              </a:spcAft>
+              <a:buClr>
+                <a:srgbClr val="3C0000"/>
+              </a:buClr>
+              <a:buFont typeface="Wingdings" pitchFamily="2" charset="2"/>
+              <a:buChar char=""/>
+              <a:defRPr kumimoji="1" sz="2000">
+                <a:solidFill>
+                  <a:schemeClr val="tx2"/>
+                </a:solidFill>
+                <a:latin typeface="+mn-lt"/>
+                <a:ea typeface="+mn-ea"/>
+              </a:defRPr>
+            </a:lvl8pPr>
+            <a:lvl9pPr marL="3886200" indent="-228600" algn="l" rtl="0" fontAlgn="base">
+              <a:spcBef>
+                <a:spcPct val="20000"/>
+              </a:spcBef>
+              <a:spcAft>
+                <a:spcPct val="0"/>
+              </a:spcAft>
+              <a:buClr>
+                <a:srgbClr val="3C0000"/>
+              </a:buClr>
+              <a:buFont typeface="Wingdings" pitchFamily="2" charset="2"/>
+              <a:buChar char=""/>
+              <a:defRPr kumimoji="1" sz="2000">
+                <a:solidFill>
+                  <a:schemeClr val="tx2"/>
+                </a:solidFill>
+                <a:latin typeface="+mn-lt"/>
+                <a:ea typeface="+mn-ea"/>
+              </a:defRPr>
+            </a:lvl9pPr>
+          </a:lstStyle>
           <a:p>
             <a:pPr marL="0" indent="0">
               <a:buFont typeface="Times"/>
               <a:buNone/>
             </a:pPr>
             <a:r>
-              <a:rPr lang="en-US" sz="2000" smtClean="0"/>
-              <a:t>DayaBay </a:t>
-            </a:r>
-          </a:p>
-          <a:p>
-            <a:pPr marL="0" indent="0">
-              <a:buFont typeface="Times"/>
-              <a:buNone/>
-            </a:pPr>
-            <a:r>
-              <a:rPr lang="en-US" sz="2000" smtClean="0"/>
-              <a:t>DES </a:t>
-            </a:r>
-          </a:p>
-          <a:p>
-            <a:pPr marL="0" indent="0">
-              <a:buFont typeface="Times"/>
-              <a:buNone/>
-            </a:pPr>
-            <a:r>
-              <a:rPr lang="en-US" sz="2000" smtClean="0"/>
-              <a:t>DOSAR</a:t>
-            </a:r>
-          </a:p>
-          <a:p>
-            <a:pPr marL="0" indent="0">
-              <a:buFont typeface="Times"/>
-              <a:buNone/>
-            </a:pPr>
-            <a:r>
-              <a:rPr lang="en-US" sz="2000" smtClean="0"/>
-              <a:t> DREAM </a:t>
-            </a:r>
-          </a:p>
-          <a:p>
-            <a:pPr marL="0" indent="0">
-              <a:buFont typeface="Times"/>
-              <a:buNone/>
-            </a:pPr>
-            <a:r>
-              <a:rPr lang="en-US" sz="2000" smtClean="0"/>
-              <a:t>DZero </a:t>
-            </a:r>
-          </a:p>
-          <a:p>
-            <a:pPr marL="0" indent="0">
-              <a:buFont typeface="Times"/>
-              <a:buNone/>
-            </a:pPr>
-            <a:r>
-              <a:rPr lang="en-US" sz="2000" smtClean="0"/>
-              <a:t>Engage</a:t>
-            </a:r>
-          </a:p>
-          <a:p>
-            <a:pPr marL="0" indent="0">
-              <a:buFont typeface="Times"/>
-              <a:buNone/>
-            </a:pPr>
-            <a:r>
-              <a:rPr lang="en-US" sz="2000" smtClean="0"/>
-              <a:t>enmr.eu </a:t>
-            </a:r>
-          </a:p>
-          <a:p>
-            <a:pPr marL="0" indent="0">
-              <a:buFont typeface="Times"/>
-              <a:buNone/>
-            </a:pPr>
-            <a:r>
-              <a:rPr lang="en-US" sz="2000" smtClean="0"/>
-              <a:t>ESGF </a:t>
-            </a:r>
-          </a:p>
-          <a:p>
-            <a:pPr marL="0" indent="0">
-              <a:buFont typeface="Times"/>
-              <a:buNone/>
-            </a:pPr>
-            <a:r>
-              <a:rPr lang="en-US" sz="2000" smtClean="0"/>
-              <a:t>FermiGrid </a:t>
-            </a:r>
-          </a:p>
-          <a:p>
-            <a:pPr marL="0" indent="0">
-              <a:buFont typeface="Times"/>
-              <a:buNone/>
-            </a:pPr>
-            <a:r>
-              <a:rPr lang="en-US" sz="2000" smtClean="0"/>
-              <a:t>Fermilab </a:t>
-            </a:r>
-          </a:p>
-          <a:p>
-            <a:pPr marL="0" indent="0">
-              <a:buFont typeface="Times"/>
-              <a:buNone/>
-            </a:pPr>
-            <a:r>
-              <a:rPr lang="en-US" sz="2000" smtClean="0"/>
-              <a:t>LBNE</a:t>
-            </a:r>
-          </a:p>
-          <a:p>
-            <a:pPr marL="0" indent="0">
-              <a:buFont typeface="Times"/>
-              <a:buNone/>
-            </a:pPr>
-            <a:r>
-              <a:rPr lang="en-US" sz="2000" smtClean="0"/>
-              <a:t>FermiTest </a:t>
-            </a:r>
-          </a:p>
-          <a:p>
-            <a:pPr marL="0" indent="0">
-              <a:buFont typeface="Times"/>
-              <a:buNone/>
-            </a:pPr>
-            <a:r>
-              <a:rPr lang="en-US" sz="2000" smtClean="0"/>
-              <a:t>GCEDU </a:t>
-            </a:r>
-          </a:p>
-          <a:p>
-            <a:pPr marL="0" indent="0">
-              <a:buFont typeface="Times"/>
-              <a:buNone/>
-            </a:pPr>
-            <a:r>
-              <a:rPr lang="en-US" sz="2000" smtClean="0"/>
-              <a:t>GCVO </a:t>
-            </a:r>
-          </a:p>
-          <a:p>
-            <a:pPr marL="0" indent="0">
-              <a:buFont typeface="Times"/>
-              <a:buNone/>
-            </a:pPr>
-            <a:r>
-              <a:rPr lang="en-US" sz="2000" smtClean="0"/>
-              <a:t>geant4 </a:t>
-            </a:r>
-          </a:p>
-          <a:p>
-            <a:pPr marL="0" indent="0">
-              <a:buFont typeface="Times"/>
-              <a:buNone/>
-            </a:pPr>
-            <a:r>
-              <a:rPr lang="en-US" sz="2000" smtClean="0"/>
-              <a:t>GLOW </a:t>
-            </a:r>
-          </a:p>
-          <a:p>
-            <a:pPr marL="0" indent="0">
-              <a:buFont typeface="Times"/>
-              <a:buNone/>
-            </a:pPr>
-            <a:r>
-              <a:rPr lang="en-US" sz="2000" smtClean="0"/>
-              <a:t>Gluex </a:t>
-            </a:r>
-          </a:p>
-          <a:p>
-            <a:pPr marL="0" indent="0">
-              <a:buFont typeface="Times"/>
-              <a:buNone/>
-            </a:pPr>
-            <a:r>
-              <a:rPr lang="en-US" sz="2000" smtClean="0"/>
-              <a:t>gm2 </a:t>
-            </a:r>
-          </a:p>
-          <a:p>
-            <a:pPr marL="0" indent="0">
-              <a:buFont typeface="Times"/>
-              <a:buNone/>
-            </a:pPr>
-            <a:r>
-              <a:rPr lang="en-US" sz="2000" smtClean="0"/>
-              <a:t>GridUNESP </a:t>
-            </a:r>
-          </a:p>
-          <a:p>
-            <a:pPr marL="0" indent="0">
-              <a:buFont typeface="Times"/>
-              <a:buNone/>
-            </a:pPr>
-            <a:r>
-              <a:rPr lang="en-US" sz="2000" smtClean="0"/>
-              <a:t>GROW </a:t>
-            </a:r>
-          </a:p>
-          <a:p>
-            <a:pPr marL="0" indent="0">
-              <a:buFont typeface="Times"/>
-              <a:buNone/>
-            </a:pPr>
-            <a:r>
-              <a:rPr lang="en-US" sz="2000" smtClean="0"/>
-              <a:t>HCC </a:t>
-            </a:r>
-          </a:p>
-          <a:p>
-            <a:pPr marL="0" indent="0">
-              <a:buFont typeface="Times"/>
-              <a:buNone/>
-            </a:pPr>
-            <a:r>
-              <a:rPr lang="en-US" sz="2000" smtClean="0"/>
-              <a:t>i2u2 </a:t>
-            </a:r>
-          </a:p>
-          <a:p>
-            <a:pPr marL="0" indent="0">
-              <a:buFont typeface="Times"/>
-              <a:buNone/>
-            </a:pPr>
-            <a:r>
-              <a:rPr lang="en-US" sz="2000" smtClean="0"/>
-              <a:t>IceCube </a:t>
-            </a:r>
-          </a:p>
-          <a:p>
-            <a:pPr marL="0" indent="0">
-              <a:buFont typeface="Times"/>
-              <a:buNone/>
-            </a:pPr>
-            <a:r>
-              <a:rPr lang="en-US" sz="2000" smtClean="0"/>
-              <a:t>ILC </a:t>
-            </a:r>
-          </a:p>
-          <a:p>
-            <a:pPr marL="0" indent="0">
-              <a:buFont typeface="Times"/>
-              <a:buNone/>
-            </a:pPr>
-            <a:r>
-              <a:rPr lang="en-US" sz="2000" smtClean="0"/>
-              <a:t>LBNE</a:t>
-            </a:r>
-          </a:p>
-          <a:p>
-            <a:pPr marL="0" indent="0">
-              <a:buFont typeface="Times"/>
-              <a:buNone/>
-            </a:pPr>
-            <a:r>
-              <a:rPr lang="en-US" sz="2000" smtClean="0"/>
-              <a:t>LIGO </a:t>
-            </a:r>
-          </a:p>
-          <a:p>
-            <a:pPr marL="0" indent="0">
-              <a:buFont typeface="Times"/>
-              <a:buNone/>
-            </a:pPr>
-            <a:r>
-              <a:rPr lang="en-US" sz="2000" smtClean="0"/>
-              <a:t>LSST </a:t>
-            </a:r>
-          </a:p>
-          <a:p>
-            <a:pPr marL="0" indent="0">
-              <a:buFont typeface="Times"/>
-              <a:buNone/>
-            </a:pPr>
-            <a:r>
-              <a:rPr lang="en-US" sz="2000" smtClean="0"/>
-              <a:t>MAP </a:t>
-            </a:r>
-          </a:p>
-          <a:p>
-            <a:pPr marL="0" indent="0">
-              <a:buFont typeface="Times"/>
-              <a:buNone/>
-            </a:pPr>
-            <a:r>
-              <a:rPr lang="en-US" sz="2000" smtClean="0"/>
-              <a:t>mars </a:t>
-            </a:r>
-          </a:p>
-          <a:p>
-            <a:pPr marL="0" indent="0">
-              <a:buFont typeface="Times"/>
-              <a:buNone/>
-            </a:pPr>
-            <a:r>
-              <a:rPr lang="en-US" sz="2000" smtClean="0"/>
-              <a:t>MicroBooNE </a:t>
-            </a:r>
-          </a:p>
-          <a:p>
-            <a:pPr marL="0" indent="0">
-              <a:buFont typeface="Times"/>
-              <a:buNone/>
-            </a:pPr>
-            <a:r>
-              <a:rPr lang="en-US" sz="2000" smtClean="0"/>
-              <a:t>Minerva </a:t>
-            </a:r>
-          </a:p>
-          <a:p>
-            <a:pPr marL="0" indent="0">
-              <a:buFont typeface="Times"/>
-              <a:buNone/>
-            </a:pPr>
-            <a:r>
-              <a:rPr lang="en-US" sz="2000" smtClean="0"/>
-              <a:t>Miniboone </a:t>
-            </a:r>
-          </a:p>
-          <a:p>
-            <a:pPr marL="0" indent="0">
-              <a:buFont typeface="Times"/>
-              <a:buNone/>
-            </a:pPr>
-            <a:r>
-              <a:rPr lang="en-US" sz="2000" smtClean="0"/>
-              <a:t>Minos </a:t>
-            </a:r>
-          </a:p>
-          <a:p>
-            <a:pPr marL="0" indent="0">
-              <a:buFont typeface="Times"/>
-              <a:buNone/>
-            </a:pPr>
-            <a:r>
-              <a:rPr lang="en-US" sz="2000" smtClean="0"/>
-              <a:t>Mipp </a:t>
-            </a:r>
-          </a:p>
-          <a:p>
-            <a:pPr marL="0" indent="0">
-              <a:buFont typeface="Times"/>
-              <a:buNone/>
-            </a:pPr>
-            <a:r>
-              <a:rPr lang="en-US" sz="2000" smtClean="0"/>
-              <a:t>MIS </a:t>
-            </a:r>
-          </a:p>
-          <a:p>
-            <a:pPr marL="0" indent="0">
-              <a:buFont typeface="Times"/>
-              <a:buNone/>
-            </a:pPr>
-            <a:r>
-              <a:rPr lang="en-US" sz="2000" smtClean="0"/>
-              <a:t>Mu2e </a:t>
-            </a:r>
-          </a:p>
-          <a:p>
-            <a:pPr marL="0" indent="0">
-              <a:buFont typeface="Times"/>
-              <a:buNone/>
-            </a:pPr>
-            <a:r>
-              <a:rPr lang="en-US" sz="2000" smtClean="0"/>
-              <a:t>nanoHUB </a:t>
-            </a:r>
-          </a:p>
-          <a:p>
-            <a:pPr marL="0" indent="0">
-              <a:buFont typeface="Times"/>
-              <a:buNone/>
-            </a:pPr>
-            <a:r>
-              <a:rPr lang="en-US" sz="2000" smtClean="0"/>
-              <a:t>NEBioGrid </a:t>
-            </a:r>
-          </a:p>
-          <a:p>
-            <a:pPr marL="0" indent="0">
-              <a:buFont typeface="Times"/>
-              <a:buNone/>
-            </a:pPr>
-            <a:r>
-              <a:rPr lang="en-US" sz="2000" smtClean="0"/>
-              <a:t>NEES </a:t>
-            </a:r>
-          </a:p>
-          <a:p>
-            <a:pPr marL="0" indent="0">
-              <a:buFont typeface="Times"/>
-              <a:buNone/>
-            </a:pPr>
-            <a:r>
-              <a:rPr lang="en-US" sz="2000" smtClean="0"/>
-              <a:t>NERSC </a:t>
-            </a:r>
-          </a:p>
-          <a:p>
-            <a:pPr marL="0" indent="0">
-              <a:buFont typeface="Times"/>
-              <a:buNone/>
-            </a:pPr>
-            <a:r>
-              <a:rPr lang="en-US" sz="2000" smtClean="0"/>
-              <a:t>Nova</a:t>
-            </a:r>
-          </a:p>
-          <a:p>
-            <a:pPr marL="0" indent="0">
-              <a:buFont typeface="Times"/>
-              <a:buNone/>
-            </a:pPr>
-            <a:r>
-              <a:rPr lang="en-US" sz="2000" smtClean="0"/>
-              <a:t>Numi </a:t>
-            </a:r>
-          </a:p>
-          <a:p>
-            <a:pPr marL="0" indent="0">
-              <a:buFont typeface="Times"/>
-              <a:buNone/>
-            </a:pPr>
-            <a:r>
-              <a:rPr lang="en-US" sz="2000" smtClean="0"/>
-              <a:t>NWICG </a:t>
-            </a:r>
-          </a:p>
-          <a:p>
-            <a:pPr marL="0" indent="0">
-              <a:buFont typeface="Times"/>
-              <a:buNone/>
-            </a:pPr>
-            <a:r>
-              <a:rPr lang="en-US" sz="2000" smtClean="0"/>
-              <a:t>NYSGRID </a:t>
-            </a:r>
-          </a:p>
-          <a:p>
-            <a:pPr marL="0" indent="0">
-              <a:buFont typeface="Times"/>
-              <a:buNone/>
-            </a:pPr>
-            <a:r>
-              <a:rPr lang="en-US" sz="2000" smtClean="0"/>
-              <a:t>Ops </a:t>
-            </a:r>
-          </a:p>
-          <a:p>
-            <a:pPr marL="0" indent="0">
-              <a:buFont typeface="Times"/>
-              <a:buNone/>
-            </a:pPr>
-            <a:r>
-              <a:rPr lang="en-US" sz="2000" smtClean="0"/>
-              <a:t>OSG </a:t>
-            </a:r>
-          </a:p>
-          <a:p>
-            <a:pPr marL="0" indent="0">
-              <a:buFont typeface="Times"/>
-              <a:buNone/>
-            </a:pPr>
-            <a:r>
-              <a:rPr lang="en-US" sz="2000" smtClean="0"/>
-              <a:t>OSGEDU Patriot </a:t>
-            </a:r>
-          </a:p>
-          <a:p>
-            <a:pPr marL="0" indent="0">
-              <a:buFont typeface="Times"/>
-              <a:buNone/>
-            </a:pPr>
-            <a:r>
-              <a:rPr lang="en-US" sz="2000" smtClean="0"/>
-              <a:t>RSV </a:t>
-            </a:r>
-          </a:p>
-          <a:p>
-            <a:pPr marL="0" indent="0">
-              <a:buFont typeface="Times"/>
-              <a:buNone/>
-            </a:pPr>
-            <a:r>
-              <a:rPr lang="en-US" sz="2000" smtClean="0"/>
-              <a:t>SBGrid </a:t>
-            </a:r>
-          </a:p>
-          <a:p>
-            <a:pPr marL="0" indent="0">
-              <a:buFont typeface="Times"/>
-              <a:buNone/>
-            </a:pPr>
-            <a:r>
-              <a:rPr lang="en-US" sz="2000" smtClean="0"/>
-              <a:t>STAR superbvo.org SURAgrid Theory </a:t>
-            </a:r>
-          </a:p>
-          <a:p>
-            <a:pPr marL="0" indent="0">
-              <a:buFont typeface="Times"/>
-              <a:buNone/>
-            </a:pPr>
-            <a:r>
-              <a:rPr lang="en-US" sz="2000" smtClean="0"/>
-              <a:t>VLa</a:t>
-            </a:r>
-            <a:r>
-              <a:rPr lang="en-US" smtClean="0"/>
-              <a:t>b </a:t>
-            </a:r>
-            <a:endParaRPr lang="en-US" dirty="0"/>
+              <a:rPr lang="en-US" sz="2800" dirty="0" smtClean="0">
+                <a:solidFill>
+                  <a:srgbClr val="FBF376"/>
+                </a:solidFill>
+                <a:latin typeface="Arial"/>
+                <a:cs typeface="Arial"/>
+              </a:rPr>
+              <a:t>p</a:t>
+            </a:r>
           </a:p>
         </p:txBody>
       </p:sp>
     </p:spTree>
     <p:extLst>
       <p:ext uri="{BB962C8B-B14F-4D97-AF65-F5344CB8AC3E}">
-        <p14:creationId xmlns:p14="http://schemas.microsoft.com/office/powerpoint/2010/main" val="1753023775"/>
+        <p14:creationId xmlns:p14="http://schemas.microsoft.com/office/powerpoint/2010/main" val="1669933779"/>
       </p:ext>
     </p:extLst>
   </p:cSld>
@@ -5195,26 +7674,20 @@
             <p:ph type="title"/>
           </p:nvPr>
         </p:nvSpPr>
-        <p:spPr>
-          <a:xfrm>
-            <a:off x="1054100" y="355600"/>
-            <a:ext cx="3784600" cy="1143000"/>
-          </a:xfrm>
-        </p:spPr>
+        <p:spPr/>
         <p:txBody>
           <a:bodyPr/>
           <a:lstStyle/>
           <a:p>
-            <a:pPr algn="l"/>
-            <a:r>
-              <a:rPr lang="en-US" sz="2000" dirty="0" smtClean="0">
-                <a:latin typeface="+mn-lt"/>
-              </a:rPr>
-              <a:t>VOs to consider for an increased participation ??</a:t>
-            </a:r>
-            <a:endParaRPr lang="en-US" sz="2000" dirty="0">
-              <a:latin typeface="+mn-lt"/>
-            </a:endParaRPr>
+            <a:r>
+              <a:rPr lang="en-US" dirty="0" smtClean="0"/>
+              <a:t>Registered Communities</a:t>
+            </a:r>
+            <a:r>
+              <a:rPr lang="en-US" dirty="0" smtClean="0"/>
+              <a:t>/VOs</a:t>
+            </a:r>
+            <a:endParaRPr lang="en-US" dirty="0"/>
           </a:p>
         </p:txBody>
       </p:sp>
@@ -5249,7 +7722,7 @@
       </p:sp>
       <p:sp>
         <p:nvSpPr>
-          <p:cNvPr id="5" name="Content Placeholder 3"/>
+          <p:cNvPr id="4" name="Content Placeholder 3"/>
           <p:cNvSpPr txBox="1">
             <a:spLocks/>
           </p:cNvSpPr>
@@ -5258,14 +7731,14 @@
         <p:spPr>
           <a:xfrm>
             <a:off x="157119" y="1333499"/>
-            <a:ext cx="5100681" cy="5161141"/>
+            <a:ext cx="8986881" cy="5161141"/>
           </a:xfrm>
           <a:prstGeom prst="rect">
             <a:avLst/>
           </a:prstGeom>
         </p:spPr>
         <p:txBody>
-          <a:bodyPr numCol="3"/>
+          <a:bodyPr numCol="5"/>
           <a:lstStyle>
             <a:lvl1pPr marL="342900" indent="-342900" algn="l" rtl="0" eaLnBrk="0" fontAlgn="base" hangingPunct="0">
               <a:spcBef>
@@ -5459,8 +7932,8 @@
               <a:buNone/>
             </a:pPr>
             <a:r>
-              <a:rPr lang="en-US" sz="2000" dirty="0" smtClean="0"/>
-              <a:t>ALICE</a:t>
+              <a:rPr lang="en-US" sz="2000" smtClean="0"/>
+              <a:t>Accelerator </a:t>
             </a:r>
           </a:p>
           <a:p>
@@ -5469,10 +7942,9 @@
               <a:buNone/>
             </a:pPr>
             <a:r>
-              <a:rPr lang="en-US" sz="2000" dirty="0" smtClean="0"/>
-              <a:t>belle </a:t>
-            </a:r>
-            <a:endParaRPr lang="en-US" sz="2000" dirty="0" smtClean="0"/>
+              <a:rPr lang="en-US" sz="2000" smtClean="0"/>
+              <a:t>ALICE </a:t>
+            </a:r>
           </a:p>
           <a:p>
             <a:pPr marL="0" indent="0">
@@ -5480,10 +7952,9 @@
               <a:buNone/>
             </a:pPr>
             <a:r>
-              <a:rPr lang="en-US" sz="2000" dirty="0" smtClean="0"/>
-              <a:t>CIGI </a:t>
-            </a:r>
-            <a:endParaRPr lang="en-US" sz="2000" dirty="0" smtClean="0"/>
+              <a:rPr lang="en-US" sz="2000" smtClean="0"/>
+              <a:t>Argoneut </a:t>
+            </a:r>
           </a:p>
           <a:p>
             <a:pPr marL="0" indent="0">
@@ -5491,14 +7962,9 @@
               <a:buNone/>
             </a:pPr>
             <a:r>
-              <a:rPr lang="en-US" sz="2000" dirty="0" err="1" smtClean="0"/>
-              <a:t>CompBioGrid</a:t>
-            </a:r>
-            <a:r>
-              <a:rPr lang="en-US" sz="2000" dirty="0" smtClean="0"/>
-              <a:t> </a:t>
-            </a:r>
-            <a:endParaRPr lang="en-US" sz="2000" dirty="0" smtClean="0"/>
+              <a:rPr lang="en-US" sz="2000" smtClean="0"/>
+              <a:t>ATLAS </a:t>
+            </a:r>
           </a:p>
           <a:p>
             <a:pPr marL="0" indent="0">
@@ -5506,10 +7972,9 @@
               <a:buNone/>
             </a:pPr>
             <a:r>
-              <a:rPr lang="en-US" sz="2000" dirty="0" err="1" smtClean="0"/>
-              <a:t>DayaBay</a:t>
-            </a:r>
-            <a:endParaRPr lang="en-US" sz="2000" dirty="0" smtClean="0"/>
+              <a:rPr lang="en-US" sz="2000" smtClean="0"/>
+              <a:t>belle </a:t>
+            </a:r>
           </a:p>
           <a:p>
             <a:pPr marL="0" indent="0">
@@ -5517,8 +7982,8 @@
               <a:buNone/>
             </a:pPr>
             <a:r>
-              <a:rPr lang="en-US" sz="2000" dirty="0" smtClean="0"/>
-              <a:t>DES </a:t>
+              <a:rPr lang="en-US" sz="2000" smtClean="0"/>
+              <a:t>CDF</a:t>
             </a:r>
           </a:p>
           <a:p>
@@ -5527,10 +7992,9 @@
               <a:buNone/>
             </a:pPr>
             <a:r>
-              <a:rPr lang="en-US" sz="2000" dirty="0" smtClean="0"/>
-              <a:t>DREAM </a:t>
-            </a:r>
-            <a:endParaRPr lang="en-US" sz="2000" dirty="0" smtClean="0"/>
+              <a:rPr lang="en-US" sz="2000" smtClean="0"/>
+              <a:t>Cdms </a:t>
+            </a:r>
           </a:p>
           <a:p>
             <a:pPr marL="0" indent="0">
@@ -5538,14 +8002,9 @@
               <a:buNone/>
             </a:pPr>
             <a:r>
-              <a:rPr lang="en-US" sz="2000" dirty="0" err="1" smtClean="0"/>
-              <a:t>enmr.eu</a:t>
-            </a:r>
-            <a:r>
-              <a:rPr lang="en-US" sz="2000" dirty="0" smtClean="0"/>
-              <a:t> </a:t>
-            </a:r>
-            <a:endParaRPr lang="en-US" sz="2000" dirty="0" smtClean="0"/>
+              <a:rPr lang="en-US" sz="2000" smtClean="0"/>
+              <a:t>CIGI </a:t>
+            </a:r>
           </a:p>
           <a:p>
             <a:pPr marL="0" indent="0">
@@ -5553,10 +8012,9 @@
               <a:buNone/>
             </a:pPr>
             <a:r>
-              <a:rPr lang="en-US" sz="2000" dirty="0" smtClean="0"/>
-              <a:t>ESGF </a:t>
-            </a:r>
-            <a:endParaRPr lang="en-US" sz="2000" dirty="0" smtClean="0"/>
+              <a:rPr lang="en-US" sz="2000" smtClean="0"/>
+              <a:t>CMS </a:t>
+            </a:r>
           </a:p>
           <a:p>
             <a:pPr marL="0" indent="0">
@@ -5564,10 +8022,9 @@
               <a:buNone/>
             </a:pPr>
             <a:r>
-              <a:rPr lang="en-US" sz="2000" dirty="0" smtClean="0"/>
-              <a:t>LBNE</a:t>
-            </a:r>
-            <a:endParaRPr lang="en-US" sz="2000" dirty="0" smtClean="0"/>
+              <a:rPr lang="en-US" sz="2000" smtClean="0"/>
+              <a:t>CompBioGrid </a:t>
+            </a:r>
           </a:p>
           <a:p>
             <a:pPr marL="0" indent="0">
@@ -5575,10 +8032,9 @@
               <a:buNone/>
             </a:pPr>
             <a:r>
-              <a:rPr lang="en-US" sz="2000" dirty="0" smtClean="0"/>
-              <a:t>GCVO </a:t>
-            </a:r>
-            <a:endParaRPr lang="en-US" sz="2000" dirty="0" smtClean="0"/>
+              <a:rPr lang="en-US" sz="2000" smtClean="0"/>
+              <a:t>COUPP </a:t>
+            </a:r>
           </a:p>
           <a:p>
             <a:pPr marL="0" indent="0">
@@ -5586,10 +8042,9 @@
               <a:buNone/>
             </a:pPr>
             <a:r>
-              <a:rPr lang="en-US" sz="2000" dirty="0" smtClean="0"/>
-              <a:t>Geant4 </a:t>
-            </a:r>
-            <a:endParaRPr lang="en-US" sz="2000" dirty="0" smtClean="0"/>
+              <a:rPr lang="en-US" sz="2000" smtClean="0"/>
+              <a:t>CSIU </a:t>
+            </a:r>
           </a:p>
           <a:p>
             <a:pPr marL="0" indent="0">
@@ -5597,12 +8052,8 @@
               <a:buNone/>
             </a:pPr>
             <a:r>
-              <a:rPr lang="en-US" sz="2000" dirty="0" err="1" smtClean="0"/>
-              <a:t>Gluex</a:t>
-            </a:r>
-            <a:r>
-              <a:rPr lang="en-US" sz="2000" dirty="0" smtClean="0"/>
-              <a:t> </a:t>
+              <a:rPr lang="en-US" sz="2000" smtClean="0"/>
+              <a:t>DayaBay </a:t>
             </a:r>
           </a:p>
           <a:p>
@@ -5611,14 +8062,9 @@
               <a:buNone/>
             </a:pPr>
             <a:r>
-              <a:rPr lang="en-US" sz="2000" dirty="0" err="1" smtClean="0"/>
-              <a:t>GridUNESP</a:t>
-            </a:r>
-            <a:r>
-              <a:rPr lang="en-US" sz="2000" dirty="0" smtClean="0"/>
-              <a:t> </a:t>
-            </a:r>
-            <a:endParaRPr lang="en-US" sz="2000" dirty="0" smtClean="0"/>
+              <a:rPr lang="en-US" sz="2000" smtClean="0"/>
+              <a:t>DES </a:t>
+            </a:r>
           </a:p>
           <a:p>
             <a:pPr marL="0" indent="0">
@@ -5626,8 +8072,8 @@
               <a:buNone/>
             </a:pPr>
             <a:r>
-              <a:rPr lang="en-US" sz="2000" dirty="0" smtClean="0"/>
-              <a:t>GROW </a:t>
+              <a:rPr lang="en-US" sz="2000" smtClean="0"/>
+              <a:t>DOSAR</a:t>
             </a:r>
           </a:p>
           <a:p>
@@ -5636,8 +8082,8 @@
               <a:buNone/>
             </a:pPr>
             <a:r>
-              <a:rPr lang="en-US" sz="2000" dirty="0" smtClean="0"/>
-              <a:t>HCC </a:t>
+              <a:rPr lang="en-US" sz="2000" smtClean="0"/>
+              <a:t> DREAM </a:t>
             </a:r>
           </a:p>
           <a:p>
@@ -5646,14 +8092,9 @@
               <a:buNone/>
             </a:pPr>
             <a:r>
-              <a:rPr lang="en-US" sz="2000" dirty="0" err="1" smtClean="0"/>
-              <a:t>IceCube</a:t>
-            </a:r>
-            <a:r>
-              <a:rPr lang="en-US" sz="2000" dirty="0" smtClean="0"/>
-              <a:t> </a:t>
-            </a:r>
-            <a:endParaRPr lang="en-US" sz="2000" dirty="0" smtClean="0"/>
+              <a:rPr lang="en-US" sz="2000" smtClean="0"/>
+              <a:t>DZero </a:t>
+            </a:r>
           </a:p>
           <a:p>
             <a:pPr marL="0" indent="0">
@@ -5661,8 +8102,8 @@
               <a:buNone/>
             </a:pPr>
             <a:r>
-              <a:rPr lang="en-US" sz="2000" dirty="0" smtClean="0"/>
-              <a:t>ILC </a:t>
+              <a:rPr lang="en-US" sz="2000" smtClean="0"/>
+              <a:t>Engage</a:t>
             </a:r>
           </a:p>
           <a:p>
@@ -5671,8 +8112,8 @@
               <a:buNone/>
             </a:pPr>
             <a:r>
-              <a:rPr lang="en-US" sz="2000" dirty="0" smtClean="0"/>
-              <a:t>LBNE</a:t>
+              <a:rPr lang="en-US" sz="2000" smtClean="0"/>
+              <a:t>enmr.eu </a:t>
             </a:r>
           </a:p>
           <a:p>
@@ -5681,8 +8122,8 @@
               <a:buNone/>
             </a:pPr>
             <a:r>
-              <a:rPr lang="en-US" sz="2000" dirty="0" smtClean="0"/>
-              <a:t>LIGO </a:t>
+              <a:rPr lang="en-US" sz="2000" smtClean="0"/>
+              <a:t>ESGF </a:t>
             </a:r>
           </a:p>
           <a:p>
@@ -5691,8 +8132,8 @@
               <a:buNone/>
             </a:pPr>
             <a:r>
-              <a:rPr lang="en-US" sz="2000" dirty="0" smtClean="0"/>
-              <a:t>LSST </a:t>
+              <a:rPr lang="en-US" sz="2000" smtClean="0"/>
+              <a:t>FermiGrid </a:t>
             </a:r>
           </a:p>
           <a:p>
@@ -5701,14 +8142,9 @@
               <a:buNone/>
             </a:pPr>
             <a:r>
-              <a:rPr lang="en-US" sz="2000" dirty="0" err="1" smtClean="0"/>
-              <a:t>nanoHUB</a:t>
-            </a:r>
-            <a:r>
-              <a:rPr lang="en-US" sz="2000" dirty="0" smtClean="0"/>
-              <a:t> </a:t>
-            </a:r>
-            <a:endParaRPr lang="en-US" sz="2000" dirty="0" smtClean="0"/>
+              <a:rPr lang="en-US" sz="2000" smtClean="0"/>
+              <a:t>Fermilab </a:t>
+            </a:r>
           </a:p>
           <a:p>
             <a:pPr marL="0" indent="0">
@@ -5716,12 +8152,8 @@
               <a:buNone/>
             </a:pPr>
             <a:r>
-              <a:rPr lang="en-US" sz="2000" dirty="0" err="1" smtClean="0"/>
-              <a:t>NEBioGrid</a:t>
-            </a:r>
-            <a:r>
-              <a:rPr lang="en-US" sz="2000" dirty="0" smtClean="0"/>
-              <a:t> </a:t>
+              <a:rPr lang="en-US" sz="2000" smtClean="0"/>
+              <a:t>LBNE</a:t>
             </a:r>
           </a:p>
           <a:p>
@@ -5730,8 +8162,8 @@
               <a:buNone/>
             </a:pPr>
             <a:r>
-              <a:rPr lang="en-US" sz="2000" dirty="0" smtClean="0"/>
-              <a:t>NEES </a:t>
+              <a:rPr lang="en-US" sz="2000" smtClean="0"/>
+              <a:t>FermiTest </a:t>
             </a:r>
           </a:p>
           <a:p>
@@ -5740,8 +8172,8 @@
               <a:buNone/>
             </a:pPr>
             <a:r>
-              <a:rPr lang="en-US" sz="2000" dirty="0" smtClean="0"/>
-              <a:t>NERSC </a:t>
+              <a:rPr lang="en-US" sz="2000" smtClean="0"/>
+              <a:t>GCEDU </a:t>
             </a:r>
           </a:p>
           <a:p>
@@ -5750,10 +8182,9 @@
               <a:buNone/>
             </a:pPr>
             <a:r>
-              <a:rPr lang="en-US" sz="2000" dirty="0" smtClean="0"/>
-              <a:t>NWICG </a:t>
-            </a:r>
-            <a:endParaRPr lang="en-US" sz="2000" dirty="0" smtClean="0"/>
+              <a:rPr lang="en-US" sz="2000" smtClean="0"/>
+              <a:t>GCVO </a:t>
+            </a:r>
           </a:p>
           <a:p>
             <a:pPr marL="0" indent="0">
@@ -5761,8 +8192,8 @@
               <a:buNone/>
             </a:pPr>
             <a:r>
-              <a:rPr lang="en-US" sz="2000" dirty="0" smtClean="0"/>
-              <a:t>NYSGRID </a:t>
+              <a:rPr lang="en-US" sz="2000" smtClean="0"/>
+              <a:t>geant4 </a:t>
             </a:r>
           </a:p>
           <a:p>
@@ -5771,18 +8202,9 @@
               <a:buNone/>
             </a:pPr>
             <a:r>
-              <a:rPr lang="en-US" sz="2000" dirty="0" err="1" smtClean="0"/>
-              <a:t>superbvo.org</a:t>
-            </a:r>
-            <a:r>
-              <a:rPr lang="en-US" sz="2000" dirty="0" smtClean="0"/>
-              <a:t> </a:t>
-            </a:r>
-            <a:r>
-              <a:rPr lang="en-US" sz="2000" dirty="0" err="1" smtClean="0"/>
-              <a:t>SURAgrid</a:t>
-            </a:r>
-            <a:endParaRPr lang="en-US" sz="2000" dirty="0" smtClean="0"/>
+              <a:rPr lang="en-US" sz="2000" smtClean="0"/>
+              <a:t>GLOW </a:t>
+            </a:r>
           </a:p>
           <a:p>
             <a:pPr marL="0" indent="0">
@@ -5790,10 +8212,9 @@
               <a:buNone/>
             </a:pPr>
             <a:r>
-              <a:rPr lang="en-US" sz="2000" dirty="0" smtClean="0"/>
-              <a:t>VLAB </a:t>
-            </a:r>
-            <a:endParaRPr lang="en-US" sz="2000" dirty="0" smtClean="0"/>
+              <a:rPr lang="en-US" sz="2000" smtClean="0"/>
+              <a:t>Gluex </a:t>
+            </a:r>
           </a:p>
           <a:p>
             <a:pPr marL="0" indent="0">
@@ -5801,8 +8222,8 @@
               <a:buNone/>
             </a:pPr>
             <a:r>
-              <a:rPr lang="en-US" sz="2000" dirty="0" smtClean="0"/>
-              <a:t> </a:t>
+              <a:rPr lang="en-US" sz="2000" smtClean="0"/>
+              <a:t>gm2 </a:t>
             </a:r>
           </a:p>
           <a:p>
@@ -5810,437 +8231,19 @@
               <a:buFont typeface="Times"/>
               <a:buNone/>
             </a:pPr>
-            <a:endParaRPr lang="en-US" sz="2000" dirty="0" err="1" smtClean="0"/>
-          </a:p>
-        </p:txBody>
-      </p:sp>
-      <p:sp>
-        <p:nvSpPr>
-          <p:cNvPr id="7" name="Title 1"/>
-          <p:cNvSpPr txBox="1">
-            <a:spLocks/>
-          </p:cNvSpPr>
-          <p:nvPr/>
-        </p:nvSpPr>
-        <p:spPr bwMode="auto">
-          <a:xfrm>
-            <a:off x="5562600" y="152400"/>
-            <a:ext cx="3403600" cy="1143000"/>
-          </a:xfrm>
-          <a:prstGeom prst="rect">
-            <a:avLst/>
-          </a:prstGeom>
-          <a:noFill/>
-          <a:ln w="9525">
-            <a:noFill/>
-            <a:miter lim="800000"/>
-            <a:headEnd/>
-            <a:tailEnd/>
-          </a:ln>
-        </p:spPr>
-        <p:txBody>
-          <a:bodyPr vert="horz" wrap="square" lIns="91440" tIns="45720" rIns="91440" bIns="45720" numCol="1" anchor="ctr" anchorCtr="0" compatLnSpc="1">
-            <a:prstTxWarp prst="textNoShape">
-              <a:avLst/>
-            </a:prstTxWarp>
-          </a:bodyPr>
-          <a:lstStyle>
-            <a:lvl1pPr algn="ctr" rtl="0" eaLnBrk="0" fontAlgn="base" hangingPunct="0">
-              <a:spcBef>
-                <a:spcPct val="0"/>
-              </a:spcBef>
-              <a:spcAft>
-                <a:spcPct val="0"/>
-              </a:spcAft>
-              <a:defRPr kumimoji="1" sz="3200">
-                <a:solidFill>
-                  <a:srgbClr val="000080"/>
-                </a:solidFill>
-                <a:latin typeface="+mj-lt"/>
-                <a:ea typeface="+mj-ea"/>
-                <a:cs typeface="ＭＳ Ｐゴシック"/>
-              </a:defRPr>
-            </a:lvl1pPr>
-            <a:lvl2pPr algn="ctr" rtl="0" eaLnBrk="0" fontAlgn="base" hangingPunct="0">
-              <a:spcBef>
-                <a:spcPct val="0"/>
-              </a:spcBef>
-              <a:spcAft>
-                <a:spcPct val="0"/>
-              </a:spcAft>
-              <a:defRPr kumimoji="1" sz="3200">
-                <a:solidFill>
-                  <a:srgbClr val="000080"/>
-                </a:solidFill>
-                <a:latin typeface="Futura" pitchFamily="16" charset="0"/>
-                <a:ea typeface="ＭＳ Ｐゴシック" pitchFamily="1" charset="-128"/>
-                <a:cs typeface="ＭＳ Ｐゴシック"/>
-              </a:defRPr>
-            </a:lvl2pPr>
-            <a:lvl3pPr algn="ctr" rtl="0" eaLnBrk="0" fontAlgn="base" hangingPunct="0">
-              <a:spcBef>
-                <a:spcPct val="0"/>
-              </a:spcBef>
-              <a:spcAft>
-                <a:spcPct val="0"/>
-              </a:spcAft>
-              <a:defRPr kumimoji="1" sz="3200">
-                <a:solidFill>
-                  <a:srgbClr val="000080"/>
-                </a:solidFill>
-                <a:latin typeface="Futura" pitchFamily="16" charset="0"/>
-                <a:ea typeface="ＭＳ Ｐゴシック" pitchFamily="1" charset="-128"/>
-                <a:cs typeface="ＭＳ Ｐゴシック"/>
-              </a:defRPr>
-            </a:lvl3pPr>
-            <a:lvl4pPr algn="ctr" rtl="0" eaLnBrk="0" fontAlgn="base" hangingPunct="0">
-              <a:spcBef>
-                <a:spcPct val="0"/>
-              </a:spcBef>
-              <a:spcAft>
-                <a:spcPct val="0"/>
-              </a:spcAft>
-              <a:defRPr kumimoji="1" sz="3200">
-                <a:solidFill>
-                  <a:srgbClr val="000080"/>
-                </a:solidFill>
-                <a:latin typeface="Futura" pitchFamily="16" charset="0"/>
-                <a:ea typeface="ＭＳ Ｐゴシック" pitchFamily="1" charset="-128"/>
-                <a:cs typeface="ＭＳ Ｐゴシック"/>
-              </a:defRPr>
-            </a:lvl4pPr>
-            <a:lvl5pPr algn="ctr" rtl="0" eaLnBrk="0" fontAlgn="base" hangingPunct="0">
-              <a:spcBef>
-                <a:spcPct val="0"/>
-              </a:spcBef>
-              <a:spcAft>
-                <a:spcPct val="0"/>
-              </a:spcAft>
-              <a:defRPr kumimoji="1" sz="3200">
-                <a:solidFill>
-                  <a:srgbClr val="000080"/>
-                </a:solidFill>
-                <a:latin typeface="Futura" pitchFamily="16" charset="0"/>
-                <a:ea typeface="ＭＳ Ｐゴシック" pitchFamily="1" charset="-128"/>
-                <a:cs typeface="ＭＳ Ｐゴシック"/>
-              </a:defRPr>
-            </a:lvl5pPr>
-            <a:lvl6pPr marL="457200" algn="ctr" rtl="0" fontAlgn="base">
-              <a:spcBef>
-                <a:spcPct val="0"/>
-              </a:spcBef>
-              <a:spcAft>
-                <a:spcPct val="0"/>
-              </a:spcAft>
-              <a:defRPr kumimoji="1" sz="3200">
-                <a:solidFill>
-                  <a:srgbClr val="000080"/>
-                </a:solidFill>
-                <a:latin typeface="Futura" pitchFamily="16" charset="0"/>
-                <a:ea typeface="ＭＳ Ｐゴシック" pitchFamily="1" charset="-128"/>
-              </a:defRPr>
-            </a:lvl6pPr>
-            <a:lvl7pPr marL="914400" algn="ctr" rtl="0" fontAlgn="base">
-              <a:spcBef>
-                <a:spcPct val="0"/>
-              </a:spcBef>
-              <a:spcAft>
-                <a:spcPct val="0"/>
-              </a:spcAft>
-              <a:defRPr kumimoji="1" sz="3200">
-                <a:solidFill>
-                  <a:srgbClr val="000080"/>
-                </a:solidFill>
-                <a:latin typeface="Futura" pitchFamily="16" charset="0"/>
-                <a:ea typeface="ＭＳ Ｐゴシック" pitchFamily="1" charset="-128"/>
-              </a:defRPr>
-            </a:lvl7pPr>
-            <a:lvl8pPr marL="1371600" algn="ctr" rtl="0" fontAlgn="base">
-              <a:spcBef>
-                <a:spcPct val="0"/>
-              </a:spcBef>
-              <a:spcAft>
-                <a:spcPct val="0"/>
-              </a:spcAft>
-              <a:defRPr kumimoji="1" sz="3200">
-                <a:solidFill>
-                  <a:srgbClr val="000080"/>
-                </a:solidFill>
-                <a:latin typeface="Futura" pitchFamily="16" charset="0"/>
-                <a:ea typeface="ＭＳ Ｐゴシック" pitchFamily="1" charset="-128"/>
-              </a:defRPr>
-            </a:lvl8pPr>
-            <a:lvl9pPr marL="1828800" algn="ctr" rtl="0" fontAlgn="base">
-              <a:spcBef>
-                <a:spcPct val="0"/>
-              </a:spcBef>
-              <a:spcAft>
-                <a:spcPct val="0"/>
-              </a:spcAft>
-              <a:defRPr kumimoji="1" sz="3200">
-                <a:solidFill>
-                  <a:srgbClr val="000080"/>
-                </a:solidFill>
-                <a:latin typeface="Futura" pitchFamily="16" charset="0"/>
-                <a:ea typeface="ＭＳ Ｐゴシック" pitchFamily="1" charset="-128"/>
-              </a:defRPr>
-            </a:lvl9pPr>
-          </a:lstStyle>
-          <a:p>
-            <a:r>
-              <a:rPr lang="en-US" sz="1600" dirty="0" smtClean="0">
-                <a:latin typeface="+mn-lt"/>
-              </a:rPr>
-              <a:t>Other Campus Infrastructures (from </a:t>
-            </a:r>
-            <a:r>
-              <a:rPr lang="en-US" sz="1600" u="sng" dirty="0">
-                <a:latin typeface="+mn-lt"/>
-              </a:rPr>
-              <a:t>https://www.opensciencegrid.org/bin/view/CampusGrids/</a:t>
-            </a:r>
-            <a:r>
-              <a:rPr lang="en-US" sz="1600" u="sng" dirty="0" err="1" smtClean="0">
-                <a:latin typeface="+mn-lt"/>
-              </a:rPr>
-              <a:t>DeployedCampusInfrastr</a:t>
-            </a:r>
-            <a:r>
-              <a:rPr lang="en-US" sz="1600" dirty="0" err="1" smtClean="0">
-                <a:latin typeface="+mn-lt"/>
-              </a:rPr>
-              <a:t>uctures</a:t>
-            </a:r>
-            <a:r>
-              <a:rPr lang="en-US" sz="1600" dirty="0" smtClean="0">
-                <a:latin typeface="+mn-lt"/>
-              </a:rPr>
-              <a:t>)</a:t>
-            </a:r>
-            <a:endParaRPr lang="en-US" sz="1600" dirty="0">
-              <a:latin typeface="+mn-lt"/>
-            </a:endParaRPr>
-          </a:p>
-        </p:txBody>
-      </p:sp>
-      <p:sp>
-        <p:nvSpPr>
-          <p:cNvPr id="8" name="Content Placeholder 3"/>
-          <p:cNvSpPr txBox="1">
-            <a:spLocks/>
-          </p:cNvSpPr>
-          <p:nvPr/>
-        </p:nvSpPr>
-        <p:spPr>
-          <a:xfrm>
-            <a:off x="6134100" y="1384299"/>
-            <a:ext cx="2654300" cy="2146301"/>
-          </a:xfrm>
-          <a:prstGeom prst="rect">
-            <a:avLst/>
-          </a:prstGeom>
-        </p:spPr>
-        <p:txBody>
-          <a:bodyPr numCol="1"/>
-          <a:lstStyle>
-            <a:lvl1pPr marL="342900" indent="-342900" algn="l" rtl="0" eaLnBrk="0" fontAlgn="base" hangingPunct="0">
-              <a:spcBef>
-                <a:spcPct val="20000"/>
-              </a:spcBef>
-              <a:spcAft>
-                <a:spcPct val="0"/>
-              </a:spcAft>
-              <a:buClr>
-                <a:srgbClr val="000080"/>
-              </a:buClr>
-              <a:buFont typeface="Times"/>
-              <a:buChar char="•"/>
-              <a:defRPr kumimoji="1" sz="2400">
-                <a:solidFill>
-                  <a:schemeClr val="tx2"/>
-                </a:solidFill>
-                <a:latin typeface="+mn-lt"/>
-                <a:ea typeface="+mn-ea"/>
-                <a:cs typeface="ＭＳ Ｐゴシック"/>
-              </a:defRPr>
-            </a:lvl1pPr>
-            <a:lvl2pPr marL="742950" indent="-285750" algn="l" rtl="0" eaLnBrk="0" fontAlgn="base" hangingPunct="0">
-              <a:spcBef>
-                <a:spcPct val="20000"/>
-              </a:spcBef>
-              <a:spcAft>
-                <a:spcPct val="0"/>
-              </a:spcAft>
-              <a:buClr>
-                <a:srgbClr val="3C0000"/>
-              </a:buClr>
-              <a:buFont typeface="Symbol" pitchFamily="18" charset="2"/>
-              <a:buChar char=""/>
-              <a:defRPr kumimoji="1" sz="2400">
-                <a:solidFill>
-                  <a:srgbClr val="630000"/>
-                </a:solidFill>
-                <a:latin typeface="+mn-lt"/>
-                <a:ea typeface="+mn-ea"/>
-                <a:cs typeface="ＭＳ Ｐゴシック"/>
-              </a:defRPr>
-            </a:lvl2pPr>
-            <a:lvl3pPr marL="1143000" indent="-228600" algn="l" rtl="0" eaLnBrk="0" fontAlgn="base" hangingPunct="0">
-              <a:spcBef>
-                <a:spcPct val="20000"/>
-              </a:spcBef>
-              <a:spcAft>
-                <a:spcPct val="0"/>
-              </a:spcAft>
-              <a:buClr>
-                <a:srgbClr val="3C0000"/>
-              </a:buClr>
-              <a:buFont typeface="Wingdings" pitchFamily="2" charset="2"/>
-              <a:buChar char="§"/>
-              <a:defRPr kumimoji="1" sz="2400">
-                <a:solidFill>
-                  <a:schemeClr val="tx2"/>
-                </a:solidFill>
-                <a:latin typeface="+mn-lt"/>
-                <a:ea typeface="+mn-ea"/>
-                <a:cs typeface="ＭＳ Ｐゴシック"/>
-              </a:defRPr>
-            </a:lvl3pPr>
-            <a:lvl4pPr marL="1600200" indent="-228600" algn="l" rtl="0" eaLnBrk="0" fontAlgn="base" hangingPunct="0">
-              <a:spcBef>
-                <a:spcPct val="20000"/>
-              </a:spcBef>
-              <a:spcAft>
-                <a:spcPct val="0"/>
-              </a:spcAft>
-              <a:buClr>
-                <a:srgbClr val="3C0000"/>
-              </a:buClr>
-              <a:buFont typeface="Wingdings" pitchFamily="2" charset="2"/>
-              <a:buChar char=""/>
-              <a:defRPr kumimoji="1" sz="2000">
-                <a:solidFill>
-                  <a:schemeClr val="tx2"/>
-                </a:solidFill>
-                <a:latin typeface="+mn-lt"/>
-                <a:ea typeface="+mn-ea"/>
-                <a:cs typeface="ＭＳ Ｐゴシック"/>
-              </a:defRPr>
-            </a:lvl4pPr>
-            <a:lvl5pPr marL="2057400" indent="-228600" algn="l" rtl="0" eaLnBrk="0" fontAlgn="base" hangingPunct="0">
-              <a:spcBef>
-                <a:spcPct val="20000"/>
-              </a:spcBef>
-              <a:spcAft>
-                <a:spcPct val="0"/>
-              </a:spcAft>
-              <a:buClr>
-                <a:srgbClr val="3C0000"/>
-              </a:buClr>
-              <a:buFont typeface="Wingdings" pitchFamily="2" charset="2"/>
-              <a:buChar char=""/>
-              <a:defRPr kumimoji="1" sz="2000">
-                <a:solidFill>
-                  <a:schemeClr val="tx2"/>
-                </a:solidFill>
-                <a:latin typeface="+mn-lt"/>
-                <a:ea typeface="+mn-ea"/>
-                <a:cs typeface="ＭＳ Ｐゴシック"/>
-              </a:defRPr>
-            </a:lvl5pPr>
-            <a:lvl6pPr marL="2514600" indent="-228600" algn="l" rtl="0" fontAlgn="base">
-              <a:spcBef>
-                <a:spcPct val="20000"/>
-              </a:spcBef>
-              <a:spcAft>
-                <a:spcPct val="0"/>
-              </a:spcAft>
-              <a:buClr>
-                <a:srgbClr val="3C0000"/>
-              </a:buClr>
-              <a:buFont typeface="Wingdings" pitchFamily="2" charset="2"/>
-              <a:buChar char=""/>
-              <a:defRPr kumimoji="1" sz="2000">
-                <a:solidFill>
-                  <a:schemeClr val="tx2"/>
-                </a:solidFill>
-                <a:latin typeface="+mn-lt"/>
-                <a:ea typeface="+mn-ea"/>
-              </a:defRPr>
-            </a:lvl6pPr>
-            <a:lvl7pPr marL="2971800" indent="-228600" algn="l" rtl="0" fontAlgn="base">
-              <a:spcBef>
-                <a:spcPct val="20000"/>
-              </a:spcBef>
-              <a:spcAft>
-                <a:spcPct val="0"/>
-              </a:spcAft>
-              <a:buClr>
-                <a:srgbClr val="3C0000"/>
-              </a:buClr>
-              <a:buFont typeface="Wingdings" pitchFamily="2" charset="2"/>
-              <a:buChar char=""/>
-              <a:defRPr kumimoji="1" sz="2000">
-                <a:solidFill>
-                  <a:schemeClr val="tx2"/>
-                </a:solidFill>
-                <a:latin typeface="+mn-lt"/>
-                <a:ea typeface="+mn-ea"/>
-              </a:defRPr>
-            </a:lvl7pPr>
-            <a:lvl8pPr marL="3429000" indent="-228600" algn="l" rtl="0" fontAlgn="base">
-              <a:spcBef>
-                <a:spcPct val="20000"/>
-              </a:spcBef>
-              <a:spcAft>
-                <a:spcPct val="0"/>
-              </a:spcAft>
-              <a:buClr>
-                <a:srgbClr val="3C0000"/>
-              </a:buClr>
-              <a:buFont typeface="Wingdings" pitchFamily="2" charset="2"/>
-              <a:buChar char=""/>
-              <a:defRPr kumimoji="1" sz="2000">
-                <a:solidFill>
-                  <a:schemeClr val="tx2"/>
-                </a:solidFill>
-                <a:latin typeface="+mn-lt"/>
-                <a:ea typeface="+mn-ea"/>
-              </a:defRPr>
-            </a:lvl8pPr>
-            <a:lvl9pPr marL="3886200" indent="-228600" algn="l" rtl="0" fontAlgn="base">
-              <a:spcBef>
-                <a:spcPct val="20000"/>
-              </a:spcBef>
-              <a:spcAft>
-                <a:spcPct val="0"/>
-              </a:spcAft>
-              <a:buClr>
-                <a:srgbClr val="3C0000"/>
-              </a:buClr>
-              <a:buFont typeface="Wingdings" pitchFamily="2" charset="2"/>
-              <a:buChar char=""/>
-              <a:defRPr kumimoji="1" sz="2000">
-                <a:solidFill>
-                  <a:schemeClr val="tx2"/>
-                </a:solidFill>
-                <a:latin typeface="+mn-lt"/>
-                <a:ea typeface="+mn-ea"/>
-              </a:defRPr>
-            </a:lvl9pPr>
-          </a:lstStyle>
+            <a:r>
+              <a:rPr lang="en-US" sz="2000" smtClean="0"/>
+              <a:t>GridUNESP </a:t>
+            </a:r>
+          </a:p>
           <a:p>
             <a:pPr marL="0" indent="0">
               <a:buFont typeface="Times"/>
               <a:buNone/>
             </a:pPr>
             <a:r>
-              <a:rPr lang="en-US" sz="2000" dirty="0" smtClean="0"/>
-              <a:t> </a:t>
-            </a:r>
-            <a:r>
-              <a:rPr lang="en-US" sz="2000" dirty="0" smtClean="0"/>
-              <a:t>UCSD</a:t>
+              <a:rPr lang="en-US" sz="2000" smtClean="0"/>
+              <a:t>GROW </a:t>
             </a:r>
           </a:p>
           <a:p>
@@ -6249,8 +8252,8 @@
               <a:buNone/>
             </a:pPr>
             <a:r>
-              <a:rPr lang="en-US" sz="2000" dirty="0" smtClean="0"/>
-              <a:t>Purdue</a:t>
+              <a:rPr lang="en-US" sz="2000" smtClean="0"/>
+              <a:t>HCC </a:t>
             </a:r>
           </a:p>
           <a:p>
@@ -6259,8 +8262,8 @@
               <a:buNone/>
             </a:pPr>
             <a:r>
-              <a:rPr lang="en-US" sz="2000" dirty="0" smtClean="0"/>
-              <a:t>Virginia Tech</a:t>
+              <a:rPr lang="en-US" sz="2000" smtClean="0"/>
+              <a:t>i2u2 </a:t>
             </a:r>
           </a:p>
           <a:p>
@@ -6268,212 +8271,302 @@
               <a:buFont typeface="Times"/>
               <a:buNone/>
             </a:pPr>
-            <a:endParaRPr lang="en-US" sz="2000" dirty="0" smtClean="0"/>
+            <a:r>
+              <a:rPr lang="en-US" sz="2000" smtClean="0"/>
+              <a:t>IceCube </a:t>
+            </a:r>
           </a:p>
           <a:p>
             <a:pPr marL="0" indent="0">
               <a:buFont typeface="Times"/>
               <a:buNone/>
             </a:pPr>
-            <a:endParaRPr lang="en-US" sz="2000" dirty="0" err="1" smtClean="0"/>
-          </a:p>
-        </p:txBody>
-      </p:sp>
-      <p:sp>
-        <p:nvSpPr>
-          <p:cNvPr id="9" name="Title 1"/>
-          <p:cNvSpPr txBox="1">
-            <a:spLocks/>
-          </p:cNvSpPr>
-          <p:nvPr/>
-        </p:nvSpPr>
-        <p:spPr bwMode="auto">
-          <a:xfrm>
-            <a:off x="2730500" y="2489200"/>
-            <a:ext cx="2667000" cy="1143000"/>
-          </a:xfrm>
-          <a:prstGeom prst="rect">
-            <a:avLst/>
-          </a:prstGeom>
-          <a:noFill/>
-          <a:ln w="9525">
-            <a:noFill/>
-            <a:miter lim="800000"/>
-            <a:headEnd/>
-            <a:tailEnd/>
-          </a:ln>
-        </p:spPr>
-        <p:txBody>
-          <a:bodyPr vert="horz" wrap="square" lIns="91440" tIns="45720" rIns="91440" bIns="45720" numCol="1" anchor="ctr" anchorCtr="0" compatLnSpc="1">
-            <a:prstTxWarp prst="textNoShape">
-              <a:avLst/>
-            </a:prstTxWarp>
-          </a:bodyPr>
-          <a:lstStyle>
-            <a:lvl1pPr algn="ctr" rtl="0" eaLnBrk="0" fontAlgn="base" hangingPunct="0">
-              <a:spcBef>
-                <a:spcPct val="0"/>
-              </a:spcBef>
-              <a:spcAft>
-                <a:spcPct val="0"/>
-              </a:spcAft>
-              <a:defRPr kumimoji="1" sz="3200">
-                <a:solidFill>
-                  <a:srgbClr val="000080"/>
-                </a:solidFill>
-                <a:latin typeface="+mj-lt"/>
-                <a:ea typeface="+mj-ea"/>
-                <a:cs typeface="ＭＳ Ｐゴシック"/>
-              </a:defRPr>
-            </a:lvl1pPr>
-            <a:lvl2pPr algn="ctr" rtl="0" eaLnBrk="0" fontAlgn="base" hangingPunct="0">
-              <a:spcBef>
-                <a:spcPct val="0"/>
-              </a:spcBef>
-              <a:spcAft>
-                <a:spcPct val="0"/>
-              </a:spcAft>
-              <a:defRPr kumimoji="1" sz="3200">
-                <a:solidFill>
-                  <a:srgbClr val="000080"/>
-                </a:solidFill>
-                <a:latin typeface="Futura" pitchFamily="16" charset="0"/>
-                <a:ea typeface="ＭＳ Ｐゴシック" pitchFamily="1" charset="-128"/>
-                <a:cs typeface="ＭＳ Ｐゴシック"/>
-              </a:defRPr>
-            </a:lvl2pPr>
-            <a:lvl3pPr algn="ctr" rtl="0" eaLnBrk="0" fontAlgn="base" hangingPunct="0">
-              <a:spcBef>
-                <a:spcPct val="0"/>
-              </a:spcBef>
-              <a:spcAft>
-                <a:spcPct val="0"/>
-              </a:spcAft>
-              <a:defRPr kumimoji="1" sz="3200">
-                <a:solidFill>
-                  <a:srgbClr val="000080"/>
-                </a:solidFill>
-                <a:latin typeface="Futura" pitchFamily="16" charset="0"/>
-                <a:ea typeface="ＭＳ Ｐゴシック" pitchFamily="1" charset="-128"/>
-                <a:cs typeface="ＭＳ Ｐゴシック"/>
-              </a:defRPr>
-            </a:lvl3pPr>
-            <a:lvl4pPr algn="ctr" rtl="0" eaLnBrk="0" fontAlgn="base" hangingPunct="0">
-              <a:spcBef>
-                <a:spcPct val="0"/>
-              </a:spcBef>
-              <a:spcAft>
-                <a:spcPct val="0"/>
-              </a:spcAft>
-              <a:defRPr kumimoji="1" sz="3200">
-                <a:solidFill>
-                  <a:srgbClr val="000080"/>
-                </a:solidFill>
-                <a:latin typeface="Futura" pitchFamily="16" charset="0"/>
-                <a:ea typeface="ＭＳ Ｐゴシック" pitchFamily="1" charset="-128"/>
-                <a:cs typeface="ＭＳ Ｐゴシック"/>
-              </a:defRPr>
-            </a:lvl4pPr>
-            <a:lvl5pPr algn="ctr" rtl="0" eaLnBrk="0" fontAlgn="base" hangingPunct="0">
-              <a:spcBef>
-                <a:spcPct val="0"/>
-              </a:spcBef>
-              <a:spcAft>
-                <a:spcPct val="0"/>
-              </a:spcAft>
-              <a:defRPr kumimoji="1" sz="3200">
-                <a:solidFill>
-                  <a:srgbClr val="000080"/>
-                </a:solidFill>
-                <a:latin typeface="Futura" pitchFamily="16" charset="0"/>
-                <a:ea typeface="ＭＳ Ｐゴシック" pitchFamily="1" charset="-128"/>
-                <a:cs typeface="ＭＳ Ｐゴシック"/>
-              </a:defRPr>
-            </a:lvl5pPr>
-            <a:lvl6pPr marL="457200" algn="ctr" rtl="0" fontAlgn="base">
-              <a:spcBef>
-                <a:spcPct val="0"/>
-              </a:spcBef>
-              <a:spcAft>
-                <a:spcPct val="0"/>
-              </a:spcAft>
-              <a:defRPr kumimoji="1" sz="3200">
-                <a:solidFill>
-                  <a:srgbClr val="000080"/>
-                </a:solidFill>
-                <a:latin typeface="Futura" pitchFamily="16" charset="0"/>
-                <a:ea typeface="ＭＳ Ｐゴシック" pitchFamily="1" charset="-128"/>
-              </a:defRPr>
-            </a:lvl6pPr>
-            <a:lvl7pPr marL="914400" algn="ctr" rtl="0" fontAlgn="base">
-              <a:spcBef>
-                <a:spcPct val="0"/>
-              </a:spcBef>
-              <a:spcAft>
-                <a:spcPct val="0"/>
-              </a:spcAft>
-              <a:defRPr kumimoji="1" sz="3200">
-                <a:solidFill>
-                  <a:srgbClr val="000080"/>
-                </a:solidFill>
-                <a:latin typeface="Futura" pitchFamily="16" charset="0"/>
-                <a:ea typeface="ＭＳ Ｐゴシック" pitchFamily="1" charset="-128"/>
-              </a:defRPr>
-            </a:lvl7pPr>
-            <a:lvl8pPr marL="1371600" algn="ctr" rtl="0" fontAlgn="base">
-              <a:spcBef>
-                <a:spcPct val="0"/>
-              </a:spcBef>
-              <a:spcAft>
-                <a:spcPct val="0"/>
-              </a:spcAft>
-              <a:defRPr kumimoji="1" sz="3200">
-                <a:solidFill>
-                  <a:srgbClr val="000080"/>
-                </a:solidFill>
-                <a:latin typeface="Futura" pitchFamily="16" charset="0"/>
-                <a:ea typeface="ＭＳ Ｐゴシック" pitchFamily="1" charset="-128"/>
-              </a:defRPr>
-            </a:lvl8pPr>
-            <a:lvl9pPr marL="1828800" algn="ctr" rtl="0" fontAlgn="base">
-              <a:spcBef>
-                <a:spcPct val="0"/>
-              </a:spcBef>
-              <a:spcAft>
-                <a:spcPct val="0"/>
-              </a:spcAft>
-              <a:defRPr kumimoji="1" sz="3200">
-                <a:solidFill>
-                  <a:srgbClr val="000080"/>
-                </a:solidFill>
-                <a:latin typeface="Futura" pitchFamily="16" charset="0"/>
-                <a:ea typeface="ＭＳ Ｐゴシック" pitchFamily="1" charset="-128"/>
-              </a:defRPr>
-            </a:lvl9pPr>
-          </a:lstStyle>
-          <a:p>
-            <a:pPr algn="l"/>
-            <a:r>
-              <a:rPr lang="en-US" sz="1600" dirty="0" smtClean="0">
-                <a:latin typeface="+mn-lt"/>
-              </a:rPr>
-              <a:t>Removed: communities on council already,  Fermilab-local communities (to date), OSG “owned” VOs,</a:t>
-            </a:r>
-            <a:br>
-              <a:rPr lang="en-US" sz="1600" dirty="0" smtClean="0">
-                <a:latin typeface="+mn-lt"/>
-              </a:rPr>
-            </a:br>
-            <a:endParaRPr lang="en-US" sz="1600" dirty="0">
-              <a:latin typeface="+mn-lt"/>
-            </a:endParaRPr>
+            <a:r>
+              <a:rPr lang="en-US" sz="2000" smtClean="0"/>
+              <a:t>ILC </a:t>
+            </a:r>
+          </a:p>
+          <a:p>
+            <a:pPr marL="0" indent="0">
+              <a:buFont typeface="Times"/>
+              <a:buNone/>
+            </a:pPr>
+            <a:r>
+              <a:rPr lang="en-US" sz="2000" smtClean="0"/>
+              <a:t>LBNE</a:t>
+            </a:r>
+          </a:p>
+          <a:p>
+            <a:pPr marL="0" indent="0">
+              <a:buFont typeface="Times"/>
+              <a:buNone/>
+            </a:pPr>
+            <a:r>
+              <a:rPr lang="en-US" sz="2000" smtClean="0"/>
+              <a:t>LIGO </a:t>
+            </a:r>
+          </a:p>
+          <a:p>
+            <a:pPr marL="0" indent="0">
+              <a:buFont typeface="Times"/>
+              <a:buNone/>
+            </a:pPr>
+            <a:r>
+              <a:rPr lang="en-US" sz="2000" smtClean="0"/>
+              <a:t>LSST </a:t>
+            </a:r>
+          </a:p>
+          <a:p>
+            <a:pPr marL="0" indent="0">
+              <a:buFont typeface="Times"/>
+              <a:buNone/>
+            </a:pPr>
+            <a:r>
+              <a:rPr lang="en-US" sz="2000" smtClean="0"/>
+              <a:t>MAP </a:t>
+            </a:r>
+          </a:p>
+          <a:p>
+            <a:pPr marL="0" indent="0">
+              <a:buFont typeface="Times"/>
+              <a:buNone/>
+            </a:pPr>
+            <a:r>
+              <a:rPr lang="en-US" sz="2000" smtClean="0"/>
+              <a:t>mars </a:t>
+            </a:r>
+          </a:p>
+          <a:p>
+            <a:pPr marL="0" indent="0">
+              <a:buFont typeface="Times"/>
+              <a:buNone/>
+            </a:pPr>
+            <a:r>
+              <a:rPr lang="en-US" sz="2000" smtClean="0"/>
+              <a:t>MicroBooNE </a:t>
+            </a:r>
+          </a:p>
+          <a:p>
+            <a:pPr marL="0" indent="0">
+              <a:buFont typeface="Times"/>
+              <a:buNone/>
+            </a:pPr>
+            <a:r>
+              <a:rPr lang="en-US" sz="2000" smtClean="0"/>
+              <a:t>Minerva </a:t>
+            </a:r>
+          </a:p>
+          <a:p>
+            <a:pPr marL="0" indent="0">
+              <a:buFont typeface="Times"/>
+              <a:buNone/>
+            </a:pPr>
+            <a:r>
+              <a:rPr lang="en-US" sz="2000" smtClean="0"/>
+              <a:t>Miniboone </a:t>
+            </a:r>
+          </a:p>
+          <a:p>
+            <a:pPr marL="0" indent="0">
+              <a:buFont typeface="Times"/>
+              <a:buNone/>
+            </a:pPr>
+            <a:r>
+              <a:rPr lang="en-US" sz="2000" smtClean="0"/>
+              <a:t>Minos </a:t>
+            </a:r>
+          </a:p>
+          <a:p>
+            <a:pPr marL="0" indent="0">
+              <a:buFont typeface="Times"/>
+              <a:buNone/>
+            </a:pPr>
+            <a:r>
+              <a:rPr lang="en-US" sz="2000" smtClean="0"/>
+              <a:t>Mipp </a:t>
+            </a:r>
+          </a:p>
+          <a:p>
+            <a:pPr marL="0" indent="0">
+              <a:buFont typeface="Times"/>
+              <a:buNone/>
+            </a:pPr>
+            <a:r>
+              <a:rPr lang="en-US" sz="2000" smtClean="0"/>
+              <a:t>MIS </a:t>
+            </a:r>
+          </a:p>
+          <a:p>
+            <a:pPr marL="0" indent="0">
+              <a:buFont typeface="Times"/>
+              <a:buNone/>
+            </a:pPr>
+            <a:r>
+              <a:rPr lang="en-US" sz="2000" smtClean="0"/>
+              <a:t>Mu2e </a:t>
+            </a:r>
+          </a:p>
+          <a:p>
+            <a:pPr marL="0" indent="0">
+              <a:buFont typeface="Times"/>
+              <a:buNone/>
+            </a:pPr>
+            <a:r>
+              <a:rPr lang="en-US" sz="2000" smtClean="0"/>
+              <a:t>nanoHUB </a:t>
+            </a:r>
+          </a:p>
+          <a:p>
+            <a:pPr marL="0" indent="0">
+              <a:buFont typeface="Times"/>
+              <a:buNone/>
+            </a:pPr>
+            <a:r>
+              <a:rPr lang="en-US" sz="2000" smtClean="0"/>
+              <a:t>NEBioGrid </a:t>
+            </a:r>
+          </a:p>
+          <a:p>
+            <a:pPr marL="0" indent="0">
+              <a:buFont typeface="Times"/>
+              <a:buNone/>
+            </a:pPr>
+            <a:r>
+              <a:rPr lang="en-US" sz="2000" smtClean="0"/>
+              <a:t>NEES </a:t>
+            </a:r>
+          </a:p>
+          <a:p>
+            <a:pPr marL="0" indent="0">
+              <a:buFont typeface="Times"/>
+              <a:buNone/>
+            </a:pPr>
+            <a:r>
+              <a:rPr lang="en-US" sz="2000" smtClean="0"/>
+              <a:t>NERSC </a:t>
+            </a:r>
+          </a:p>
+          <a:p>
+            <a:pPr marL="0" indent="0">
+              <a:buFont typeface="Times"/>
+              <a:buNone/>
+            </a:pPr>
+            <a:r>
+              <a:rPr lang="en-US" sz="2000" smtClean="0"/>
+              <a:t>Nova</a:t>
+            </a:r>
+          </a:p>
+          <a:p>
+            <a:pPr marL="0" indent="0">
+              <a:buFont typeface="Times"/>
+              <a:buNone/>
+            </a:pPr>
+            <a:r>
+              <a:rPr lang="en-US" sz="2000" smtClean="0"/>
+              <a:t>Numi </a:t>
+            </a:r>
+          </a:p>
+          <a:p>
+            <a:pPr marL="0" indent="0">
+              <a:buFont typeface="Times"/>
+              <a:buNone/>
+            </a:pPr>
+            <a:r>
+              <a:rPr lang="en-US" sz="2000" smtClean="0"/>
+              <a:t>NWICG </a:t>
+            </a:r>
+          </a:p>
+          <a:p>
+            <a:pPr marL="0" indent="0">
+              <a:buFont typeface="Times"/>
+              <a:buNone/>
+            </a:pPr>
+            <a:r>
+              <a:rPr lang="en-US" sz="2000" smtClean="0"/>
+              <a:t>NYSGRID </a:t>
+            </a:r>
+          </a:p>
+          <a:p>
+            <a:pPr marL="0" indent="0">
+              <a:buFont typeface="Times"/>
+              <a:buNone/>
+            </a:pPr>
+            <a:r>
+              <a:rPr lang="en-US" sz="2000" smtClean="0"/>
+              <a:t>Ops </a:t>
+            </a:r>
+          </a:p>
+          <a:p>
+            <a:pPr marL="0" indent="0">
+              <a:buFont typeface="Times"/>
+              <a:buNone/>
+            </a:pPr>
+            <a:r>
+              <a:rPr lang="en-US" sz="2000" smtClean="0"/>
+              <a:t>OSG </a:t>
+            </a:r>
+          </a:p>
+          <a:p>
+            <a:pPr marL="0" indent="0">
+              <a:buFont typeface="Times"/>
+              <a:buNone/>
+            </a:pPr>
+            <a:r>
+              <a:rPr lang="en-US" sz="2000" smtClean="0"/>
+              <a:t>OSGEDU Patriot </a:t>
+            </a:r>
+          </a:p>
+          <a:p>
+            <a:pPr marL="0" indent="0">
+              <a:buFont typeface="Times"/>
+              <a:buNone/>
+            </a:pPr>
+            <a:r>
+              <a:rPr lang="en-US" sz="2000" smtClean="0"/>
+              <a:t>RSV </a:t>
+            </a:r>
+          </a:p>
+          <a:p>
+            <a:pPr marL="0" indent="0">
+              <a:buFont typeface="Times"/>
+              <a:buNone/>
+            </a:pPr>
+            <a:r>
+              <a:rPr lang="en-US" sz="2000" smtClean="0"/>
+              <a:t>SBGrid </a:t>
+            </a:r>
+          </a:p>
+          <a:p>
+            <a:pPr marL="0" indent="0">
+              <a:buFont typeface="Times"/>
+              <a:buNone/>
+            </a:pPr>
+            <a:r>
+              <a:rPr lang="en-US" sz="2000" smtClean="0"/>
+              <a:t>STAR superbvo.org SURAgrid Theory </a:t>
+            </a:r>
+          </a:p>
+          <a:p>
+            <a:pPr marL="0" indent="0">
+              <a:buFont typeface="Times"/>
+              <a:buNone/>
+            </a:pPr>
+            <a:r>
+              <a:rPr lang="en-US" sz="2000" smtClean="0"/>
+              <a:t>VLa</a:t>
+            </a:r>
+            <a:r>
+              <a:rPr lang="en-US" smtClean="0"/>
+              <a:t>b </a:t>
+            </a:r>
+            <a:endParaRPr lang="en-US" dirty="0"/>
           </a:p>
         </p:txBody>
       </p:sp>
     </p:spTree>
     <p:extLst>
       <p:ext uri="{BB962C8B-B14F-4D97-AF65-F5344CB8AC3E}">
-        <p14:creationId xmlns:p14="http://schemas.microsoft.com/office/powerpoint/2010/main" val="442103833"/>
+        <p14:creationId xmlns:p14="http://schemas.microsoft.com/office/powerpoint/2010/main" val="1753023775"/>
       </p:ext>
     </p:extLst>
   </p:cSld>
@@ -6519,19 +8612,24 @@
         </p:nvSpPr>
         <p:spPr>
           <a:xfrm>
-            <a:off x="685800" y="0"/>
-            <a:ext cx="8051800" cy="1143000"/>
+            <a:off x="1054100" y="355600"/>
+            <a:ext cx="3784600" cy="1143000"/>
           </a:xfrm>
         </p:spPr>
         <p:txBody>
           <a:bodyPr/>
           <a:lstStyle/>
           <a:p>
-            <a:r>
-              <a:rPr lang="en-US" dirty="0" smtClean="0"/>
-              <a:t>Strategy of Satellites and Docked Projects Remains</a:t>
-            </a:r>
-            <a:endParaRPr lang="en-US" dirty="0"/>
+            <a:pPr algn="l"/>
+            <a:r>
+              <a:rPr lang="en-US" sz="2000" dirty="0" smtClean="0">
+                <a:latin typeface="+mn-lt"/>
+              </a:rPr>
+              <a:t>VOs to consider for an increased participation ??</a:t>
+            </a:r>
+            <a:endParaRPr lang="en-US" sz="2000" dirty="0">
+              <a:latin typeface="+mn-lt"/>
+            </a:endParaRPr>
           </a:p>
         </p:txBody>
       </p:sp>
@@ -6559,6 +8657,1323 @@
                 <a:defRPr/>
               </a:pPr>
               <a:t>14</a:t>
+            </a:fld>
+            <a:endParaRPr lang="en-US" dirty="0"/>
+          </a:p>
+        </p:txBody>
+      </p:sp>
+      <p:sp>
+        <p:nvSpPr>
+          <p:cNvPr id="5" name="Content Placeholder 3"/>
+          <p:cNvSpPr txBox="1">
+            <a:spLocks/>
+          </p:cNvSpPr>
+          <p:nvPr/>
+        </p:nvSpPr>
+        <p:spPr>
+          <a:xfrm>
+            <a:off x="157119" y="1333499"/>
+            <a:ext cx="5100681" cy="5161141"/>
+          </a:xfrm>
+          <a:prstGeom prst="rect">
+            <a:avLst/>
+          </a:prstGeom>
+        </p:spPr>
+        <p:txBody>
+          <a:bodyPr numCol="3"/>
+          <a:lstStyle>
+            <a:lvl1pPr marL="342900" indent="-342900" algn="l" rtl="0" eaLnBrk="0" fontAlgn="base" hangingPunct="0">
+              <a:spcBef>
+                <a:spcPct val="20000"/>
+              </a:spcBef>
+              <a:spcAft>
+                <a:spcPct val="0"/>
+              </a:spcAft>
+              <a:buClr>
+                <a:srgbClr val="000080"/>
+              </a:buClr>
+              <a:buFont typeface="Times"/>
+              <a:buChar char="•"/>
+              <a:defRPr kumimoji="1" sz="2400">
+                <a:solidFill>
+                  <a:schemeClr val="tx2"/>
+                </a:solidFill>
+                <a:latin typeface="+mn-lt"/>
+                <a:ea typeface="+mn-ea"/>
+                <a:cs typeface="ＭＳ Ｐゴシック"/>
+              </a:defRPr>
+            </a:lvl1pPr>
+            <a:lvl2pPr marL="742950" indent="-285750" algn="l" rtl="0" eaLnBrk="0" fontAlgn="base" hangingPunct="0">
+              <a:spcBef>
+                <a:spcPct val="20000"/>
+              </a:spcBef>
+              <a:spcAft>
+                <a:spcPct val="0"/>
+              </a:spcAft>
+              <a:buClr>
+                <a:srgbClr val="3C0000"/>
+              </a:buClr>
+              <a:buFont typeface="Symbol" pitchFamily="18" charset="2"/>
+              <a:buChar char=""/>
+              <a:defRPr kumimoji="1" sz="2400">
+                <a:solidFill>
+                  <a:srgbClr val="630000"/>
+                </a:solidFill>
+                <a:latin typeface="+mn-lt"/>
+                <a:ea typeface="+mn-ea"/>
+                <a:cs typeface="ＭＳ Ｐゴシック"/>
+              </a:defRPr>
+            </a:lvl2pPr>
+            <a:lvl3pPr marL="1143000" indent="-228600" algn="l" rtl="0" eaLnBrk="0" fontAlgn="base" hangingPunct="0">
+              <a:spcBef>
+                <a:spcPct val="20000"/>
+              </a:spcBef>
+              <a:spcAft>
+                <a:spcPct val="0"/>
+              </a:spcAft>
+              <a:buClr>
+                <a:srgbClr val="3C0000"/>
+              </a:buClr>
+              <a:buFont typeface="Wingdings" pitchFamily="2" charset="2"/>
+              <a:buChar char="§"/>
+              <a:defRPr kumimoji="1" sz="2400">
+                <a:solidFill>
+                  <a:schemeClr val="tx2"/>
+                </a:solidFill>
+                <a:latin typeface="+mn-lt"/>
+                <a:ea typeface="+mn-ea"/>
+                <a:cs typeface="ＭＳ Ｐゴシック"/>
+              </a:defRPr>
+            </a:lvl3pPr>
+            <a:lvl4pPr marL="1600200" indent="-228600" algn="l" rtl="0" eaLnBrk="0" fontAlgn="base" hangingPunct="0">
+              <a:spcBef>
+                <a:spcPct val="20000"/>
+              </a:spcBef>
+              <a:spcAft>
+                <a:spcPct val="0"/>
+              </a:spcAft>
+              <a:buClr>
+                <a:srgbClr val="3C0000"/>
+              </a:buClr>
+              <a:buFont typeface="Wingdings" pitchFamily="2" charset="2"/>
+              <a:buChar char=""/>
+              <a:defRPr kumimoji="1" sz="2000">
+                <a:solidFill>
+                  <a:schemeClr val="tx2"/>
+                </a:solidFill>
+                <a:latin typeface="+mn-lt"/>
+                <a:ea typeface="+mn-ea"/>
+                <a:cs typeface="ＭＳ Ｐゴシック"/>
+              </a:defRPr>
+            </a:lvl4pPr>
+            <a:lvl5pPr marL="2057400" indent="-228600" algn="l" rtl="0" eaLnBrk="0" fontAlgn="base" hangingPunct="0">
+              <a:spcBef>
+                <a:spcPct val="20000"/>
+              </a:spcBef>
+              <a:spcAft>
+                <a:spcPct val="0"/>
+              </a:spcAft>
+              <a:buClr>
+                <a:srgbClr val="3C0000"/>
+              </a:buClr>
+              <a:buFont typeface="Wingdings" pitchFamily="2" charset="2"/>
+              <a:buChar char=""/>
+              <a:defRPr kumimoji="1" sz="2000">
+                <a:solidFill>
+                  <a:schemeClr val="tx2"/>
+                </a:solidFill>
+                <a:latin typeface="+mn-lt"/>
+                <a:ea typeface="+mn-ea"/>
+                <a:cs typeface="ＭＳ Ｐゴシック"/>
+              </a:defRPr>
+            </a:lvl5pPr>
+            <a:lvl6pPr marL="2514600" indent="-228600" algn="l" rtl="0" fontAlgn="base">
+              <a:spcBef>
+                <a:spcPct val="20000"/>
+              </a:spcBef>
+              <a:spcAft>
+                <a:spcPct val="0"/>
+              </a:spcAft>
+              <a:buClr>
+                <a:srgbClr val="3C0000"/>
+              </a:buClr>
+              <a:buFont typeface="Wingdings" pitchFamily="2" charset="2"/>
+              <a:buChar char=""/>
+              <a:defRPr kumimoji="1" sz="2000">
+                <a:solidFill>
+                  <a:schemeClr val="tx2"/>
+                </a:solidFill>
+                <a:latin typeface="+mn-lt"/>
+                <a:ea typeface="+mn-ea"/>
+              </a:defRPr>
+            </a:lvl6pPr>
+            <a:lvl7pPr marL="2971800" indent="-228600" algn="l" rtl="0" fontAlgn="base">
+              <a:spcBef>
+                <a:spcPct val="20000"/>
+              </a:spcBef>
+              <a:spcAft>
+                <a:spcPct val="0"/>
+              </a:spcAft>
+              <a:buClr>
+                <a:srgbClr val="3C0000"/>
+              </a:buClr>
+              <a:buFont typeface="Wingdings" pitchFamily="2" charset="2"/>
+              <a:buChar char=""/>
+              <a:defRPr kumimoji="1" sz="2000">
+                <a:solidFill>
+                  <a:schemeClr val="tx2"/>
+                </a:solidFill>
+                <a:latin typeface="+mn-lt"/>
+                <a:ea typeface="+mn-ea"/>
+              </a:defRPr>
+            </a:lvl7pPr>
+            <a:lvl8pPr marL="3429000" indent="-228600" algn="l" rtl="0" fontAlgn="base">
+              <a:spcBef>
+                <a:spcPct val="20000"/>
+              </a:spcBef>
+              <a:spcAft>
+                <a:spcPct val="0"/>
+              </a:spcAft>
+              <a:buClr>
+                <a:srgbClr val="3C0000"/>
+              </a:buClr>
+              <a:buFont typeface="Wingdings" pitchFamily="2" charset="2"/>
+              <a:buChar char=""/>
+              <a:defRPr kumimoji="1" sz="2000">
+                <a:solidFill>
+                  <a:schemeClr val="tx2"/>
+                </a:solidFill>
+                <a:latin typeface="+mn-lt"/>
+                <a:ea typeface="+mn-ea"/>
+              </a:defRPr>
+            </a:lvl8pPr>
+            <a:lvl9pPr marL="3886200" indent="-228600" algn="l" rtl="0" fontAlgn="base">
+              <a:spcBef>
+                <a:spcPct val="20000"/>
+              </a:spcBef>
+              <a:spcAft>
+                <a:spcPct val="0"/>
+              </a:spcAft>
+              <a:buClr>
+                <a:srgbClr val="3C0000"/>
+              </a:buClr>
+              <a:buFont typeface="Wingdings" pitchFamily="2" charset="2"/>
+              <a:buChar char=""/>
+              <a:defRPr kumimoji="1" sz="2000">
+                <a:solidFill>
+                  <a:schemeClr val="tx2"/>
+                </a:solidFill>
+                <a:latin typeface="+mn-lt"/>
+                <a:ea typeface="+mn-ea"/>
+              </a:defRPr>
+            </a:lvl9pPr>
+          </a:lstStyle>
+          <a:p>
+            <a:pPr marL="0" indent="0">
+              <a:buFont typeface="Times"/>
+              <a:buNone/>
+            </a:pPr>
+            <a:r>
+              <a:rPr lang="en-US" sz="2000" dirty="0" smtClean="0"/>
+              <a:t>ALICE</a:t>
+            </a:r>
+          </a:p>
+          <a:p>
+            <a:pPr marL="0" indent="0">
+              <a:buFont typeface="Times"/>
+              <a:buNone/>
+            </a:pPr>
+            <a:r>
+              <a:rPr lang="en-US" sz="2000" dirty="0" smtClean="0"/>
+              <a:t>belle </a:t>
+            </a:r>
+            <a:endParaRPr lang="en-US" sz="2000" dirty="0" smtClean="0"/>
+          </a:p>
+          <a:p>
+            <a:pPr marL="0" indent="0">
+              <a:buFont typeface="Times"/>
+              <a:buNone/>
+            </a:pPr>
+            <a:r>
+              <a:rPr lang="en-US" sz="2000" dirty="0" smtClean="0"/>
+              <a:t>CIGI </a:t>
+            </a:r>
+            <a:endParaRPr lang="en-US" sz="2000" dirty="0" smtClean="0"/>
+          </a:p>
+          <a:p>
+            <a:pPr marL="0" indent="0">
+              <a:buFont typeface="Times"/>
+              <a:buNone/>
+            </a:pPr>
+            <a:r>
+              <a:rPr lang="en-US" sz="2000" dirty="0" err="1" smtClean="0"/>
+              <a:t>CompBioGrid</a:t>
+            </a:r>
+            <a:r>
+              <a:rPr lang="en-US" sz="2000" dirty="0" smtClean="0"/>
+              <a:t> </a:t>
+            </a:r>
+            <a:endParaRPr lang="en-US" sz="2000" dirty="0" smtClean="0"/>
+          </a:p>
+          <a:p>
+            <a:pPr marL="0" indent="0">
+              <a:buFont typeface="Times"/>
+              <a:buNone/>
+            </a:pPr>
+            <a:r>
+              <a:rPr lang="en-US" sz="2000" dirty="0" err="1" smtClean="0"/>
+              <a:t>DayaBay</a:t>
+            </a:r>
+            <a:endParaRPr lang="en-US" sz="2000" dirty="0" smtClean="0"/>
+          </a:p>
+          <a:p>
+            <a:pPr marL="0" indent="0">
+              <a:buFont typeface="Times"/>
+              <a:buNone/>
+            </a:pPr>
+            <a:r>
+              <a:rPr lang="en-US" sz="2000" dirty="0" smtClean="0"/>
+              <a:t>DES </a:t>
+            </a:r>
+          </a:p>
+          <a:p>
+            <a:pPr marL="0" indent="0">
+              <a:buFont typeface="Times"/>
+              <a:buNone/>
+            </a:pPr>
+            <a:r>
+              <a:rPr lang="en-US" sz="2000" dirty="0" smtClean="0"/>
+              <a:t>DREAM </a:t>
+            </a:r>
+            <a:endParaRPr lang="en-US" sz="2000" dirty="0" smtClean="0"/>
+          </a:p>
+          <a:p>
+            <a:pPr marL="0" indent="0">
+              <a:buFont typeface="Times"/>
+              <a:buNone/>
+            </a:pPr>
+            <a:r>
+              <a:rPr lang="en-US" sz="2000" dirty="0" err="1" smtClean="0"/>
+              <a:t>enmr.eu</a:t>
+            </a:r>
+            <a:r>
+              <a:rPr lang="en-US" sz="2000" dirty="0" smtClean="0"/>
+              <a:t> </a:t>
+            </a:r>
+            <a:endParaRPr lang="en-US" sz="2000" dirty="0" smtClean="0"/>
+          </a:p>
+          <a:p>
+            <a:pPr marL="0" indent="0">
+              <a:buFont typeface="Times"/>
+              <a:buNone/>
+            </a:pPr>
+            <a:r>
+              <a:rPr lang="en-US" sz="2000" dirty="0" smtClean="0"/>
+              <a:t>ESGF </a:t>
+            </a:r>
+            <a:endParaRPr lang="en-US" sz="2000" dirty="0" smtClean="0"/>
+          </a:p>
+          <a:p>
+            <a:pPr marL="0" indent="0">
+              <a:buFont typeface="Times"/>
+              <a:buNone/>
+            </a:pPr>
+            <a:r>
+              <a:rPr lang="en-US" sz="2000" dirty="0" smtClean="0"/>
+              <a:t>LBNE</a:t>
+            </a:r>
+            <a:endParaRPr lang="en-US" sz="2000" dirty="0" smtClean="0"/>
+          </a:p>
+          <a:p>
+            <a:pPr marL="0" indent="0">
+              <a:buFont typeface="Times"/>
+              <a:buNone/>
+            </a:pPr>
+            <a:r>
+              <a:rPr lang="en-US" sz="2000" dirty="0" smtClean="0"/>
+              <a:t>GCVO </a:t>
+            </a:r>
+            <a:endParaRPr lang="en-US" sz="2000" dirty="0" smtClean="0"/>
+          </a:p>
+          <a:p>
+            <a:pPr marL="0" indent="0">
+              <a:buFont typeface="Times"/>
+              <a:buNone/>
+            </a:pPr>
+            <a:r>
+              <a:rPr lang="en-US" sz="2000" dirty="0" smtClean="0"/>
+              <a:t>Geant4 </a:t>
+            </a:r>
+            <a:endParaRPr lang="en-US" sz="2000" dirty="0" smtClean="0"/>
+          </a:p>
+          <a:p>
+            <a:pPr marL="0" indent="0">
+              <a:buFont typeface="Times"/>
+              <a:buNone/>
+            </a:pPr>
+            <a:r>
+              <a:rPr lang="en-US" sz="2000" dirty="0" err="1" smtClean="0"/>
+              <a:t>Gluex</a:t>
+            </a:r>
+            <a:r>
+              <a:rPr lang="en-US" sz="2000" dirty="0" smtClean="0"/>
+              <a:t> </a:t>
+            </a:r>
+          </a:p>
+          <a:p>
+            <a:pPr marL="0" indent="0">
+              <a:buFont typeface="Times"/>
+              <a:buNone/>
+            </a:pPr>
+            <a:r>
+              <a:rPr lang="en-US" sz="2000" dirty="0" err="1" smtClean="0"/>
+              <a:t>GridUNESP</a:t>
+            </a:r>
+            <a:r>
+              <a:rPr lang="en-US" sz="2000" dirty="0" smtClean="0"/>
+              <a:t> </a:t>
+            </a:r>
+            <a:endParaRPr lang="en-US" sz="2000" dirty="0" smtClean="0"/>
+          </a:p>
+          <a:p>
+            <a:pPr marL="0" indent="0">
+              <a:buFont typeface="Times"/>
+              <a:buNone/>
+            </a:pPr>
+            <a:r>
+              <a:rPr lang="en-US" sz="2000" dirty="0" smtClean="0"/>
+              <a:t>GROW </a:t>
+            </a:r>
+          </a:p>
+          <a:p>
+            <a:pPr marL="0" indent="0">
+              <a:buFont typeface="Times"/>
+              <a:buNone/>
+            </a:pPr>
+            <a:r>
+              <a:rPr lang="en-US" sz="2000" dirty="0" smtClean="0"/>
+              <a:t>HCC </a:t>
+            </a:r>
+          </a:p>
+          <a:p>
+            <a:pPr marL="0" indent="0">
+              <a:buFont typeface="Times"/>
+              <a:buNone/>
+            </a:pPr>
+            <a:r>
+              <a:rPr lang="en-US" sz="2000" dirty="0" err="1" smtClean="0"/>
+              <a:t>IceCube</a:t>
+            </a:r>
+            <a:r>
+              <a:rPr lang="en-US" sz="2000" dirty="0" smtClean="0"/>
+              <a:t> </a:t>
+            </a:r>
+            <a:endParaRPr lang="en-US" sz="2000" dirty="0" smtClean="0"/>
+          </a:p>
+          <a:p>
+            <a:pPr marL="0" indent="0">
+              <a:buFont typeface="Times"/>
+              <a:buNone/>
+            </a:pPr>
+            <a:r>
+              <a:rPr lang="en-US" sz="2000" dirty="0" smtClean="0"/>
+              <a:t>ILC </a:t>
+            </a:r>
+          </a:p>
+          <a:p>
+            <a:pPr marL="0" indent="0">
+              <a:buFont typeface="Times"/>
+              <a:buNone/>
+            </a:pPr>
+            <a:r>
+              <a:rPr lang="en-US" sz="2000" dirty="0" smtClean="0"/>
+              <a:t>LBNE</a:t>
+            </a:r>
+          </a:p>
+          <a:p>
+            <a:pPr marL="0" indent="0">
+              <a:buFont typeface="Times"/>
+              <a:buNone/>
+            </a:pPr>
+            <a:r>
+              <a:rPr lang="en-US" sz="2000" dirty="0" smtClean="0"/>
+              <a:t>LIGO </a:t>
+            </a:r>
+          </a:p>
+          <a:p>
+            <a:pPr marL="0" indent="0">
+              <a:buFont typeface="Times"/>
+              <a:buNone/>
+            </a:pPr>
+            <a:r>
+              <a:rPr lang="en-US" sz="2000" dirty="0" smtClean="0"/>
+              <a:t>LSST </a:t>
+            </a:r>
+          </a:p>
+          <a:p>
+            <a:pPr marL="0" indent="0">
+              <a:buFont typeface="Times"/>
+              <a:buNone/>
+            </a:pPr>
+            <a:r>
+              <a:rPr lang="en-US" sz="2000" dirty="0" err="1" smtClean="0"/>
+              <a:t>nanoHUB</a:t>
+            </a:r>
+            <a:r>
+              <a:rPr lang="en-US" sz="2000" dirty="0" smtClean="0"/>
+              <a:t> </a:t>
+            </a:r>
+            <a:endParaRPr lang="en-US" sz="2000" dirty="0" smtClean="0"/>
+          </a:p>
+          <a:p>
+            <a:pPr marL="0" indent="0">
+              <a:buFont typeface="Times"/>
+              <a:buNone/>
+            </a:pPr>
+            <a:r>
+              <a:rPr lang="en-US" sz="2000" dirty="0" err="1" smtClean="0"/>
+              <a:t>NEBioGrid</a:t>
+            </a:r>
+            <a:r>
+              <a:rPr lang="en-US" sz="2000" dirty="0" smtClean="0"/>
+              <a:t> </a:t>
+            </a:r>
+          </a:p>
+          <a:p>
+            <a:pPr marL="0" indent="0">
+              <a:buFont typeface="Times"/>
+              <a:buNone/>
+            </a:pPr>
+            <a:r>
+              <a:rPr lang="en-US" sz="2000" dirty="0" smtClean="0"/>
+              <a:t>NEES </a:t>
+            </a:r>
+          </a:p>
+          <a:p>
+            <a:pPr marL="0" indent="0">
+              <a:buFont typeface="Times"/>
+              <a:buNone/>
+            </a:pPr>
+            <a:r>
+              <a:rPr lang="en-US" sz="2000" dirty="0" smtClean="0"/>
+              <a:t>NERSC </a:t>
+            </a:r>
+          </a:p>
+          <a:p>
+            <a:pPr marL="0" indent="0">
+              <a:buFont typeface="Times"/>
+              <a:buNone/>
+            </a:pPr>
+            <a:r>
+              <a:rPr lang="en-US" sz="2000" dirty="0" smtClean="0"/>
+              <a:t>NWICG </a:t>
+            </a:r>
+            <a:endParaRPr lang="en-US" sz="2000" dirty="0" smtClean="0"/>
+          </a:p>
+          <a:p>
+            <a:pPr marL="0" indent="0">
+              <a:buFont typeface="Times"/>
+              <a:buNone/>
+            </a:pPr>
+            <a:r>
+              <a:rPr lang="en-US" sz="2000" dirty="0" smtClean="0"/>
+              <a:t>NYSGRID </a:t>
+            </a:r>
+          </a:p>
+          <a:p>
+            <a:pPr marL="0" indent="0">
+              <a:buFont typeface="Times"/>
+              <a:buNone/>
+            </a:pPr>
+            <a:r>
+              <a:rPr lang="en-US" sz="2000" dirty="0" err="1" smtClean="0"/>
+              <a:t>superbvo.org</a:t>
+            </a:r>
+            <a:r>
+              <a:rPr lang="en-US" sz="2000" dirty="0" smtClean="0"/>
+              <a:t> </a:t>
+            </a:r>
+            <a:r>
+              <a:rPr lang="en-US" sz="2000" dirty="0" err="1" smtClean="0"/>
+              <a:t>SURAgrid</a:t>
+            </a:r>
+            <a:endParaRPr lang="en-US" sz="2000" dirty="0" smtClean="0"/>
+          </a:p>
+          <a:p>
+            <a:pPr marL="0" indent="0">
+              <a:buFont typeface="Times"/>
+              <a:buNone/>
+            </a:pPr>
+            <a:r>
+              <a:rPr lang="en-US" sz="2000" dirty="0" smtClean="0"/>
+              <a:t>VLAB </a:t>
+            </a:r>
+            <a:endParaRPr lang="en-US" sz="2000" dirty="0" smtClean="0"/>
+          </a:p>
+          <a:p>
+            <a:pPr marL="0" indent="0">
+              <a:buFont typeface="Times"/>
+              <a:buNone/>
+            </a:pPr>
+            <a:r>
+              <a:rPr lang="en-US" sz="2000" dirty="0" smtClean="0"/>
+              <a:t> </a:t>
+            </a:r>
+          </a:p>
+          <a:p>
+            <a:pPr marL="0" indent="0">
+              <a:buFont typeface="Times"/>
+              <a:buNone/>
+            </a:pPr>
+            <a:endParaRPr lang="en-US" sz="2000" dirty="0" err="1" smtClean="0"/>
+          </a:p>
+        </p:txBody>
+      </p:sp>
+      <p:sp>
+        <p:nvSpPr>
+          <p:cNvPr id="7" name="Title 1"/>
+          <p:cNvSpPr txBox="1">
+            <a:spLocks/>
+          </p:cNvSpPr>
+          <p:nvPr/>
+        </p:nvSpPr>
+        <p:spPr bwMode="auto">
+          <a:xfrm>
+            <a:off x="5562600" y="152400"/>
+            <a:ext cx="3403600" cy="1143000"/>
+          </a:xfrm>
+          <a:prstGeom prst="rect">
+            <a:avLst/>
+          </a:prstGeom>
+          <a:noFill/>
+          <a:ln w="9525">
+            <a:noFill/>
+            <a:miter lim="800000"/>
+            <a:headEnd/>
+            <a:tailEnd/>
+          </a:ln>
+        </p:spPr>
+        <p:txBody>
+          <a:bodyPr vert="horz" wrap="square" lIns="91440" tIns="45720" rIns="91440" bIns="45720" numCol="1" anchor="ctr" anchorCtr="0" compatLnSpc="1">
+            <a:prstTxWarp prst="textNoShape">
+              <a:avLst/>
+            </a:prstTxWarp>
+          </a:bodyPr>
+          <a:lstStyle>
+            <a:lvl1pPr algn="ctr" rtl="0" eaLnBrk="0" fontAlgn="base" hangingPunct="0">
+              <a:spcBef>
+                <a:spcPct val="0"/>
+              </a:spcBef>
+              <a:spcAft>
+                <a:spcPct val="0"/>
+              </a:spcAft>
+              <a:defRPr kumimoji="1" sz="3200">
+                <a:solidFill>
+                  <a:srgbClr val="000080"/>
+                </a:solidFill>
+                <a:latin typeface="+mj-lt"/>
+                <a:ea typeface="+mj-ea"/>
+                <a:cs typeface="ＭＳ Ｐゴシック"/>
+              </a:defRPr>
+            </a:lvl1pPr>
+            <a:lvl2pPr algn="ctr" rtl="0" eaLnBrk="0" fontAlgn="base" hangingPunct="0">
+              <a:spcBef>
+                <a:spcPct val="0"/>
+              </a:spcBef>
+              <a:spcAft>
+                <a:spcPct val="0"/>
+              </a:spcAft>
+              <a:defRPr kumimoji="1" sz="3200">
+                <a:solidFill>
+                  <a:srgbClr val="000080"/>
+                </a:solidFill>
+                <a:latin typeface="Futura" pitchFamily="16" charset="0"/>
+                <a:ea typeface="ＭＳ Ｐゴシック" pitchFamily="1" charset="-128"/>
+                <a:cs typeface="ＭＳ Ｐゴシック"/>
+              </a:defRPr>
+            </a:lvl2pPr>
+            <a:lvl3pPr algn="ctr" rtl="0" eaLnBrk="0" fontAlgn="base" hangingPunct="0">
+              <a:spcBef>
+                <a:spcPct val="0"/>
+              </a:spcBef>
+              <a:spcAft>
+                <a:spcPct val="0"/>
+              </a:spcAft>
+              <a:defRPr kumimoji="1" sz="3200">
+                <a:solidFill>
+                  <a:srgbClr val="000080"/>
+                </a:solidFill>
+                <a:latin typeface="Futura" pitchFamily="16" charset="0"/>
+                <a:ea typeface="ＭＳ Ｐゴシック" pitchFamily="1" charset="-128"/>
+                <a:cs typeface="ＭＳ Ｐゴシック"/>
+              </a:defRPr>
+            </a:lvl3pPr>
+            <a:lvl4pPr algn="ctr" rtl="0" eaLnBrk="0" fontAlgn="base" hangingPunct="0">
+              <a:spcBef>
+                <a:spcPct val="0"/>
+              </a:spcBef>
+              <a:spcAft>
+                <a:spcPct val="0"/>
+              </a:spcAft>
+              <a:defRPr kumimoji="1" sz="3200">
+                <a:solidFill>
+                  <a:srgbClr val="000080"/>
+                </a:solidFill>
+                <a:latin typeface="Futura" pitchFamily="16" charset="0"/>
+                <a:ea typeface="ＭＳ Ｐゴシック" pitchFamily="1" charset="-128"/>
+                <a:cs typeface="ＭＳ Ｐゴシック"/>
+              </a:defRPr>
+            </a:lvl4pPr>
+            <a:lvl5pPr algn="ctr" rtl="0" eaLnBrk="0" fontAlgn="base" hangingPunct="0">
+              <a:spcBef>
+                <a:spcPct val="0"/>
+              </a:spcBef>
+              <a:spcAft>
+                <a:spcPct val="0"/>
+              </a:spcAft>
+              <a:defRPr kumimoji="1" sz="3200">
+                <a:solidFill>
+                  <a:srgbClr val="000080"/>
+                </a:solidFill>
+                <a:latin typeface="Futura" pitchFamily="16" charset="0"/>
+                <a:ea typeface="ＭＳ Ｐゴシック" pitchFamily="1" charset="-128"/>
+                <a:cs typeface="ＭＳ Ｐゴシック"/>
+              </a:defRPr>
+            </a:lvl5pPr>
+            <a:lvl6pPr marL="457200" algn="ctr" rtl="0" fontAlgn="base">
+              <a:spcBef>
+                <a:spcPct val="0"/>
+              </a:spcBef>
+              <a:spcAft>
+                <a:spcPct val="0"/>
+              </a:spcAft>
+              <a:defRPr kumimoji="1" sz="3200">
+                <a:solidFill>
+                  <a:srgbClr val="000080"/>
+                </a:solidFill>
+                <a:latin typeface="Futura" pitchFamily="16" charset="0"/>
+                <a:ea typeface="ＭＳ Ｐゴシック" pitchFamily="1" charset="-128"/>
+              </a:defRPr>
+            </a:lvl6pPr>
+            <a:lvl7pPr marL="914400" algn="ctr" rtl="0" fontAlgn="base">
+              <a:spcBef>
+                <a:spcPct val="0"/>
+              </a:spcBef>
+              <a:spcAft>
+                <a:spcPct val="0"/>
+              </a:spcAft>
+              <a:defRPr kumimoji="1" sz="3200">
+                <a:solidFill>
+                  <a:srgbClr val="000080"/>
+                </a:solidFill>
+                <a:latin typeface="Futura" pitchFamily="16" charset="0"/>
+                <a:ea typeface="ＭＳ Ｐゴシック" pitchFamily="1" charset="-128"/>
+              </a:defRPr>
+            </a:lvl7pPr>
+            <a:lvl8pPr marL="1371600" algn="ctr" rtl="0" fontAlgn="base">
+              <a:spcBef>
+                <a:spcPct val="0"/>
+              </a:spcBef>
+              <a:spcAft>
+                <a:spcPct val="0"/>
+              </a:spcAft>
+              <a:defRPr kumimoji="1" sz="3200">
+                <a:solidFill>
+                  <a:srgbClr val="000080"/>
+                </a:solidFill>
+                <a:latin typeface="Futura" pitchFamily="16" charset="0"/>
+                <a:ea typeface="ＭＳ Ｐゴシック" pitchFamily="1" charset="-128"/>
+              </a:defRPr>
+            </a:lvl8pPr>
+            <a:lvl9pPr marL="1828800" algn="ctr" rtl="0" fontAlgn="base">
+              <a:spcBef>
+                <a:spcPct val="0"/>
+              </a:spcBef>
+              <a:spcAft>
+                <a:spcPct val="0"/>
+              </a:spcAft>
+              <a:defRPr kumimoji="1" sz="3200">
+                <a:solidFill>
+                  <a:srgbClr val="000080"/>
+                </a:solidFill>
+                <a:latin typeface="Futura" pitchFamily="16" charset="0"/>
+                <a:ea typeface="ＭＳ Ｐゴシック" pitchFamily="1" charset="-128"/>
+              </a:defRPr>
+            </a:lvl9pPr>
+          </a:lstStyle>
+          <a:p>
+            <a:r>
+              <a:rPr lang="en-US" sz="1600" dirty="0" smtClean="0">
+                <a:latin typeface="+mn-lt"/>
+              </a:rPr>
+              <a:t>Other Campus Infrastructures (from </a:t>
+            </a:r>
+            <a:r>
+              <a:rPr lang="en-US" sz="1600" u="sng" dirty="0">
+                <a:latin typeface="+mn-lt"/>
+              </a:rPr>
+              <a:t>https://www.opensciencegrid.org/bin/view/CampusGrids/</a:t>
+            </a:r>
+            <a:r>
+              <a:rPr lang="en-US" sz="1600" u="sng" dirty="0" err="1" smtClean="0">
+                <a:latin typeface="+mn-lt"/>
+              </a:rPr>
+              <a:t>DeployedCampusInfrastr</a:t>
+            </a:r>
+            <a:r>
+              <a:rPr lang="en-US" sz="1600" dirty="0" err="1" smtClean="0">
+                <a:latin typeface="+mn-lt"/>
+              </a:rPr>
+              <a:t>uctures</a:t>
+            </a:r>
+            <a:r>
+              <a:rPr lang="en-US" sz="1600" dirty="0" smtClean="0">
+                <a:latin typeface="+mn-lt"/>
+              </a:rPr>
+              <a:t>)</a:t>
+            </a:r>
+            <a:endParaRPr lang="en-US" sz="1600" dirty="0">
+              <a:latin typeface="+mn-lt"/>
+            </a:endParaRPr>
+          </a:p>
+        </p:txBody>
+      </p:sp>
+      <p:sp>
+        <p:nvSpPr>
+          <p:cNvPr id="8" name="Content Placeholder 3"/>
+          <p:cNvSpPr txBox="1">
+            <a:spLocks/>
+          </p:cNvSpPr>
+          <p:nvPr/>
+        </p:nvSpPr>
+        <p:spPr>
+          <a:xfrm>
+            <a:off x="6134100" y="1384299"/>
+            <a:ext cx="2654300" cy="2146301"/>
+          </a:xfrm>
+          <a:prstGeom prst="rect">
+            <a:avLst/>
+          </a:prstGeom>
+        </p:spPr>
+        <p:txBody>
+          <a:bodyPr numCol="1"/>
+          <a:lstStyle>
+            <a:lvl1pPr marL="342900" indent="-342900" algn="l" rtl="0" eaLnBrk="0" fontAlgn="base" hangingPunct="0">
+              <a:spcBef>
+                <a:spcPct val="20000"/>
+              </a:spcBef>
+              <a:spcAft>
+                <a:spcPct val="0"/>
+              </a:spcAft>
+              <a:buClr>
+                <a:srgbClr val="000080"/>
+              </a:buClr>
+              <a:buFont typeface="Times"/>
+              <a:buChar char="•"/>
+              <a:defRPr kumimoji="1" sz="2400">
+                <a:solidFill>
+                  <a:schemeClr val="tx2"/>
+                </a:solidFill>
+                <a:latin typeface="+mn-lt"/>
+                <a:ea typeface="+mn-ea"/>
+                <a:cs typeface="ＭＳ Ｐゴシック"/>
+              </a:defRPr>
+            </a:lvl1pPr>
+            <a:lvl2pPr marL="742950" indent="-285750" algn="l" rtl="0" eaLnBrk="0" fontAlgn="base" hangingPunct="0">
+              <a:spcBef>
+                <a:spcPct val="20000"/>
+              </a:spcBef>
+              <a:spcAft>
+                <a:spcPct val="0"/>
+              </a:spcAft>
+              <a:buClr>
+                <a:srgbClr val="3C0000"/>
+              </a:buClr>
+              <a:buFont typeface="Symbol" pitchFamily="18" charset="2"/>
+              <a:buChar char=""/>
+              <a:defRPr kumimoji="1" sz="2400">
+                <a:solidFill>
+                  <a:srgbClr val="630000"/>
+                </a:solidFill>
+                <a:latin typeface="+mn-lt"/>
+                <a:ea typeface="+mn-ea"/>
+                <a:cs typeface="ＭＳ Ｐゴシック"/>
+              </a:defRPr>
+            </a:lvl2pPr>
+            <a:lvl3pPr marL="1143000" indent="-228600" algn="l" rtl="0" eaLnBrk="0" fontAlgn="base" hangingPunct="0">
+              <a:spcBef>
+                <a:spcPct val="20000"/>
+              </a:spcBef>
+              <a:spcAft>
+                <a:spcPct val="0"/>
+              </a:spcAft>
+              <a:buClr>
+                <a:srgbClr val="3C0000"/>
+              </a:buClr>
+              <a:buFont typeface="Wingdings" pitchFamily="2" charset="2"/>
+              <a:buChar char="§"/>
+              <a:defRPr kumimoji="1" sz="2400">
+                <a:solidFill>
+                  <a:schemeClr val="tx2"/>
+                </a:solidFill>
+                <a:latin typeface="+mn-lt"/>
+                <a:ea typeface="+mn-ea"/>
+                <a:cs typeface="ＭＳ Ｐゴシック"/>
+              </a:defRPr>
+            </a:lvl3pPr>
+            <a:lvl4pPr marL="1600200" indent="-228600" algn="l" rtl="0" eaLnBrk="0" fontAlgn="base" hangingPunct="0">
+              <a:spcBef>
+                <a:spcPct val="20000"/>
+              </a:spcBef>
+              <a:spcAft>
+                <a:spcPct val="0"/>
+              </a:spcAft>
+              <a:buClr>
+                <a:srgbClr val="3C0000"/>
+              </a:buClr>
+              <a:buFont typeface="Wingdings" pitchFamily="2" charset="2"/>
+              <a:buChar char=""/>
+              <a:defRPr kumimoji="1" sz="2000">
+                <a:solidFill>
+                  <a:schemeClr val="tx2"/>
+                </a:solidFill>
+                <a:latin typeface="+mn-lt"/>
+                <a:ea typeface="+mn-ea"/>
+                <a:cs typeface="ＭＳ Ｐゴシック"/>
+              </a:defRPr>
+            </a:lvl4pPr>
+            <a:lvl5pPr marL="2057400" indent="-228600" algn="l" rtl="0" eaLnBrk="0" fontAlgn="base" hangingPunct="0">
+              <a:spcBef>
+                <a:spcPct val="20000"/>
+              </a:spcBef>
+              <a:spcAft>
+                <a:spcPct val="0"/>
+              </a:spcAft>
+              <a:buClr>
+                <a:srgbClr val="3C0000"/>
+              </a:buClr>
+              <a:buFont typeface="Wingdings" pitchFamily="2" charset="2"/>
+              <a:buChar char=""/>
+              <a:defRPr kumimoji="1" sz="2000">
+                <a:solidFill>
+                  <a:schemeClr val="tx2"/>
+                </a:solidFill>
+                <a:latin typeface="+mn-lt"/>
+                <a:ea typeface="+mn-ea"/>
+                <a:cs typeface="ＭＳ Ｐゴシック"/>
+              </a:defRPr>
+            </a:lvl5pPr>
+            <a:lvl6pPr marL="2514600" indent="-228600" algn="l" rtl="0" fontAlgn="base">
+              <a:spcBef>
+                <a:spcPct val="20000"/>
+              </a:spcBef>
+              <a:spcAft>
+                <a:spcPct val="0"/>
+              </a:spcAft>
+              <a:buClr>
+                <a:srgbClr val="3C0000"/>
+              </a:buClr>
+              <a:buFont typeface="Wingdings" pitchFamily="2" charset="2"/>
+              <a:buChar char=""/>
+              <a:defRPr kumimoji="1" sz="2000">
+                <a:solidFill>
+                  <a:schemeClr val="tx2"/>
+                </a:solidFill>
+                <a:latin typeface="+mn-lt"/>
+                <a:ea typeface="+mn-ea"/>
+              </a:defRPr>
+            </a:lvl6pPr>
+            <a:lvl7pPr marL="2971800" indent="-228600" algn="l" rtl="0" fontAlgn="base">
+              <a:spcBef>
+                <a:spcPct val="20000"/>
+              </a:spcBef>
+              <a:spcAft>
+                <a:spcPct val="0"/>
+              </a:spcAft>
+              <a:buClr>
+                <a:srgbClr val="3C0000"/>
+              </a:buClr>
+              <a:buFont typeface="Wingdings" pitchFamily="2" charset="2"/>
+              <a:buChar char=""/>
+              <a:defRPr kumimoji="1" sz="2000">
+                <a:solidFill>
+                  <a:schemeClr val="tx2"/>
+                </a:solidFill>
+                <a:latin typeface="+mn-lt"/>
+                <a:ea typeface="+mn-ea"/>
+              </a:defRPr>
+            </a:lvl7pPr>
+            <a:lvl8pPr marL="3429000" indent="-228600" algn="l" rtl="0" fontAlgn="base">
+              <a:spcBef>
+                <a:spcPct val="20000"/>
+              </a:spcBef>
+              <a:spcAft>
+                <a:spcPct val="0"/>
+              </a:spcAft>
+              <a:buClr>
+                <a:srgbClr val="3C0000"/>
+              </a:buClr>
+              <a:buFont typeface="Wingdings" pitchFamily="2" charset="2"/>
+              <a:buChar char=""/>
+              <a:defRPr kumimoji="1" sz="2000">
+                <a:solidFill>
+                  <a:schemeClr val="tx2"/>
+                </a:solidFill>
+                <a:latin typeface="+mn-lt"/>
+                <a:ea typeface="+mn-ea"/>
+              </a:defRPr>
+            </a:lvl8pPr>
+            <a:lvl9pPr marL="3886200" indent="-228600" algn="l" rtl="0" fontAlgn="base">
+              <a:spcBef>
+                <a:spcPct val="20000"/>
+              </a:spcBef>
+              <a:spcAft>
+                <a:spcPct val="0"/>
+              </a:spcAft>
+              <a:buClr>
+                <a:srgbClr val="3C0000"/>
+              </a:buClr>
+              <a:buFont typeface="Wingdings" pitchFamily="2" charset="2"/>
+              <a:buChar char=""/>
+              <a:defRPr kumimoji="1" sz="2000">
+                <a:solidFill>
+                  <a:schemeClr val="tx2"/>
+                </a:solidFill>
+                <a:latin typeface="+mn-lt"/>
+                <a:ea typeface="+mn-ea"/>
+              </a:defRPr>
+            </a:lvl9pPr>
+          </a:lstStyle>
+          <a:p>
+            <a:pPr marL="0" indent="0">
+              <a:buFont typeface="Times"/>
+              <a:buNone/>
+            </a:pPr>
+            <a:r>
+              <a:rPr lang="en-US" sz="2000" dirty="0" smtClean="0"/>
+              <a:t> </a:t>
+            </a:r>
+            <a:r>
+              <a:rPr lang="en-US" sz="2000" dirty="0" smtClean="0"/>
+              <a:t>UCSD</a:t>
+            </a:r>
+          </a:p>
+          <a:p>
+            <a:pPr marL="0" indent="0">
+              <a:buFont typeface="Times"/>
+              <a:buNone/>
+            </a:pPr>
+            <a:r>
+              <a:rPr lang="en-US" sz="2000" dirty="0" smtClean="0"/>
+              <a:t>Purdue</a:t>
+            </a:r>
+          </a:p>
+          <a:p>
+            <a:pPr marL="0" indent="0">
+              <a:buFont typeface="Times"/>
+              <a:buNone/>
+            </a:pPr>
+            <a:r>
+              <a:rPr lang="en-US" sz="2000" dirty="0" smtClean="0"/>
+              <a:t>Virginia Tech</a:t>
+            </a:r>
+          </a:p>
+          <a:p>
+            <a:pPr marL="0" indent="0">
+              <a:buFont typeface="Times"/>
+              <a:buNone/>
+            </a:pPr>
+            <a:endParaRPr lang="en-US" sz="2000" dirty="0" smtClean="0"/>
+          </a:p>
+          <a:p>
+            <a:pPr marL="0" indent="0">
+              <a:buFont typeface="Times"/>
+              <a:buNone/>
+            </a:pPr>
+            <a:endParaRPr lang="en-US" sz="2000" dirty="0" err="1" smtClean="0"/>
+          </a:p>
+        </p:txBody>
+      </p:sp>
+      <p:sp>
+        <p:nvSpPr>
+          <p:cNvPr id="9" name="Title 1"/>
+          <p:cNvSpPr txBox="1">
+            <a:spLocks/>
+          </p:cNvSpPr>
+          <p:nvPr/>
+        </p:nvSpPr>
+        <p:spPr bwMode="auto">
+          <a:xfrm>
+            <a:off x="2730500" y="2489200"/>
+            <a:ext cx="2667000" cy="1143000"/>
+          </a:xfrm>
+          <a:prstGeom prst="rect">
+            <a:avLst/>
+          </a:prstGeom>
+          <a:noFill/>
+          <a:ln w="9525">
+            <a:noFill/>
+            <a:miter lim="800000"/>
+            <a:headEnd/>
+            <a:tailEnd/>
+          </a:ln>
+        </p:spPr>
+        <p:txBody>
+          <a:bodyPr vert="horz" wrap="square" lIns="91440" tIns="45720" rIns="91440" bIns="45720" numCol="1" anchor="ctr" anchorCtr="0" compatLnSpc="1">
+            <a:prstTxWarp prst="textNoShape">
+              <a:avLst/>
+            </a:prstTxWarp>
+          </a:bodyPr>
+          <a:lstStyle>
+            <a:lvl1pPr algn="ctr" rtl="0" eaLnBrk="0" fontAlgn="base" hangingPunct="0">
+              <a:spcBef>
+                <a:spcPct val="0"/>
+              </a:spcBef>
+              <a:spcAft>
+                <a:spcPct val="0"/>
+              </a:spcAft>
+              <a:defRPr kumimoji="1" sz="3200">
+                <a:solidFill>
+                  <a:srgbClr val="000080"/>
+                </a:solidFill>
+                <a:latin typeface="+mj-lt"/>
+                <a:ea typeface="+mj-ea"/>
+                <a:cs typeface="ＭＳ Ｐゴシック"/>
+              </a:defRPr>
+            </a:lvl1pPr>
+            <a:lvl2pPr algn="ctr" rtl="0" eaLnBrk="0" fontAlgn="base" hangingPunct="0">
+              <a:spcBef>
+                <a:spcPct val="0"/>
+              </a:spcBef>
+              <a:spcAft>
+                <a:spcPct val="0"/>
+              </a:spcAft>
+              <a:defRPr kumimoji="1" sz="3200">
+                <a:solidFill>
+                  <a:srgbClr val="000080"/>
+                </a:solidFill>
+                <a:latin typeface="Futura" pitchFamily="16" charset="0"/>
+                <a:ea typeface="ＭＳ Ｐゴシック" pitchFamily="1" charset="-128"/>
+                <a:cs typeface="ＭＳ Ｐゴシック"/>
+              </a:defRPr>
+            </a:lvl2pPr>
+            <a:lvl3pPr algn="ctr" rtl="0" eaLnBrk="0" fontAlgn="base" hangingPunct="0">
+              <a:spcBef>
+                <a:spcPct val="0"/>
+              </a:spcBef>
+              <a:spcAft>
+                <a:spcPct val="0"/>
+              </a:spcAft>
+              <a:defRPr kumimoji="1" sz="3200">
+                <a:solidFill>
+                  <a:srgbClr val="000080"/>
+                </a:solidFill>
+                <a:latin typeface="Futura" pitchFamily="16" charset="0"/>
+                <a:ea typeface="ＭＳ Ｐゴシック" pitchFamily="1" charset="-128"/>
+                <a:cs typeface="ＭＳ Ｐゴシック"/>
+              </a:defRPr>
+            </a:lvl3pPr>
+            <a:lvl4pPr algn="ctr" rtl="0" eaLnBrk="0" fontAlgn="base" hangingPunct="0">
+              <a:spcBef>
+                <a:spcPct val="0"/>
+              </a:spcBef>
+              <a:spcAft>
+                <a:spcPct val="0"/>
+              </a:spcAft>
+              <a:defRPr kumimoji="1" sz="3200">
+                <a:solidFill>
+                  <a:srgbClr val="000080"/>
+                </a:solidFill>
+                <a:latin typeface="Futura" pitchFamily="16" charset="0"/>
+                <a:ea typeface="ＭＳ Ｐゴシック" pitchFamily="1" charset="-128"/>
+                <a:cs typeface="ＭＳ Ｐゴシック"/>
+              </a:defRPr>
+            </a:lvl4pPr>
+            <a:lvl5pPr algn="ctr" rtl="0" eaLnBrk="0" fontAlgn="base" hangingPunct="0">
+              <a:spcBef>
+                <a:spcPct val="0"/>
+              </a:spcBef>
+              <a:spcAft>
+                <a:spcPct val="0"/>
+              </a:spcAft>
+              <a:defRPr kumimoji="1" sz="3200">
+                <a:solidFill>
+                  <a:srgbClr val="000080"/>
+                </a:solidFill>
+                <a:latin typeface="Futura" pitchFamily="16" charset="0"/>
+                <a:ea typeface="ＭＳ Ｐゴシック" pitchFamily="1" charset="-128"/>
+                <a:cs typeface="ＭＳ Ｐゴシック"/>
+              </a:defRPr>
+            </a:lvl5pPr>
+            <a:lvl6pPr marL="457200" algn="ctr" rtl="0" fontAlgn="base">
+              <a:spcBef>
+                <a:spcPct val="0"/>
+              </a:spcBef>
+              <a:spcAft>
+                <a:spcPct val="0"/>
+              </a:spcAft>
+              <a:defRPr kumimoji="1" sz="3200">
+                <a:solidFill>
+                  <a:srgbClr val="000080"/>
+                </a:solidFill>
+                <a:latin typeface="Futura" pitchFamily="16" charset="0"/>
+                <a:ea typeface="ＭＳ Ｐゴシック" pitchFamily="1" charset="-128"/>
+              </a:defRPr>
+            </a:lvl6pPr>
+            <a:lvl7pPr marL="914400" algn="ctr" rtl="0" fontAlgn="base">
+              <a:spcBef>
+                <a:spcPct val="0"/>
+              </a:spcBef>
+              <a:spcAft>
+                <a:spcPct val="0"/>
+              </a:spcAft>
+              <a:defRPr kumimoji="1" sz="3200">
+                <a:solidFill>
+                  <a:srgbClr val="000080"/>
+                </a:solidFill>
+                <a:latin typeface="Futura" pitchFamily="16" charset="0"/>
+                <a:ea typeface="ＭＳ Ｐゴシック" pitchFamily="1" charset="-128"/>
+              </a:defRPr>
+            </a:lvl7pPr>
+            <a:lvl8pPr marL="1371600" algn="ctr" rtl="0" fontAlgn="base">
+              <a:spcBef>
+                <a:spcPct val="0"/>
+              </a:spcBef>
+              <a:spcAft>
+                <a:spcPct val="0"/>
+              </a:spcAft>
+              <a:defRPr kumimoji="1" sz="3200">
+                <a:solidFill>
+                  <a:srgbClr val="000080"/>
+                </a:solidFill>
+                <a:latin typeface="Futura" pitchFamily="16" charset="0"/>
+                <a:ea typeface="ＭＳ Ｐゴシック" pitchFamily="1" charset="-128"/>
+              </a:defRPr>
+            </a:lvl8pPr>
+            <a:lvl9pPr marL="1828800" algn="ctr" rtl="0" fontAlgn="base">
+              <a:spcBef>
+                <a:spcPct val="0"/>
+              </a:spcBef>
+              <a:spcAft>
+                <a:spcPct val="0"/>
+              </a:spcAft>
+              <a:defRPr kumimoji="1" sz="3200">
+                <a:solidFill>
+                  <a:srgbClr val="000080"/>
+                </a:solidFill>
+                <a:latin typeface="Futura" pitchFamily="16" charset="0"/>
+                <a:ea typeface="ＭＳ Ｐゴシック" pitchFamily="1" charset="-128"/>
+              </a:defRPr>
+            </a:lvl9pPr>
+          </a:lstStyle>
+          <a:p>
+            <a:pPr algn="l"/>
+            <a:r>
+              <a:rPr lang="en-US" sz="1600" dirty="0" smtClean="0">
+                <a:latin typeface="+mn-lt"/>
+              </a:rPr>
+              <a:t>Removed: communities on council already,  Fermilab-local communities (to date), OSG “owned” VOs,</a:t>
+            </a:r>
+            <a:br>
+              <a:rPr lang="en-US" sz="1600" dirty="0" smtClean="0">
+                <a:latin typeface="+mn-lt"/>
+              </a:rPr>
+            </a:br>
+            <a:endParaRPr lang="en-US" sz="1600" dirty="0">
+              <a:latin typeface="+mn-lt"/>
+            </a:endParaRPr>
+          </a:p>
+        </p:txBody>
+      </p:sp>
+    </p:spTree>
+    <p:extLst>
+      <p:ext uri="{BB962C8B-B14F-4D97-AF65-F5344CB8AC3E}">
+        <p14:creationId xmlns:p14="http://schemas.microsoft.com/office/powerpoint/2010/main" val="442103833"/>
+      </p:ext>
+    </p:extLst>
+  </p:cSld>
+  <p:clrMapOvr>
+    <a:masterClrMapping/>
+  </p:clrMapOvr>
+  <p:timing>
+    <p:tnLst>
+      <p:par>
+        <p:cTn xmlns:p14="http://schemas.microsoft.com/office/powerpoint/2010/main" id="1" dur="indefinite" restart="never" nodeType="tmRoot"/>
+      </p:par>
+    </p:tnLst>
+  </p:timing>
+</p:sld>
+</file>
+
+<file path=ppt/slides/slide15.xml><?xml version="1.0" encoding="utf-8"?>
+<p:sld xmlns:a="http://schemas.openxmlformats.org/drawingml/2006/main" xmlns:r="http://schemas.openxmlformats.org/officeDocument/2006/relationships" xmlns:p="http://schemas.openxmlformats.org/presentationml/2006/main">
+  <p:cSld>
+    <p:spTree>
+      <p:nvGrpSpPr>
+        <p:cNvPr id="1" name=""/>
+        <p:cNvGrpSpPr/>
+        <p:nvPr/>
+      </p:nvGrpSpPr>
+      <p:grpSpPr>
+        <a:xfrm>
+          <a:off x="0" y="0"/>
+          <a:ext cx="0" cy="0"/>
+          <a:chOff x="0" y="0"/>
+          <a:chExt cx="0" cy="0"/>
+        </a:xfrm>
+      </p:grpSpPr>
+      <p:sp>
+        <p:nvSpPr>
+          <p:cNvPr id="2" name="Title 1"/>
+          <p:cNvSpPr>
+            <a:spLocks noGrp="1"/>
+          </p:cNvSpPr>
+          <p:nvPr>
+            <p:ph type="title"/>
+          </p:nvPr>
+        </p:nvSpPr>
+        <p:spPr>
+          <a:xfrm>
+            <a:off x="685800" y="0"/>
+            <a:ext cx="8051800" cy="1143000"/>
+          </a:xfrm>
+        </p:spPr>
+        <p:txBody>
+          <a:bodyPr/>
+          <a:lstStyle/>
+          <a:p>
+            <a:r>
+              <a:rPr lang="en-US" dirty="0" smtClean="0"/>
+              <a:t>Strategy of Satellites and Docked Projects Remains</a:t>
+            </a:r>
+            <a:endParaRPr lang="en-US" dirty="0"/>
+          </a:p>
+        </p:txBody>
+      </p:sp>
+      <p:sp>
+        <p:nvSpPr>
+          <p:cNvPr id="3" name="Slide Number Placeholder 2"/>
+          <p:cNvSpPr>
+            <a:spLocks noGrp="1"/>
+          </p:cNvSpPr>
+          <p:nvPr>
+            <p:ph type="sldNum" sz="quarter" idx="10"/>
+          </p:nvPr>
+        </p:nvSpPr>
+        <p:spPr/>
+        <p:txBody>
+          <a:bodyPr/>
+          <a:lstStyle/>
+          <a:p>
+            <a:pPr>
+              <a:defRPr/>
+            </a:pPr>
+            <a:fld id="{B986FEBC-FC0F-4EF3-B2AF-DFF52BFA3FE4}" type="slidenum">
+              <a:rPr lang="en-US" smtClean="0"/>
+              <a:pPr>
+                <a:defRPr/>
+              </a:pPr>
+              <a:t>15</a:t>
             </a:fld>
             <a:endParaRPr lang="en-US" dirty="0"/>
           </a:p>
@@ -6777,7 +10192,7 @@
 </p:sld>
 </file>
 
-<file path=ppt/slides/slide15.xml><?xml version="1.0" encoding="utf-8"?>
+<file path=ppt/slides/slide16.xml><?xml version="1.0" encoding="utf-8"?>
 <p:sld xmlns:a="http://schemas.openxmlformats.org/drawingml/2006/main" xmlns:r="http://schemas.openxmlformats.org/officeDocument/2006/relationships" xmlns:p="http://schemas.openxmlformats.org/presentationml/2006/main">
   <p:cSld>
     <p:spTree>
@@ -7423,7 +10838,7 @@
                 <a:latin typeface="Calibri"/>
               </a:rPr>
               <a:pPr/>
-              <a:t>15</a:t>
+              <a:t>16</a:t>
             </a:fld>
             <a:endParaRPr lang="en-US">
               <a:solidFill>
@@ -8689,7 +12104,7 @@
 </p:sld>
 </file>
 
-<file path=ppt/slides/slide16.xml><?xml version="1.0" encoding="utf-8"?>
+<file path=ppt/slides/slide17.xml><?xml version="1.0" encoding="utf-8"?>
 <p:sld xmlns:a="http://schemas.openxmlformats.org/drawingml/2006/main" xmlns:r="http://schemas.openxmlformats.org/officeDocument/2006/relationships" xmlns:p="http://schemas.openxmlformats.org/presentationml/2006/main">
   <p:cSld>
     <p:spTree>
@@ -8850,7 +12265,7 @@
               <a:pPr>
                 <a:defRPr/>
               </a:pPr>
-              <a:t>16</a:t>
+              <a:t>17</a:t>
             </a:fld>
             <a:endParaRPr lang="en-US" dirty="0"/>
           </a:p>
@@ -9968,8 +13383,8 @@
         </p:nvSpPr>
         <p:spPr bwMode="auto">
           <a:xfrm>
-            <a:off x="2912826" y="5765744"/>
-            <a:ext cx="463216" cy="546099"/>
+            <a:off x="3670300" y="4597400"/>
+            <a:ext cx="378842" cy="634943"/>
           </a:xfrm>
           <a:prstGeom prst="rect">
             <a:avLst/>
@@ -10445,478 +13860,6 @@
       </p:sp>
       <p:sp>
         <p:nvSpPr>
-          <p:cNvPr id="8" name="Content Placeholder 2"/>
-          <p:cNvSpPr txBox="1">
-            <a:spLocks/>
-          </p:cNvSpPr>
-          <p:nvPr/>
-        </p:nvSpPr>
-        <p:spPr bwMode="auto">
-          <a:xfrm>
-            <a:off x="1040252" y="2379632"/>
-            <a:ext cx="463216" cy="546099"/>
-          </a:xfrm>
-          <a:prstGeom prst="rect">
-            <a:avLst/>
-          </a:prstGeom>
-          <a:noFill/>
-          <a:ln w="9525">
-            <a:noFill/>
-            <a:miter lim="800000"/>
-            <a:headEnd/>
-            <a:tailEnd/>
-          </a:ln>
-        </p:spPr>
-        <p:txBody>
-          <a:bodyPr vert="horz" wrap="square" lIns="91440" tIns="45720" rIns="91440" bIns="45720" numCol="1" anchor="t" anchorCtr="0" compatLnSpc="1">
-            <a:prstTxWarp prst="textNoShape">
-              <a:avLst/>
-            </a:prstTxWarp>
-            <a:normAutofit/>
-          </a:bodyPr>
-          <a:lstStyle>
-            <a:lvl1pPr marL="342900" indent="-342900" algn="l" rtl="0" eaLnBrk="0" fontAlgn="base" hangingPunct="0">
-              <a:spcBef>
-                <a:spcPct val="20000"/>
-              </a:spcBef>
-              <a:spcAft>
-                <a:spcPct val="0"/>
-              </a:spcAft>
-              <a:buClr>
-                <a:srgbClr val="000080"/>
-              </a:buClr>
-              <a:buFont typeface="Times"/>
-              <a:buChar char="•"/>
-              <a:defRPr kumimoji="1" sz="2400">
-                <a:solidFill>
-                  <a:schemeClr val="tx2"/>
-                </a:solidFill>
-                <a:latin typeface="+mn-lt"/>
-                <a:ea typeface="+mn-ea"/>
-                <a:cs typeface="ＭＳ Ｐゴシック"/>
-              </a:defRPr>
-            </a:lvl1pPr>
-            <a:lvl2pPr marL="742950" indent="-285750" algn="l" rtl="0" eaLnBrk="0" fontAlgn="base" hangingPunct="0">
-              <a:spcBef>
-                <a:spcPct val="20000"/>
-              </a:spcBef>
-              <a:spcAft>
-                <a:spcPct val="0"/>
-              </a:spcAft>
-              <a:buClr>
-                <a:srgbClr val="3C0000"/>
-              </a:buClr>
-              <a:buFont typeface="Symbol" pitchFamily="18" charset="2"/>
-              <a:buChar char=""/>
-              <a:defRPr kumimoji="1" sz="2400">
-                <a:solidFill>
-                  <a:srgbClr val="630000"/>
-                </a:solidFill>
-                <a:latin typeface="+mn-lt"/>
-                <a:ea typeface="+mn-ea"/>
-                <a:cs typeface="ＭＳ Ｐゴシック"/>
-              </a:defRPr>
-            </a:lvl2pPr>
-            <a:lvl3pPr marL="1143000" indent="-228600" algn="l" rtl="0" eaLnBrk="0" fontAlgn="base" hangingPunct="0">
-              <a:spcBef>
-                <a:spcPct val="20000"/>
-              </a:spcBef>
-              <a:spcAft>
-                <a:spcPct val="0"/>
-              </a:spcAft>
-              <a:buClr>
-                <a:srgbClr val="3C0000"/>
-              </a:buClr>
-              <a:buFont typeface="Wingdings" pitchFamily="2" charset="2"/>
-              <a:buChar char="§"/>
-              <a:defRPr kumimoji="1" sz="2400">
-                <a:solidFill>
-                  <a:schemeClr val="tx2"/>
-                </a:solidFill>
-                <a:latin typeface="+mn-lt"/>
-                <a:ea typeface="+mn-ea"/>
-                <a:cs typeface="ＭＳ Ｐゴシック"/>
-              </a:defRPr>
-            </a:lvl3pPr>
-            <a:lvl4pPr marL="1600200" indent="-228600" algn="l" rtl="0" eaLnBrk="0" fontAlgn="base" hangingPunct="0">
-              <a:spcBef>
-                <a:spcPct val="20000"/>
-              </a:spcBef>
-              <a:spcAft>
-                <a:spcPct val="0"/>
-              </a:spcAft>
-              <a:buClr>
-                <a:srgbClr val="3C0000"/>
-              </a:buClr>
-              <a:buFont typeface="Wingdings" pitchFamily="2" charset="2"/>
-              <a:buChar char=""/>
-              <a:defRPr kumimoji="1" sz="2000">
-                <a:solidFill>
-                  <a:schemeClr val="tx2"/>
-                </a:solidFill>
-                <a:latin typeface="+mn-lt"/>
-                <a:ea typeface="+mn-ea"/>
-                <a:cs typeface="ＭＳ Ｐゴシック"/>
-              </a:defRPr>
-            </a:lvl4pPr>
-            <a:lvl5pPr marL="2057400" indent="-228600" algn="l" rtl="0" eaLnBrk="0" fontAlgn="base" hangingPunct="0">
-              <a:spcBef>
-                <a:spcPct val="20000"/>
-              </a:spcBef>
-              <a:spcAft>
-                <a:spcPct val="0"/>
-              </a:spcAft>
-              <a:buClr>
-                <a:srgbClr val="3C0000"/>
-              </a:buClr>
-              <a:buFont typeface="Wingdings" pitchFamily="2" charset="2"/>
-              <a:buChar char=""/>
-              <a:defRPr kumimoji="1" sz="2000">
-                <a:solidFill>
-                  <a:schemeClr val="tx2"/>
-                </a:solidFill>
-                <a:latin typeface="+mn-lt"/>
-                <a:ea typeface="+mn-ea"/>
-                <a:cs typeface="ＭＳ Ｐゴシック"/>
-              </a:defRPr>
-            </a:lvl5pPr>
-            <a:lvl6pPr marL="2514600" indent="-228600" algn="l" rtl="0" fontAlgn="base">
-              <a:spcBef>
-                <a:spcPct val="20000"/>
-              </a:spcBef>
-              <a:spcAft>
-                <a:spcPct val="0"/>
-              </a:spcAft>
-              <a:buClr>
-                <a:srgbClr val="3C0000"/>
-              </a:buClr>
-              <a:buFont typeface="Wingdings" pitchFamily="2" charset="2"/>
-              <a:buChar char=""/>
-              <a:defRPr kumimoji="1" sz="2000">
-                <a:solidFill>
-                  <a:schemeClr val="tx2"/>
-                </a:solidFill>
-                <a:latin typeface="+mn-lt"/>
-                <a:ea typeface="+mn-ea"/>
-              </a:defRPr>
-            </a:lvl6pPr>
-            <a:lvl7pPr marL="2971800" indent="-228600" algn="l" rtl="0" fontAlgn="base">
-              <a:spcBef>
-                <a:spcPct val="20000"/>
-              </a:spcBef>
-              <a:spcAft>
-                <a:spcPct val="0"/>
-              </a:spcAft>
-              <a:buClr>
-                <a:srgbClr val="3C0000"/>
-              </a:buClr>
-              <a:buFont typeface="Wingdings" pitchFamily="2" charset="2"/>
-              <a:buChar char=""/>
-              <a:defRPr kumimoji="1" sz="2000">
-                <a:solidFill>
-                  <a:schemeClr val="tx2"/>
-                </a:solidFill>
-                <a:latin typeface="+mn-lt"/>
-                <a:ea typeface="+mn-ea"/>
-              </a:defRPr>
-            </a:lvl7pPr>
-            <a:lvl8pPr marL="3429000" indent="-228600" algn="l" rtl="0" fontAlgn="base">
-              <a:spcBef>
-                <a:spcPct val="20000"/>
-              </a:spcBef>
-              <a:spcAft>
-                <a:spcPct val="0"/>
-              </a:spcAft>
-              <a:buClr>
-                <a:srgbClr val="3C0000"/>
-              </a:buClr>
-              <a:buFont typeface="Wingdings" pitchFamily="2" charset="2"/>
-              <a:buChar char=""/>
-              <a:defRPr kumimoji="1" sz="2000">
-                <a:solidFill>
-                  <a:schemeClr val="tx2"/>
-                </a:solidFill>
-                <a:latin typeface="+mn-lt"/>
-                <a:ea typeface="+mn-ea"/>
-              </a:defRPr>
-            </a:lvl8pPr>
-            <a:lvl9pPr marL="3886200" indent="-228600" algn="l" rtl="0" fontAlgn="base">
-              <a:spcBef>
-                <a:spcPct val="20000"/>
-              </a:spcBef>
-              <a:spcAft>
-                <a:spcPct val="0"/>
-              </a:spcAft>
-              <a:buClr>
-                <a:srgbClr val="3C0000"/>
-              </a:buClr>
-              <a:buFont typeface="Wingdings" pitchFamily="2" charset="2"/>
-              <a:buChar char=""/>
-              <a:defRPr kumimoji="1" sz="2000">
-                <a:solidFill>
-                  <a:schemeClr val="tx2"/>
-                </a:solidFill>
-                <a:latin typeface="+mn-lt"/>
-                <a:ea typeface="+mn-ea"/>
-              </a:defRPr>
-            </a:lvl9pPr>
-          </a:lstStyle>
-          <a:p>
-            <a:pPr marL="0" indent="0">
-              <a:buFont typeface="Times"/>
-              <a:buNone/>
-            </a:pPr>
-            <a:r>
-              <a:rPr lang="en-US" sz="2800" dirty="0" smtClean="0">
-                <a:solidFill>
-                  <a:srgbClr val="008000"/>
-                </a:solidFill>
-                <a:latin typeface="Arial"/>
-                <a:cs typeface="Arial"/>
-              </a:rPr>
-              <a:t>c</a:t>
-            </a:r>
-          </a:p>
-        </p:txBody>
-      </p:sp>
-      <p:sp>
-        <p:nvSpPr>
-          <p:cNvPr id="9" name="Content Placeholder 2"/>
-          <p:cNvSpPr txBox="1">
-            <a:spLocks/>
-          </p:cNvSpPr>
-          <p:nvPr/>
-        </p:nvSpPr>
-        <p:spPr bwMode="auto">
-          <a:xfrm>
-            <a:off x="1100705" y="3457657"/>
-            <a:ext cx="463216" cy="546099"/>
-          </a:xfrm>
-          <a:prstGeom prst="rect">
-            <a:avLst/>
-          </a:prstGeom>
-          <a:noFill/>
-          <a:ln w="9525">
-            <a:noFill/>
-            <a:miter lim="800000"/>
-            <a:headEnd/>
-            <a:tailEnd/>
-          </a:ln>
-        </p:spPr>
-        <p:txBody>
-          <a:bodyPr vert="horz" wrap="square" lIns="91440" tIns="45720" rIns="91440" bIns="45720" numCol="1" anchor="t" anchorCtr="0" compatLnSpc="1">
-            <a:prstTxWarp prst="textNoShape">
-              <a:avLst/>
-            </a:prstTxWarp>
-            <a:normAutofit/>
-          </a:bodyPr>
-          <a:lstStyle>
-            <a:lvl1pPr marL="342900" indent="-342900" algn="l" rtl="0" eaLnBrk="0" fontAlgn="base" hangingPunct="0">
-              <a:spcBef>
-                <a:spcPct val="20000"/>
-              </a:spcBef>
-              <a:spcAft>
-                <a:spcPct val="0"/>
-              </a:spcAft>
-              <a:buClr>
-                <a:srgbClr val="000080"/>
-              </a:buClr>
-              <a:buFont typeface="Times"/>
-              <a:buChar char="•"/>
-              <a:defRPr kumimoji="1" sz="2400">
-                <a:solidFill>
-                  <a:schemeClr val="tx2"/>
-                </a:solidFill>
-                <a:latin typeface="+mn-lt"/>
-                <a:ea typeface="+mn-ea"/>
-                <a:cs typeface="ＭＳ Ｐゴシック"/>
-              </a:defRPr>
-            </a:lvl1pPr>
-            <a:lvl2pPr marL="742950" indent="-285750" algn="l" rtl="0" eaLnBrk="0" fontAlgn="base" hangingPunct="0">
-              <a:spcBef>
-                <a:spcPct val="20000"/>
-              </a:spcBef>
-              <a:spcAft>
-                <a:spcPct val="0"/>
-              </a:spcAft>
-              <a:buClr>
-                <a:srgbClr val="3C0000"/>
-              </a:buClr>
-              <a:buFont typeface="Symbol" pitchFamily="18" charset="2"/>
-              <a:buChar char=""/>
-              <a:defRPr kumimoji="1" sz="2400">
-                <a:solidFill>
-                  <a:srgbClr val="630000"/>
-                </a:solidFill>
-                <a:latin typeface="+mn-lt"/>
-                <a:ea typeface="+mn-ea"/>
-                <a:cs typeface="ＭＳ Ｐゴシック"/>
-              </a:defRPr>
-            </a:lvl2pPr>
-            <a:lvl3pPr marL="1143000" indent="-228600" algn="l" rtl="0" eaLnBrk="0" fontAlgn="base" hangingPunct="0">
-              <a:spcBef>
-                <a:spcPct val="20000"/>
-              </a:spcBef>
-              <a:spcAft>
-                <a:spcPct val="0"/>
-              </a:spcAft>
-              <a:buClr>
-                <a:srgbClr val="3C0000"/>
-              </a:buClr>
-              <a:buFont typeface="Wingdings" pitchFamily="2" charset="2"/>
-              <a:buChar char="§"/>
-              <a:defRPr kumimoji="1" sz="2400">
-                <a:solidFill>
-                  <a:schemeClr val="tx2"/>
-                </a:solidFill>
-                <a:latin typeface="+mn-lt"/>
-                <a:ea typeface="+mn-ea"/>
-                <a:cs typeface="ＭＳ Ｐゴシック"/>
-              </a:defRPr>
-            </a:lvl3pPr>
-            <a:lvl4pPr marL="1600200" indent="-228600" algn="l" rtl="0" eaLnBrk="0" fontAlgn="base" hangingPunct="0">
-              <a:spcBef>
-                <a:spcPct val="20000"/>
-              </a:spcBef>
-              <a:spcAft>
-                <a:spcPct val="0"/>
-              </a:spcAft>
-              <a:buClr>
-                <a:srgbClr val="3C0000"/>
-              </a:buClr>
-              <a:buFont typeface="Wingdings" pitchFamily="2" charset="2"/>
-              <a:buChar char=""/>
-              <a:defRPr kumimoji="1" sz="2000">
-                <a:solidFill>
-                  <a:schemeClr val="tx2"/>
-                </a:solidFill>
-                <a:latin typeface="+mn-lt"/>
-                <a:ea typeface="+mn-ea"/>
-                <a:cs typeface="ＭＳ Ｐゴシック"/>
-              </a:defRPr>
-            </a:lvl4pPr>
-            <a:lvl5pPr marL="2057400" indent="-228600" algn="l" rtl="0" eaLnBrk="0" fontAlgn="base" hangingPunct="0">
-              <a:spcBef>
-                <a:spcPct val="20000"/>
-              </a:spcBef>
-              <a:spcAft>
-                <a:spcPct val="0"/>
-              </a:spcAft>
-              <a:buClr>
-                <a:srgbClr val="3C0000"/>
-              </a:buClr>
-              <a:buFont typeface="Wingdings" pitchFamily="2" charset="2"/>
-              <a:buChar char=""/>
-              <a:defRPr kumimoji="1" sz="2000">
-                <a:solidFill>
-                  <a:schemeClr val="tx2"/>
-                </a:solidFill>
-                <a:latin typeface="+mn-lt"/>
-                <a:ea typeface="+mn-ea"/>
-                <a:cs typeface="ＭＳ Ｐゴシック"/>
-              </a:defRPr>
-            </a:lvl5pPr>
-            <a:lvl6pPr marL="2514600" indent="-228600" algn="l" rtl="0" fontAlgn="base">
-              <a:spcBef>
-                <a:spcPct val="20000"/>
-              </a:spcBef>
-              <a:spcAft>
-                <a:spcPct val="0"/>
-              </a:spcAft>
-              <a:buClr>
-                <a:srgbClr val="3C0000"/>
-              </a:buClr>
-              <a:buFont typeface="Wingdings" pitchFamily="2" charset="2"/>
-              <a:buChar char=""/>
-              <a:defRPr kumimoji="1" sz="2000">
-                <a:solidFill>
-                  <a:schemeClr val="tx2"/>
-                </a:solidFill>
-                <a:latin typeface="+mn-lt"/>
-                <a:ea typeface="+mn-ea"/>
-              </a:defRPr>
-            </a:lvl6pPr>
-            <a:lvl7pPr marL="2971800" indent="-228600" algn="l" rtl="0" fontAlgn="base">
-              <a:spcBef>
-                <a:spcPct val="20000"/>
-              </a:spcBef>
-              <a:spcAft>
-                <a:spcPct val="0"/>
-              </a:spcAft>
-              <a:buClr>
-                <a:srgbClr val="3C0000"/>
-              </a:buClr>
-              <a:buFont typeface="Wingdings" pitchFamily="2" charset="2"/>
-              <a:buChar char=""/>
-              <a:defRPr kumimoji="1" sz="2000">
-                <a:solidFill>
-                  <a:schemeClr val="tx2"/>
-                </a:solidFill>
-                <a:latin typeface="+mn-lt"/>
-                <a:ea typeface="+mn-ea"/>
-              </a:defRPr>
-            </a:lvl7pPr>
-            <a:lvl8pPr marL="3429000" indent="-228600" algn="l" rtl="0" fontAlgn="base">
-              <a:spcBef>
-                <a:spcPct val="20000"/>
-              </a:spcBef>
-              <a:spcAft>
-                <a:spcPct val="0"/>
-              </a:spcAft>
-              <a:buClr>
-                <a:srgbClr val="3C0000"/>
-              </a:buClr>
-              <a:buFont typeface="Wingdings" pitchFamily="2" charset="2"/>
-              <a:buChar char=""/>
-              <a:defRPr kumimoji="1" sz="2000">
-                <a:solidFill>
-                  <a:schemeClr val="tx2"/>
-                </a:solidFill>
-                <a:latin typeface="+mn-lt"/>
-                <a:ea typeface="+mn-ea"/>
-              </a:defRPr>
-            </a:lvl8pPr>
-            <a:lvl9pPr marL="3886200" indent="-228600" algn="l" rtl="0" fontAlgn="base">
-              <a:spcBef>
-                <a:spcPct val="20000"/>
-              </a:spcBef>
-              <a:spcAft>
-                <a:spcPct val="0"/>
-              </a:spcAft>
-              <a:buClr>
-                <a:srgbClr val="3C0000"/>
-              </a:buClr>
-              <a:buFont typeface="Wingdings" pitchFamily="2" charset="2"/>
-              <a:buChar char=""/>
-              <a:defRPr kumimoji="1" sz="2000">
-                <a:solidFill>
-                  <a:schemeClr val="tx2"/>
-                </a:solidFill>
-                <a:latin typeface="+mn-lt"/>
-                <a:ea typeface="+mn-ea"/>
-              </a:defRPr>
-            </a:lvl9pPr>
-          </a:lstStyle>
-          <a:p>
-            <a:pPr marL="0" indent="0">
-              <a:buFont typeface="Times"/>
-              <a:buNone/>
-            </a:pPr>
-            <a:r>
-              <a:rPr lang="en-US" sz="2800" dirty="0" smtClean="0">
-                <a:solidFill>
-                  <a:srgbClr val="008000"/>
-                </a:solidFill>
-                <a:latin typeface="Arial"/>
-                <a:cs typeface="Arial"/>
-              </a:rPr>
-              <a:t>c</a:t>
-            </a:r>
-          </a:p>
-        </p:txBody>
-      </p:sp>
-      <p:sp>
-        <p:nvSpPr>
           <p:cNvPr id="10" name="Content Placeholder 2"/>
           <p:cNvSpPr txBox="1">
             <a:spLocks/>
@@ -11371,18 +14314,16 @@
           </a:lstStyle>
           <a:p>
             <a:pPr marL="0" indent="0">
-              <a:buFont typeface="Times"/>
-              <a:buNone/>
-            </a:pPr>
-            <a:r>
-              <a:rPr lang="en-US" sz="2800" dirty="0" smtClean="0">
-                <a:solidFill>
-                  <a:srgbClr val="CCFF99"/>
-                </a:solidFill>
-                <a:latin typeface="Arial"/>
+              <a:buNone/>
+            </a:pPr>
+            <a:r>
+              <a:rPr lang="en-US" sz="2800" dirty="0">
+                <a:solidFill>
+                  <a:srgbClr val="FBF376"/>
+                </a:solidFill>
                 <a:cs typeface="Arial"/>
               </a:rPr>
-              <a:t>c</a:t>
+              <a:t>p</a:t>
             </a:r>
           </a:p>
         </p:txBody>
@@ -11869,7 +14810,7 @@
         </p:nvSpPr>
         <p:spPr bwMode="auto">
           <a:xfrm>
-            <a:off x="3040520" y="3564431"/>
+            <a:off x="3650120" y="2573831"/>
             <a:ext cx="463216" cy="546099"/>
           </a:xfrm>
           <a:prstGeom prst="rect">
@@ -12091,242 +15032,6 @@
                 <a:cs typeface="Arial"/>
               </a:rPr>
               <a:t>c</a:t>
-            </a:r>
-          </a:p>
-        </p:txBody>
-      </p:sp>
-      <p:sp>
-        <p:nvSpPr>
-          <p:cNvPr id="15" name="Content Placeholder 2"/>
-          <p:cNvSpPr txBox="1">
-            <a:spLocks/>
-          </p:cNvSpPr>
-          <p:nvPr/>
-        </p:nvSpPr>
-        <p:spPr bwMode="auto">
-          <a:xfrm>
-            <a:off x="3577803" y="4625767"/>
-            <a:ext cx="463216" cy="546099"/>
-          </a:xfrm>
-          <a:prstGeom prst="rect">
-            <a:avLst/>
-          </a:prstGeom>
-          <a:noFill/>
-          <a:ln w="9525">
-            <a:noFill/>
-            <a:miter lim="800000"/>
-            <a:headEnd/>
-            <a:tailEnd/>
-          </a:ln>
-        </p:spPr>
-        <p:txBody>
-          <a:bodyPr vert="horz" wrap="square" lIns="91440" tIns="45720" rIns="91440" bIns="45720" numCol="1" anchor="t" anchorCtr="0" compatLnSpc="1">
-            <a:prstTxWarp prst="textNoShape">
-              <a:avLst/>
-            </a:prstTxWarp>
-            <a:normAutofit/>
-          </a:bodyPr>
-          <a:lstStyle>
-            <a:lvl1pPr marL="342900" indent="-342900" algn="l" rtl="0" eaLnBrk="0" fontAlgn="base" hangingPunct="0">
-              <a:spcBef>
-                <a:spcPct val="20000"/>
-              </a:spcBef>
-              <a:spcAft>
-                <a:spcPct val="0"/>
-              </a:spcAft>
-              <a:buClr>
-                <a:srgbClr val="000080"/>
-              </a:buClr>
-              <a:buFont typeface="Times"/>
-              <a:buChar char="•"/>
-              <a:defRPr kumimoji="1" sz="2400">
-                <a:solidFill>
-                  <a:schemeClr val="tx2"/>
-                </a:solidFill>
-                <a:latin typeface="+mn-lt"/>
-                <a:ea typeface="+mn-ea"/>
-                <a:cs typeface="ＭＳ Ｐゴシック"/>
-              </a:defRPr>
-            </a:lvl1pPr>
-            <a:lvl2pPr marL="742950" indent="-285750" algn="l" rtl="0" eaLnBrk="0" fontAlgn="base" hangingPunct="0">
-              <a:spcBef>
-                <a:spcPct val="20000"/>
-              </a:spcBef>
-              <a:spcAft>
-                <a:spcPct val="0"/>
-              </a:spcAft>
-              <a:buClr>
-                <a:srgbClr val="3C0000"/>
-              </a:buClr>
-              <a:buFont typeface="Symbol" pitchFamily="18" charset="2"/>
-              <a:buChar char=""/>
-              <a:defRPr kumimoji="1" sz="2400">
-                <a:solidFill>
-                  <a:srgbClr val="630000"/>
-                </a:solidFill>
-                <a:latin typeface="+mn-lt"/>
-                <a:ea typeface="+mn-ea"/>
-                <a:cs typeface="ＭＳ Ｐゴシック"/>
-              </a:defRPr>
-            </a:lvl2pPr>
-            <a:lvl3pPr marL="1143000" indent="-228600" algn="l" rtl="0" eaLnBrk="0" fontAlgn="base" hangingPunct="0">
-              <a:spcBef>
-                <a:spcPct val="20000"/>
-              </a:spcBef>
-              <a:spcAft>
-                <a:spcPct val="0"/>
-              </a:spcAft>
-              <a:buClr>
-                <a:srgbClr val="3C0000"/>
-              </a:buClr>
-              <a:buFont typeface="Wingdings" pitchFamily="2" charset="2"/>
-              <a:buChar char="§"/>
-              <a:defRPr kumimoji="1" sz="2400">
-                <a:solidFill>
-                  <a:schemeClr val="tx2"/>
-                </a:solidFill>
-                <a:latin typeface="+mn-lt"/>
-                <a:ea typeface="+mn-ea"/>
-                <a:cs typeface="ＭＳ Ｐゴシック"/>
-              </a:defRPr>
-            </a:lvl3pPr>
-            <a:lvl4pPr marL="1600200" indent="-228600" algn="l" rtl="0" eaLnBrk="0" fontAlgn="base" hangingPunct="0">
-              <a:spcBef>
-                <a:spcPct val="20000"/>
-              </a:spcBef>
-              <a:spcAft>
-                <a:spcPct val="0"/>
-              </a:spcAft>
-              <a:buClr>
-                <a:srgbClr val="3C0000"/>
-              </a:buClr>
-              <a:buFont typeface="Wingdings" pitchFamily="2" charset="2"/>
-              <a:buChar char=""/>
-              <a:defRPr kumimoji="1" sz="2000">
-                <a:solidFill>
-                  <a:schemeClr val="tx2"/>
-                </a:solidFill>
-                <a:latin typeface="+mn-lt"/>
-                <a:ea typeface="+mn-ea"/>
-                <a:cs typeface="ＭＳ Ｐゴシック"/>
-              </a:defRPr>
-            </a:lvl4pPr>
-            <a:lvl5pPr marL="2057400" indent="-228600" algn="l" rtl="0" eaLnBrk="0" fontAlgn="base" hangingPunct="0">
-              <a:spcBef>
-                <a:spcPct val="20000"/>
-              </a:spcBef>
-              <a:spcAft>
-                <a:spcPct val="0"/>
-              </a:spcAft>
-              <a:buClr>
-                <a:srgbClr val="3C0000"/>
-              </a:buClr>
-              <a:buFont typeface="Wingdings" pitchFamily="2" charset="2"/>
-              <a:buChar char=""/>
-              <a:defRPr kumimoji="1" sz="2000">
-                <a:solidFill>
-                  <a:schemeClr val="tx2"/>
-                </a:solidFill>
-                <a:latin typeface="+mn-lt"/>
-                <a:ea typeface="+mn-ea"/>
-                <a:cs typeface="ＭＳ Ｐゴシック"/>
-              </a:defRPr>
-            </a:lvl5pPr>
-            <a:lvl6pPr marL="2514600" indent="-228600" algn="l" rtl="0" fontAlgn="base">
-              <a:spcBef>
-                <a:spcPct val="20000"/>
-              </a:spcBef>
-              <a:spcAft>
-                <a:spcPct val="0"/>
-              </a:spcAft>
-              <a:buClr>
-                <a:srgbClr val="3C0000"/>
-              </a:buClr>
-              <a:buFont typeface="Wingdings" pitchFamily="2" charset="2"/>
-              <a:buChar char=""/>
-              <a:defRPr kumimoji="1" sz="2000">
-                <a:solidFill>
-                  <a:schemeClr val="tx2"/>
-                </a:solidFill>
-                <a:latin typeface="+mn-lt"/>
-                <a:ea typeface="+mn-ea"/>
-              </a:defRPr>
-            </a:lvl6pPr>
-            <a:lvl7pPr marL="2971800" indent="-228600" algn="l" rtl="0" fontAlgn="base">
-              <a:spcBef>
-                <a:spcPct val="20000"/>
-              </a:spcBef>
-              <a:spcAft>
-                <a:spcPct val="0"/>
-              </a:spcAft>
-              <a:buClr>
-                <a:srgbClr val="3C0000"/>
-              </a:buClr>
-              <a:buFont typeface="Wingdings" pitchFamily="2" charset="2"/>
-              <a:buChar char=""/>
-              <a:defRPr kumimoji="1" sz="2000">
-                <a:solidFill>
-                  <a:schemeClr val="tx2"/>
-                </a:solidFill>
-                <a:latin typeface="+mn-lt"/>
-                <a:ea typeface="+mn-ea"/>
-              </a:defRPr>
-            </a:lvl7pPr>
-            <a:lvl8pPr marL="3429000" indent="-228600" algn="l" rtl="0" fontAlgn="base">
-              <a:spcBef>
-                <a:spcPct val="20000"/>
-              </a:spcBef>
-              <a:spcAft>
-                <a:spcPct val="0"/>
-              </a:spcAft>
-              <a:buClr>
-                <a:srgbClr val="3C0000"/>
-              </a:buClr>
-              <a:buFont typeface="Wingdings" pitchFamily="2" charset="2"/>
-              <a:buChar char=""/>
-              <a:defRPr kumimoji="1" sz="2000">
-                <a:solidFill>
-                  <a:schemeClr val="tx2"/>
-                </a:solidFill>
-                <a:latin typeface="+mn-lt"/>
-                <a:ea typeface="+mn-ea"/>
-              </a:defRPr>
-            </a:lvl8pPr>
-            <a:lvl9pPr marL="3886200" indent="-228600" algn="l" rtl="0" fontAlgn="base">
-              <a:spcBef>
-                <a:spcPct val="20000"/>
-              </a:spcBef>
-              <a:spcAft>
-                <a:spcPct val="0"/>
-              </a:spcAft>
-              <a:buClr>
-                <a:srgbClr val="3C0000"/>
-              </a:buClr>
-              <a:buFont typeface="Wingdings" pitchFamily="2" charset="2"/>
-              <a:buChar char=""/>
-              <a:defRPr kumimoji="1" sz="2000">
-                <a:solidFill>
-                  <a:schemeClr val="tx2"/>
-                </a:solidFill>
-                <a:latin typeface="+mn-lt"/>
-                <a:ea typeface="+mn-ea"/>
-              </a:defRPr>
-            </a:lvl9pPr>
-          </a:lstStyle>
-          <a:p>
-            <a:pPr marL="0" indent="0">
-              <a:buFont typeface="Times"/>
-              <a:buNone/>
-            </a:pPr>
-            <a:r>
-              <a:rPr lang="en-US" sz="2800" dirty="0" smtClean="0">
-                <a:solidFill>
-                  <a:srgbClr val="FF6600"/>
-                </a:solidFill>
-                <a:latin typeface="Arial"/>
-                <a:cs typeface="Arial"/>
-              </a:rPr>
-              <a:t>s</a:t>
             </a:r>
           </a:p>
         </p:txBody>
@@ -13289,7 +15994,7 @@
         </p:nvSpPr>
         <p:spPr bwMode="auto">
           <a:xfrm>
-            <a:off x="1313137" y="3461646"/>
+            <a:off x="1148037" y="3499746"/>
             <a:ext cx="463216" cy="546099"/>
           </a:xfrm>
           <a:prstGeom prst="rect">
@@ -13997,7 +16702,7 @@
         </p:nvSpPr>
         <p:spPr bwMode="auto">
           <a:xfrm>
-            <a:off x="3223372" y="3567623"/>
+            <a:off x="3959972" y="2615123"/>
             <a:ext cx="463216" cy="546099"/>
           </a:xfrm>
           <a:prstGeom prst="rect">
@@ -16824,7 +19529,7 @@
         </p:nvSpPr>
         <p:spPr bwMode="auto">
           <a:xfrm>
-            <a:off x="5523570" y="2401225"/>
+            <a:off x="5828370" y="1486825"/>
             <a:ext cx="463216" cy="546099"/>
           </a:xfrm>
           <a:prstGeom prst="rect">
@@ -17060,7 +19765,7 @@
         </p:nvSpPr>
         <p:spPr bwMode="auto">
           <a:xfrm>
-            <a:off x="5726874" y="2403341"/>
+            <a:off x="2945574" y="5781541"/>
             <a:ext cx="463216" cy="546099"/>
           </a:xfrm>
           <a:prstGeom prst="rect">
@@ -17641,6 +20346,714 @@
               <a:latin typeface="Arial"/>
               <a:cs typeface="Arial"/>
             </a:endParaRPr>
+          </a:p>
+        </p:txBody>
+      </p:sp>
+      <p:sp>
+        <p:nvSpPr>
+          <p:cNvPr id="91" name="Content Placeholder 2"/>
+          <p:cNvSpPr txBox="1">
+            <a:spLocks/>
+          </p:cNvSpPr>
+          <p:nvPr/>
+        </p:nvSpPr>
+        <p:spPr bwMode="auto">
+          <a:xfrm>
+            <a:off x="3031105" y="3565029"/>
+            <a:ext cx="463216" cy="546099"/>
+          </a:xfrm>
+          <a:prstGeom prst="rect">
+            <a:avLst/>
+          </a:prstGeom>
+          <a:noFill/>
+          <a:ln w="9525">
+            <a:noFill/>
+            <a:miter lim="800000"/>
+            <a:headEnd/>
+            <a:tailEnd/>
+          </a:ln>
+        </p:spPr>
+        <p:txBody>
+          <a:bodyPr vert="horz" wrap="square" lIns="91440" tIns="45720" rIns="91440" bIns="45720" numCol="1" anchor="t" anchorCtr="0" compatLnSpc="1">
+            <a:prstTxWarp prst="textNoShape">
+              <a:avLst/>
+            </a:prstTxWarp>
+            <a:normAutofit/>
+          </a:bodyPr>
+          <a:lstStyle>
+            <a:lvl1pPr marL="342900" indent="-342900" algn="l" rtl="0" eaLnBrk="0" fontAlgn="base" hangingPunct="0">
+              <a:spcBef>
+                <a:spcPct val="20000"/>
+              </a:spcBef>
+              <a:spcAft>
+                <a:spcPct val="0"/>
+              </a:spcAft>
+              <a:buClr>
+                <a:srgbClr val="000080"/>
+              </a:buClr>
+              <a:buFont typeface="Times"/>
+              <a:buChar char="•"/>
+              <a:defRPr kumimoji="1" sz="2400">
+                <a:solidFill>
+                  <a:schemeClr val="tx2"/>
+                </a:solidFill>
+                <a:latin typeface="+mn-lt"/>
+                <a:ea typeface="+mn-ea"/>
+                <a:cs typeface="ＭＳ Ｐゴシック"/>
+              </a:defRPr>
+            </a:lvl1pPr>
+            <a:lvl2pPr marL="742950" indent="-285750" algn="l" rtl="0" eaLnBrk="0" fontAlgn="base" hangingPunct="0">
+              <a:spcBef>
+                <a:spcPct val="20000"/>
+              </a:spcBef>
+              <a:spcAft>
+                <a:spcPct val="0"/>
+              </a:spcAft>
+              <a:buClr>
+                <a:srgbClr val="3C0000"/>
+              </a:buClr>
+              <a:buFont typeface="Symbol" pitchFamily="18" charset="2"/>
+              <a:buChar char=""/>
+              <a:defRPr kumimoji="1" sz="2400">
+                <a:solidFill>
+                  <a:srgbClr val="630000"/>
+                </a:solidFill>
+                <a:latin typeface="+mn-lt"/>
+                <a:ea typeface="+mn-ea"/>
+                <a:cs typeface="ＭＳ Ｐゴシック"/>
+              </a:defRPr>
+            </a:lvl2pPr>
+            <a:lvl3pPr marL="1143000" indent="-228600" algn="l" rtl="0" eaLnBrk="0" fontAlgn="base" hangingPunct="0">
+              <a:spcBef>
+                <a:spcPct val="20000"/>
+              </a:spcBef>
+              <a:spcAft>
+                <a:spcPct val="0"/>
+              </a:spcAft>
+              <a:buClr>
+                <a:srgbClr val="3C0000"/>
+              </a:buClr>
+              <a:buFont typeface="Wingdings" pitchFamily="2" charset="2"/>
+              <a:buChar char="§"/>
+              <a:defRPr kumimoji="1" sz="2400">
+                <a:solidFill>
+                  <a:schemeClr val="tx2"/>
+                </a:solidFill>
+                <a:latin typeface="+mn-lt"/>
+                <a:ea typeface="+mn-ea"/>
+                <a:cs typeface="ＭＳ Ｐゴシック"/>
+              </a:defRPr>
+            </a:lvl3pPr>
+            <a:lvl4pPr marL="1600200" indent="-228600" algn="l" rtl="0" eaLnBrk="0" fontAlgn="base" hangingPunct="0">
+              <a:spcBef>
+                <a:spcPct val="20000"/>
+              </a:spcBef>
+              <a:spcAft>
+                <a:spcPct val="0"/>
+              </a:spcAft>
+              <a:buClr>
+                <a:srgbClr val="3C0000"/>
+              </a:buClr>
+              <a:buFont typeface="Wingdings" pitchFamily="2" charset="2"/>
+              <a:buChar char=""/>
+              <a:defRPr kumimoji="1" sz="2000">
+                <a:solidFill>
+                  <a:schemeClr val="tx2"/>
+                </a:solidFill>
+                <a:latin typeface="+mn-lt"/>
+                <a:ea typeface="+mn-ea"/>
+                <a:cs typeface="ＭＳ Ｐゴシック"/>
+              </a:defRPr>
+            </a:lvl4pPr>
+            <a:lvl5pPr marL="2057400" indent="-228600" algn="l" rtl="0" eaLnBrk="0" fontAlgn="base" hangingPunct="0">
+              <a:spcBef>
+                <a:spcPct val="20000"/>
+              </a:spcBef>
+              <a:spcAft>
+                <a:spcPct val="0"/>
+              </a:spcAft>
+              <a:buClr>
+                <a:srgbClr val="3C0000"/>
+              </a:buClr>
+              <a:buFont typeface="Wingdings" pitchFamily="2" charset="2"/>
+              <a:buChar char=""/>
+              <a:defRPr kumimoji="1" sz="2000">
+                <a:solidFill>
+                  <a:schemeClr val="tx2"/>
+                </a:solidFill>
+                <a:latin typeface="+mn-lt"/>
+                <a:ea typeface="+mn-ea"/>
+                <a:cs typeface="ＭＳ Ｐゴシック"/>
+              </a:defRPr>
+            </a:lvl5pPr>
+            <a:lvl6pPr marL="2514600" indent="-228600" algn="l" rtl="0" fontAlgn="base">
+              <a:spcBef>
+                <a:spcPct val="20000"/>
+              </a:spcBef>
+              <a:spcAft>
+                <a:spcPct val="0"/>
+              </a:spcAft>
+              <a:buClr>
+                <a:srgbClr val="3C0000"/>
+              </a:buClr>
+              <a:buFont typeface="Wingdings" pitchFamily="2" charset="2"/>
+              <a:buChar char=""/>
+              <a:defRPr kumimoji="1" sz="2000">
+                <a:solidFill>
+                  <a:schemeClr val="tx2"/>
+                </a:solidFill>
+                <a:latin typeface="+mn-lt"/>
+                <a:ea typeface="+mn-ea"/>
+              </a:defRPr>
+            </a:lvl6pPr>
+            <a:lvl7pPr marL="2971800" indent="-228600" algn="l" rtl="0" fontAlgn="base">
+              <a:spcBef>
+                <a:spcPct val="20000"/>
+              </a:spcBef>
+              <a:spcAft>
+                <a:spcPct val="0"/>
+              </a:spcAft>
+              <a:buClr>
+                <a:srgbClr val="3C0000"/>
+              </a:buClr>
+              <a:buFont typeface="Wingdings" pitchFamily="2" charset="2"/>
+              <a:buChar char=""/>
+              <a:defRPr kumimoji="1" sz="2000">
+                <a:solidFill>
+                  <a:schemeClr val="tx2"/>
+                </a:solidFill>
+                <a:latin typeface="+mn-lt"/>
+                <a:ea typeface="+mn-ea"/>
+              </a:defRPr>
+            </a:lvl7pPr>
+            <a:lvl8pPr marL="3429000" indent="-228600" algn="l" rtl="0" fontAlgn="base">
+              <a:spcBef>
+                <a:spcPct val="20000"/>
+              </a:spcBef>
+              <a:spcAft>
+                <a:spcPct val="0"/>
+              </a:spcAft>
+              <a:buClr>
+                <a:srgbClr val="3C0000"/>
+              </a:buClr>
+              <a:buFont typeface="Wingdings" pitchFamily="2" charset="2"/>
+              <a:buChar char=""/>
+              <a:defRPr kumimoji="1" sz="2000">
+                <a:solidFill>
+                  <a:schemeClr val="tx2"/>
+                </a:solidFill>
+                <a:latin typeface="+mn-lt"/>
+                <a:ea typeface="+mn-ea"/>
+              </a:defRPr>
+            </a:lvl8pPr>
+            <a:lvl9pPr marL="3886200" indent="-228600" algn="l" rtl="0" fontAlgn="base">
+              <a:spcBef>
+                <a:spcPct val="20000"/>
+              </a:spcBef>
+              <a:spcAft>
+                <a:spcPct val="0"/>
+              </a:spcAft>
+              <a:buClr>
+                <a:srgbClr val="3C0000"/>
+              </a:buClr>
+              <a:buFont typeface="Wingdings" pitchFamily="2" charset="2"/>
+              <a:buChar char=""/>
+              <a:defRPr kumimoji="1" sz="2000">
+                <a:solidFill>
+                  <a:schemeClr val="tx2"/>
+                </a:solidFill>
+                <a:latin typeface="+mn-lt"/>
+                <a:ea typeface="+mn-ea"/>
+              </a:defRPr>
+            </a:lvl9pPr>
+          </a:lstStyle>
+          <a:p>
+            <a:pPr marL="0" indent="0">
+              <a:buFont typeface="Times"/>
+              <a:buNone/>
+            </a:pPr>
+            <a:r>
+              <a:rPr lang="en-US" sz="2800" dirty="0" smtClean="0">
+                <a:solidFill>
+                  <a:srgbClr val="FF6600"/>
+                </a:solidFill>
+                <a:latin typeface="Arial"/>
+                <a:cs typeface="Arial"/>
+              </a:rPr>
+              <a:t>s</a:t>
+            </a:r>
+          </a:p>
+        </p:txBody>
+      </p:sp>
+      <p:sp>
+        <p:nvSpPr>
+          <p:cNvPr id="92" name="Content Placeholder 2"/>
+          <p:cNvSpPr txBox="1">
+            <a:spLocks/>
+          </p:cNvSpPr>
+          <p:nvPr/>
+        </p:nvSpPr>
+        <p:spPr bwMode="auto">
+          <a:xfrm>
+            <a:off x="5589391" y="2474347"/>
+            <a:ext cx="463216" cy="546099"/>
+          </a:xfrm>
+          <a:prstGeom prst="rect">
+            <a:avLst/>
+          </a:prstGeom>
+          <a:noFill/>
+          <a:ln w="9525">
+            <a:noFill/>
+            <a:miter lim="800000"/>
+            <a:headEnd/>
+            <a:tailEnd/>
+          </a:ln>
+        </p:spPr>
+        <p:txBody>
+          <a:bodyPr vert="horz" wrap="square" lIns="91440" tIns="45720" rIns="91440" bIns="45720" numCol="1" anchor="t" anchorCtr="0" compatLnSpc="1">
+            <a:prstTxWarp prst="textNoShape">
+              <a:avLst/>
+            </a:prstTxWarp>
+            <a:normAutofit/>
+          </a:bodyPr>
+          <a:lstStyle>
+            <a:lvl1pPr marL="342900" indent="-342900" algn="l" rtl="0" eaLnBrk="0" fontAlgn="base" hangingPunct="0">
+              <a:spcBef>
+                <a:spcPct val="20000"/>
+              </a:spcBef>
+              <a:spcAft>
+                <a:spcPct val="0"/>
+              </a:spcAft>
+              <a:buClr>
+                <a:srgbClr val="000080"/>
+              </a:buClr>
+              <a:buFont typeface="Times"/>
+              <a:buChar char="•"/>
+              <a:defRPr kumimoji="1" sz="2400">
+                <a:solidFill>
+                  <a:schemeClr val="tx2"/>
+                </a:solidFill>
+                <a:latin typeface="+mn-lt"/>
+                <a:ea typeface="+mn-ea"/>
+                <a:cs typeface="ＭＳ Ｐゴシック"/>
+              </a:defRPr>
+            </a:lvl1pPr>
+            <a:lvl2pPr marL="742950" indent="-285750" algn="l" rtl="0" eaLnBrk="0" fontAlgn="base" hangingPunct="0">
+              <a:spcBef>
+                <a:spcPct val="20000"/>
+              </a:spcBef>
+              <a:spcAft>
+                <a:spcPct val="0"/>
+              </a:spcAft>
+              <a:buClr>
+                <a:srgbClr val="3C0000"/>
+              </a:buClr>
+              <a:buFont typeface="Symbol" pitchFamily="18" charset="2"/>
+              <a:buChar char=""/>
+              <a:defRPr kumimoji="1" sz="2400">
+                <a:solidFill>
+                  <a:srgbClr val="630000"/>
+                </a:solidFill>
+                <a:latin typeface="+mn-lt"/>
+                <a:ea typeface="+mn-ea"/>
+                <a:cs typeface="ＭＳ Ｐゴシック"/>
+              </a:defRPr>
+            </a:lvl2pPr>
+            <a:lvl3pPr marL="1143000" indent="-228600" algn="l" rtl="0" eaLnBrk="0" fontAlgn="base" hangingPunct="0">
+              <a:spcBef>
+                <a:spcPct val="20000"/>
+              </a:spcBef>
+              <a:spcAft>
+                <a:spcPct val="0"/>
+              </a:spcAft>
+              <a:buClr>
+                <a:srgbClr val="3C0000"/>
+              </a:buClr>
+              <a:buFont typeface="Wingdings" pitchFamily="2" charset="2"/>
+              <a:buChar char="§"/>
+              <a:defRPr kumimoji="1" sz="2400">
+                <a:solidFill>
+                  <a:schemeClr val="tx2"/>
+                </a:solidFill>
+                <a:latin typeface="+mn-lt"/>
+                <a:ea typeface="+mn-ea"/>
+                <a:cs typeface="ＭＳ Ｐゴシック"/>
+              </a:defRPr>
+            </a:lvl3pPr>
+            <a:lvl4pPr marL="1600200" indent="-228600" algn="l" rtl="0" eaLnBrk="0" fontAlgn="base" hangingPunct="0">
+              <a:spcBef>
+                <a:spcPct val="20000"/>
+              </a:spcBef>
+              <a:spcAft>
+                <a:spcPct val="0"/>
+              </a:spcAft>
+              <a:buClr>
+                <a:srgbClr val="3C0000"/>
+              </a:buClr>
+              <a:buFont typeface="Wingdings" pitchFamily="2" charset="2"/>
+              <a:buChar char=""/>
+              <a:defRPr kumimoji="1" sz="2000">
+                <a:solidFill>
+                  <a:schemeClr val="tx2"/>
+                </a:solidFill>
+                <a:latin typeface="+mn-lt"/>
+                <a:ea typeface="+mn-ea"/>
+                <a:cs typeface="ＭＳ Ｐゴシック"/>
+              </a:defRPr>
+            </a:lvl4pPr>
+            <a:lvl5pPr marL="2057400" indent="-228600" algn="l" rtl="0" eaLnBrk="0" fontAlgn="base" hangingPunct="0">
+              <a:spcBef>
+                <a:spcPct val="20000"/>
+              </a:spcBef>
+              <a:spcAft>
+                <a:spcPct val="0"/>
+              </a:spcAft>
+              <a:buClr>
+                <a:srgbClr val="3C0000"/>
+              </a:buClr>
+              <a:buFont typeface="Wingdings" pitchFamily="2" charset="2"/>
+              <a:buChar char=""/>
+              <a:defRPr kumimoji="1" sz="2000">
+                <a:solidFill>
+                  <a:schemeClr val="tx2"/>
+                </a:solidFill>
+                <a:latin typeface="+mn-lt"/>
+                <a:ea typeface="+mn-ea"/>
+                <a:cs typeface="ＭＳ Ｐゴシック"/>
+              </a:defRPr>
+            </a:lvl5pPr>
+            <a:lvl6pPr marL="2514600" indent="-228600" algn="l" rtl="0" fontAlgn="base">
+              <a:spcBef>
+                <a:spcPct val="20000"/>
+              </a:spcBef>
+              <a:spcAft>
+                <a:spcPct val="0"/>
+              </a:spcAft>
+              <a:buClr>
+                <a:srgbClr val="3C0000"/>
+              </a:buClr>
+              <a:buFont typeface="Wingdings" pitchFamily="2" charset="2"/>
+              <a:buChar char=""/>
+              <a:defRPr kumimoji="1" sz="2000">
+                <a:solidFill>
+                  <a:schemeClr val="tx2"/>
+                </a:solidFill>
+                <a:latin typeface="+mn-lt"/>
+                <a:ea typeface="+mn-ea"/>
+              </a:defRPr>
+            </a:lvl6pPr>
+            <a:lvl7pPr marL="2971800" indent="-228600" algn="l" rtl="0" fontAlgn="base">
+              <a:spcBef>
+                <a:spcPct val="20000"/>
+              </a:spcBef>
+              <a:spcAft>
+                <a:spcPct val="0"/>
+              </a:spcAft>
+              <a:buClr>
+                <a:srgbClr val="3C0000"/>
+              </a:buClr>
+              <a:buFont typeface="Wingdings" pitchFamily="2" charset="2"/>
+              <a:buChar char=""/>
+              <a:defRPr kumimoji="1" sz="2000">
+                <a:solidFill>
+                  <a:schemeClr val="tx2"/>
+                </a:solidFill>
+                <a:latin typeface="+mn-lt"/>
+                <a:ea typeface="+mn-ea"/>
+              </a:defRPr>
+            </a:lvl7pPr>
+            <a:lvl8pPr marL="3429000" indent="-228600" algn="l" rtl="0" fontAlgn="base">
+              <a:spcBef>
+                <a:spcPct val="20000"/>
+              </a:spcBef>
+              <a:spcAft>
+                <a:spcPct val="0"/>
+              </a:spcAft>
+              <a:buClr>
+                <a:srgbClr val="3C0000"/>
+              </a:buClr>
+              <a:buFont typeface="Wingdings" pitchFamily="2" charset="2"/>
+              <a:buChar char=""/>
+              <a:defRPr kumimoji="1" sz="2000">
+                <a:solidFill>
+                  <a:schemeClr val="tx2"/>
+                </a:solidFill>
+                <a:latin typeface="+mn-lt"/>
+                <a:ea typeface="+mn-ea"/>
+              </a:defRPr>
+            </a:lvl8pPr>
+            <a:lvl9pPr marL="3886200" indent="-228600" algn="l" rtl="0" fontAlgn="base">
+              <a:spcBef>
+                <a:spcPct val="20000"/>
+              </a:spcBef>
+              <a:spcAft>
+                <a:spcPct val="0"/>
+              </a:spcAft>
+              <a:buClr>
+                <a:srgbClr val="3C0000"/>
+              </a:buClr>
+              <a:buFont typeface="Wingdings" pitchFamily="2" charset="2"/>
+              <a:buChar char=""/>
+              <a:defRPr kumimoji="1" sz="2000">
+                <a:solidFill>
+                  <a:schemeClr val="tx2"/>
+                </a:solidFill>
+                <a:latin typeface="+mn-lt"/>
+                <a:ea typeface="+mn-ea"/>
+              </a:defRPr>
+            </a:lvl9pPr>
+          </a:lstStyle>
+          <a:p>
+            <a:pPr marL="0" indent="0">
+              <a:buFont typeface="Times"/>
+              <a:buNone/>
+            </a:pPr>
+            <a:r>
+              <a:rPr lang="en-US" sz="2800" dirty="0" smtClean="0">
+                <a:solidFill>
+                  <a:srgbClr val="FBF376"/>
+                </a:solidFill>
+                <a:latin typeface="Arial"/>
+                <a:cs typeface="Arial"/>
+              </a:rPr>
+              <a:t>p</a:t>
+            </a:r>
+          </a:p>
+        </p:txBody>
+      </p:sp>
+      <p:sp>
+        <p:nvSpPr>
+          <p:cNvPr id="93" name="Content Placeholder 2"/>
+          <p:cNvSpPr txBox="1">
+            <a:spLocks/>
+          </p:cNvSpPr>
+          <p:nvPr/>
+        </p:nvSpPr>
+        <p:spPr bwMode="auto">
+          <a:xfrm>
+            <a:off x="1054100" y="2425700"/>
+            <a:ext cx="378842" cy="634943"/>
+          </a:xfrm>
+          <a:prstGeom prst="rect">
+            <a:avLst/>
+          </a:prstGeom>
+          <a:noFill/>
+          <a:ln w="9525">
+            <a:noFill/>
+            <a:miter lim="800000"/>
+            <a:headEnd/>
+            <a:tailEnd/>
+          </a:ln>
+        </p:spPr>
+        <p:txBody>
+          <a:bodyPr vert="horz" wrap="square" lIns="91440" tIns="45720" rIns="91440" bIns="45720" numCol="1" anchor="t" anchorCtr="0" compatLnSpc="1">
+            <a:prstTxWarp prst="textNoShape">
+              <a:avLst/>
+            </a:prstTxWarp>
+            <a:normAutofit/>
+          </a:bodyPr>
+          <a:lstStyle>
+            <a:lvl1pPr marL="342900" indent="-342900" algn="l" rtl="0" eaLnBrk="0" fontAlgn="base" hangingPunct="0">
+              <a:spcBef>
+                <a:spcPct val="20000"/>
+              </a:spcBef>
+              <a:spcAft>
+                <a:spcPct val="0"/>
+              </a:spcAft>
+              <a:buClr>
+                <a:srgbClr val="000080"/>
+              </a:buClr>
+              <a:buFont typeface="Times"/>
+              <a:buChar char="•"/>
+              <a:defRPr kumimoji="1" sz="2400">
+                <a:solidFill>
+                  <a:schemeClr val="tx2"/>
+                </a:solidFill>
+                <a:latin typeface="+mn-lt"/>
+                <a:ea typeface="+mn-ea"/>
+                <a:cs typeface="ＭＳ Ｐゴシック"/>
+              </a:defRPr>
+            </a:lvl1pPr>
+            <a:lvl2pPr marL="742950" indent="-285750" algn="l" rtl="0" eaLnBrk="0" fontAlgn="base" hangingPunct="0">
+              <a:spcBef>
+                <a:spcPct val="20000"/>
+              </a:spcBef>
+              <a:spcAft>
+                <a:spcPct val="0"/>
+              </a:spcAft>
+              <a:buClr>
+                <a:srgbClr val="3C0000"/>
+              </a:buClr>
+              <a:buFont typeface="Symbol" pitchFamily="18" charset="2"/>
+              <a:buChar char=""/>
+              <a:defRPr kumimoji="1" sz="2400">
+                <a:solidFill>
+                  <a:srgbClr val="630000"/>
+                </a:solidFill>
+                <a:latin typeface="+mn-lt"/>
+                <a:ea typeface="+mn-ea"/>
+                <a:cs typeface="ＭＳ Ｐゴシック"/>
+              </a:defRPr>
+            </a:lvl2pPr>
+            <a:lvl3pPr marL="1143000" indent="-228600" algn="l" rtl="0" eaLnBrk="0" fontAlgn="base" hangingPunct="0">
+              <a:spcBef>
+                <a:spcPct val="20000"/>
+              </a:spcBef>
+              <a:spcAft>
+                <a:spcPct val="0"/>
+              </a:spcAft>
+              <a:buClr>
+                <a:srgbClr val="3C0000"/>
+              </a:buClr>
+              <a:buFont typeface="Wingdings" pitchFamily="2" charset="2"/>
+              <a:buChar char="§"/>
+              <a:defRPr kumimoji="1" sz="2400">
+                <a:solidFill>
+                  <a:schemeClr val="tx2"/>
+                </a:solidFill>
+                <a:latin typeface="+mn-lt"/>
+                <a:ea typeface="+mn-ea"/>
+                <a:cs typeface="ＭＳ Ｐゴシック"/>
+              </a:defRPr>
+            </a:lvl3pPr>
+            <a:lvl4pPr marL="1600200" indent="-228600" algn="l" rtl="0" eaLnBrk="0" fontAlgn="base" hangingPunct="0">
+              <a:spcBef>
+                <a:spcPct val="20000"/>
+              </a:spcBef>
+              <a:spcAft>
+                <a:spcPct val="0"/>
+              </a:spcAft>
+              <a:buClr>
+                <a:srgbClr val="3C0000"/>
+              </a:buClr>
+              <a:buFont typeface="Wingdings" pitchFamily="2" charset="2"/>
+              <a:buChar char=""/>
+              <a:defRPr kumimoji="1" sz="2000">
+                <a:solidFill>
+                  <a:schemeClr val="tx2"/>
+                </a:solidFill>
+                <a:latin typeface="+mn-lt"/>
+                <a:ea typeface="+mn-ea"/>
+                <a:cs typeface="ＭＳ Ｐゴシック"/>
+              </a:defRPr>
+            </a:lvl4pPr>
+            <a:lvl5pPr marL="2057400" indent="-228600" algn="l" rtl="0" eaLnBrk="0" fontAlgn="base" hangingPunct="0">
+              <a:spcBef>
+                <a:spcPct val="20000"/>
+              </a:spcBef>
+              <a:spcAft>
+                <a:spcPct val="0"/>
+              </a:spcAft>
+              <a:buClr>
+                <a:srgbClr val="3C0000"/>
+              </a:buClr>
+              <a:buFont typeface="Wingdings" pitchFamily="2" charset="2"/>
+              <a:buChar char=""/>
+              <a:defRPr kumimoji="1" sz="2000">
+                <a:solidFill>
+                  <a:schemeClr val="tx2"/>
+                </a:solidFill>
+                <a:latin typeface="+mn-lt"/>
+                <a:ea typeface="+mn-ea"/>
+                <a:cs typeface="ＭＳ Ｐゴシック"/>
+              </a:defRPr>
+            </a:lvl5pPr>
+            <a:lvl6pPr marL="2514600" indent="-228600" algn="l" rtl="0" fontAlgn="base">
+              <a:spcBef>
+                <a:spcPct val="20000"/>
+              </a:spcBef>
+              <a:spcAft>
+                <a:spcPct val="0"/>
+              </a:spcAft>
+              <a:buClr>
+                <a:srgbClr val="3C0000"/>
+              </a:buClr>
+              <a:buFont typeface="Wingdings" pitchFamily="2" charset="2"/>
+              <a:buChar char=""/>
+              <a:defRPr kumimoji="1" sz="2000">
+                <a:solidFill>
+                  <a:schemeClr val="tx2"/>
+                </a:solidFill>
+                <a:latin typeface="+mn-lt"/>
+                <a:ea typeface="+mn-ea"/>
+              </a:defRPr>
+            </a:lvl6pPr>
+            <a:lvl7pPr marL="2971800" indent="-228600" algn="l" rtl="0" fontAlgn="base">
+              <a:spcBef>
+                <a:spcPct val="20000"/>
+              </a:spcBef>
+              <a:spcAft>
+                <a:spcPct val="0"/>
+              </a:spcAft>
+              <a:buClr>
+                <a:srgbClr val="3C0000"/>
+              </a:buClr>
+              <a:buFont typeface="Wingdings" pitchFamily="2" charset="2"/>
+              <a:buChar char=""/>
+              <a:defRPr kumimoji="1" sz="2000">
+                <a:solidFill>
+                  <a:schemeClr val="tx2"/>
+                </a:solidFill>
+                <a:latin typeface="+mn-lt"/>
+                <a:ea typeface="+mn-ea"/>
+              </a:defRPr>
+            </a:lvl7pPr>
+            <a:lvl8pPr marL="3429000" indent="-228600" algn="l" rtl="0" fontAlgn="base">
+              <a:spcBef>
+                <a:spcPct val="20000"/>
+              </a:spcBef>
+              <a:spcAft>
+                <a:spcPct val="0"/>
+              </a:spcAft>
+              <a:buClr>
+                <a:srgbClr val="3C0000"/>
+              </a:buClr>
+              <a:buFont typeface="Wingdings" pitchFamily="2" charset="2"/>
+              <a:buChar char=""/>
+              <a:defRPr kumimoji="1" sz="2000">
+                <a:solidFill>
+                  <a:schemeClr val="tx2"/>
+                </a:solidFill>
+                <a:latin typeface="+mn-lt"/>
+                <a:ea typeface="+mn-ea"/>
+              </a:defRPr>
+            </a:lvl8pPr>
+            <a:lvl9pPr marL="3886200" indent="-228600" algn="l" rtl="0" fontAlgn="base">
+              <a:spcBef>
+                <a:spcPct val="20000"/>
+              </a:spcBef>
+              <a:spcAft>
+                <a:spcPct val="0"/>
+              </a:spcAft>
+              <a:buClr>
+                <a:srgbClr val="3C0000"/>
+              </a:buClr>
+              <a:buFont typeface="Wingdings" pitchFamily="2" charset="2"/>
+              <a:buChar char=""/>
+              <a:defRPr kumimoji="1" sz="2000">
+                <a:solidFill>
+                  <a:schemeClr val="tx2"/>
+                </a:solidFill>
+                <a:latin typeface="+mn-lt"/>
+                <a:ea typeface="+mn-ea"/>
+              </a:defRPr>
+            </a:lvl9pPr>
+          </a:lstStyle>
+          <a:p>
+            <a:pPr marL="0" indent="0">
+              <a:buFont typeface="Times"/>
+              <a:buNone/>
+            </a:pPr>
+            <a:r>
+              <a:rPr lang="en-US" sz="2800" dirty="0" smtClean="0">
+                <a:solidFill>
+                  <a:srgbClr val="CCFF99"/>
+                </a:solidFill>
+                <a:latin typeface="Arial"/>
+                <a:cs typeface="Arial"/>
+              </a:rPr>
+              <a:t>c</a:t>
+            </a:r>
           </a:p>
         </p:txBody>
       </p:sp>
@@ -17786,22 +21199,52 @@
                 </a:solidFill>
                 <a:cs typeface="Arial"/>
               </a:rPr>
-              <a:t>- campus – 6</a:t>
-            </a:r>
-          </a:p>
-          <a:p>
-            <a:pPr marL="0" indent="0">
-              <a:buNone/>
-            </a:pPr>
-            <a:r>
-              <a:rPr lang="en-US" sz="2800" b="1" dirty="0">
-                <a:solidFill>
-                  <a:srgbClr val="CCFF99"/>
+              <a:t>- campus – </a:t>
+            </a:r>
+            <a:r>
+              <a:rPr lang="en-US" sz="2800" b="1" dirty="0" smtClean="0">
+                <a:solidFill>
+                  <a:srgbClr val="008000"/>
                 </a:solidFill>
                 <a:cs typeface="Arial"/>
               </a:rPr>
-              <a:t>c - campus in progress  - 3</a:t>
-            </a:r>
+              <a:t>4</a:t>
+            </a:r>
+            <a:endParaRPr lang="en-US" sz="2800" b="1" dirty="0">
+              <a:solidFill>
+                <a:srgbClr val="008000"/>
+              </a:solidFill>
+              <a:cs typeface="Arial"/>
+            </a:endParaRPr>
+          </a:p>
+          <a:p>
+            <a:pPr marL="0" indent="0">
+              <a:buNone/>
+            </a:pPr>
+            <a:r>
+              <a:rPr lang="en-US" sz="2800" b="1" dirty="0">
+                <a:solidFill>
+                  <a:srgbClr val="CCFF99"/>
+                </a:solidFill>
+                <a:cs typeface="Arial"/>
+              </a:rPr>
+              <a:t>c - campus in progress  - </a:t>
+            </a:r>
+            <a:r>
+              <a:rPr lang="en-US" sz="2800" b="1" dirty="0" smtClean="0">
+                <a:solidFill>
+                  <a:srgbClr val="CCFF99"/>
+                </a:solidFill>
+                <a:cs typeface="Arial"/>
+              </a:rPr>
+              <a:t>2</a:t>
+            </a:r>
+            <a:endParaRPr lang="en-US" sz="2800" b="1" dirty="0">
+              <a:solidFill>
+                <a:srgbClr val="CCFF99"/>
+              </a:solidFill>
+              <a:cs typeface="Arial"/>
+            </a:endParaRPr>
           </a:p>
           <a:p>
             <a:pPr marL="0" indent="0">
@@ -17828,7 +21271,25 @@
                 </a:solidFill>
                 <a:cs typeface="Arial"/>
               </a:rPr>
-              <a:t>i – infrastructure facilities – 1</a:t>
+              <a:t>i – infrastructure </a:t>
+            </a:r>
+            <a:r>
+              <a:rPr lang="en-US" sz="2800" b="1" dirty="0" smtClean="0">
+                <a:solidFill>
+                  <a:srgbClr val="FF6600"/>
+                </a:solidFill>
+                <a:cs typeface="Arial"/>
+              </a:rPr>
+              <a:t>facility </a:t>
+            </a:r>
+            <a:r>
+              <a:rPr lang="en-US" sz="2800" b="1" dirty="0">
+                <a:solidFill>
+                  <a:srgbClr val="FF6600"/>
+                </a:solidFill>
+                <a:cs typeface="Arial"/>
+              </a:rPr>
+              <a:t>– 1</a:t>
             </a:r>
           </a:p>
           <a:p>
@@ -17861,14 +21322,20 @@
               <a:t>p – physics community – </a:t>
             </a:r>
             <a:r>
-              <a:rPr lang="en-US" sz="2800" b="1" dirty="0" smtClean="0">
+              <a:rPr lang="en-US" sz="2800" b="1" dirty="0">
                 <a:solidFill>
                   <a:srgbClr val="FBF376"/>
                 </a:solidFill>
                 <a:cs typeface="Arial"/>
               </a:rPr>
-              <a:t>7</a:t>
-            </a:r>
+              <a:t>8</a:t>
+            </a:r>
+            <a:endParaRPr lang="en-US" sz="2800" b="1" dirty="0" smtClean="0">
+              <a:solidFill>
+                <a:srgbClr val="FBF376"/>
+              </a:solidFill>
+              <a:cs typeface="Arial"/>
+            </a:endParaRPr>
           </a:p>
           <a:p>
             <a:pPr marL="0" indent="0">
